--- a/slides/chapter2.pptx
+++ b/slides/chapter2.pptx
@@ -252,7 +252,7 @@
           <a:bodyPr lIns="0" rIns="0" tIns="0" bIns="0" anchor="b"/>
           <a:p>
             <a:pPr algn="r"/>
-            <a:fld id="{54C4AE6F-A826-4EBA-B210-0D2062FC7535}" type="slidenum">
+            <a:fld id="{E5EF39B7-5E94-43D6-9E14-88EE945385AA}" type="slidenum">
               <a:rPr b="0" lang="en-US" sz="1400" spc="-1" strike="noStrike">
                 <a:latin typeface="Times New Roman"/>
               </a:rPr>
@@ -300,7 +300,7 @@
         <p:spPr>
           <a:xfrm>
             <a:off x="3332160" y="971640"/>
-            <a:ext cx="3391920" cy="2620440"/>
+            <a:ext cx="3391200" cy="2619720"/>
           </a:xfrm>
           <a:prstGeom prst="rect">
             <a:avLst/>
@@ -320,7 +320,7 @@
         <p:spPr>
           <a:xfrm>
             <a:off x="1006560" y="3740040"/>
-            <a:ext cx="8043120" cy="3058560"/>
+            <a:ext cx="8042400" cy="3057840"/>
           </a:xfrm>
           <a:prstGeom prst="rect">
             <a:avLst/>
@@ -344,7 +344,7 @@
         <p:spPr>
           <a:xfrm>
             <a:off x="5697360" y="7383600"/>
-            <a:ext cx="4357080" cy="386640"/>
+            <a:ext cx="4356360" cy="385920"/>
           </a:xfrm>
           <a:prstGeom prst="rect">
             <a:avLst/>
@@ -368,7 +368,7 @@
                 <a:spcPct val="100000"/>
               </a:lnSpc>
             </a:pPr>
-            <a:fld id="{40BCF4CA-5F96-4D74-965F-2B4994F3B3E5}" type="slidenum">
+            <a:fld id="{8E14ACE9-FE1E-4E13-B7D9-6396B49B4B4A}" type="slidenum">
               <a:rPr b="0" lang="en-US" sz="1200" spc="-1" strike="noStrike">
                 <a:solidFill>
                   <a:srgbClr val="000000"/>
@@ -419,7 +419,7 @@
         <p:spPr>
           <a:xfrm>
             <a:off x="3332160" y="971640"/>
-            <a:ext cx="3391920" cy="2620440"/>
+            <a:ext cx="3391200" cy="2619720"/>
           </a:xfrm>
           <a:prstGeom prst="rect">
             <a:avLst/>
@@ -439,7 +439,7 @@
         <p:spPr>
           <a:xfrm>
             <a:off x="1006560" y="3740040"/>
-            <a:ext cx="8043120" cy="3058560"/>
+            <a:ext cx="8042400" cy="3057840"/>
           </a:xfrm>
           <a:prstGeom prst="rect">
             <a:avLst/>
@@ -463,7 +463,7 @@
         <p:spPr>
           <a:xfrm>
             <a:off x="5697360" y="7383600"/>
-            <a:ext cx="4357080" cy="386640"/>
+            <a:ext cx="4356360" cy="385920"/>
           </a:xfrm>
           <a:prstGeom prst="rect">
             <a:avLst/>
@@ -487,7 +487,7 @@
                 <a:spcPct val="100000"/>
               </a:lnSpc>
             </a:pPr>
-            <a:fld id="{C3F973E9-C5D7-47B8-8530-4CA2E392D13A}" type="slidenum">
+            <a:fld id="{782BC9A9-0403-4B80-944C-12AA245D24BD}" type="slidenum">
               <a:rPr b="0" lang="en-US" sz="1200" spc="-1" strike="noStrike">
                 <a:solidFill>
                   <a:srgbClr val="000000"/>
@@ -538,7 +538,7 @@
         <p:spPr>
           <a:xfrm>
             <a:off x="3332160" y="971640"/>
-            <a:ext cx="3391920" cy="2620440"/>
+            <a:ext cx="3391200" cy="2619720"/>
           </a:xfrm>
           <a:prstGeom prst="rect">
             <a:avLst/>
@@ -558,7 +558,7 @@
         <p:spPr>
           <a:xfrm>
             <a:off x="1006560" y="3740040"/>
-            <a:ext cx="8043120" cy="3058560"/>
+            <a:ext cx="8042400" cy="3057840"/>
           </a:xfrm>
           <a:prstGeom prst="rect">
             <a:avLst/>
@@ -582,7 +582,7 @@
         <p:spPr>
           <a:xfrm>
             <a:off x="5697360" y="7383600"/>
-            <a:ext cx="4357080" cy="386640"/>
+            <a:ext cx="4356360" cy="385920"/>
           </a:xfrm>
           <a:prstGeom prst="rect">
             <a:avLst/>
@@ -606,7 +606,7 @@
                 <a:spcPct val="100000"/>
               </a:lnSpc>
             </a:pPr>
-            <a:fld id="{AF57F5E4-6393-4089-AAD4-FC4082B6D768}" type="slidenum">
+            <a:fld id="{9D67CDC4-FA8E-4105-9287-6B9138897F25}" type="slidenum">
               <a:rPr b="0" lang="en-US" sz="1200" spc="-1" strike="noStrike">
                 <a:solidFill>
                   <a:srgbClr val="000000"/>
@@ -657,7 +657,7 @@
         <p:spPr>
           <a:xfrm>
             <a:off x="3332160" y="971640"/>
-            <a:ext cx="3391920" cy="2620440"/>
+            <a:ext cx="3391200" cy="2619720"/>
           </a:xfrm>
           <a:prstGeom prst="rect">
             <a:avLst/>
@@ -677,7 +677,7 @@
         <p:spPr>
           <a:xfrm>
             <a:off x="1006560" y="3740040"/>
-            <a:ext cx="8043120" cy="3058560"/>
+            <a:ext cx="8042400" cy="3057840"/>
           </a:xfrm>
           <a:prstGeom prst="rect">
             <a:avLst/>
@@ -701,7 +701,7 @@
         <p:spPr>
           <a:xfrm>
             <a:off x="5697360" y="7383600"/>
-            <a:ext cx="4357080" cy="386640"/>
+            <a:ext cx="4356360" cy="385920"/>
           </a:xfrm>
           <a:prstGeom prst="rect">
             <a:avLst/>
@@ -725,7 +725,7 @@
                 <a:spcPct val="100000"/>
               </a:lnSpc>
             </a:pPr>
-            <a:fld id="{7774E503-0A08-4DBF-8554-0F32B1EFE2F4}" type="slidenum">
+            <a:fld id="{0D2E0009-A242-4B76-92E6-A88950F6421B}" type="slidenum">
               <a:rPr b="0" lang="en-US" sz="1200" spc="-1" strike="noStrike">
                 <a:solidFill>
                   <a:srgbClr val="000000"/>
@@ -776,7 +776,7 @@
         <p:spPr>
           <a:xfrm>
             <a:off x="3332160" y="971640"/>
-            <a:ext cx="3391920" cy="2620440"/>
+            <a:ext cx="3391200" cy="2619720"/>
           </a:xfrm>
           <a:prstGeom prst="rect">
             <a:avLst/>
@@ -796,7 +796,7 @@
         <p:spPr>
           <a:xfrm>
             <a:off x="1006560" y="3740040"/>
-            <a:ext cx="8043120" cy="3058560"/>
+            <a:ext cx="8042400" cy="3057840"/>
           </a:xfrm>
           <a:prstGeom prst="rect">
             <a:avLst/>
@@ -820,7 +820,7 @@
         <p:spPr>
           <a:xfrm>
             <a:off x="5697360" y="7383600"/>
-            <a:ext cx="4357080" cy="386640"/>
+            <a:ext cx="4356360" cy="385920"/>
           </a:xfrm>
           <a:prstGeom prst="rect">
             <a:avLst/>
@@ -844,7 +844,7 @@
                 <a:spcPct val="100000"/>
               </a:lnSpc>
             </a:pPr>
-            <a:fld id="{82047EEE-4113-4CCB-98BB-EEC09C52718C}" type="slidenum">
+            <a:fld id="{2073CF1D-519A-4B53-BCB6-AB0178159E32}" type="slidenum">
               <a:rPr b="0" lang="en-US" sz="1200" spc="-1" strike="noStrike">
                 <a:solidFill>
                   <a:srgbClr val="000000"/>
@@ -895,7 +895,7 @@
         <p:spPr>
           <a:xfrm>
             <a:off x="3332160" y="971640"/>
-            <a:ext cx="3391920" cy="2620440"/>
+            <a:ext cx="3391200" cy="2619720"/>
           </a:xfrm>
           <a:prstGeom prst="rect">
             <a:avLst/>
@@ -915,7 +915,7 @@
         <p:spPr>
           <a:xfrm>
             <a:off x="1006560" y="3740040"/>
-            <a:ext cx="8043120" cy="3058560"/>
+            <a:ext cx="8042400" cy="3057840"/>
           </a:xfrm>
           <a:prstGeom prst="rect">
             <a:avLst/>
@@ -939,7 +939,7 @@
         <p:spPr>
           <a:xfrm>
             <a:off x="5697360" y="7383600"/>
-            <a:ext cx="4357080" cy="386640"/>
+            <a:ext cx="4356360" cy="385920"/>
           </a:xfrm>
           <a:prstGeom prst="rect">
             <a:avLst/>
@@ -963,7 +963,7 @@
                 <a:spcPct val="100000"/>
               </a:lnSpc>
             </a:pPr>
-            <a:fld id="{3625973E-26E5-457B-940E-BFB3FE6AAEBD}" type="slidenum">
+            <a:fld id="{214EB703-1913-4397-8C81-B4FE8172C916}" type="slidenum">
               <a:rPr b="0" lang="en-US" sz="1200" spc="-1" strike="noStrike">
                 <a:solidFill>
                   <a:srgbClr val="000000"/>
@@ -5017,7 +5017,7 @@
         <p:spPr>
           <a:xfrm>
             <a:off x="502920" y="309960"/>
-            <a:ext cx="9052200" cy="1297440"/>
+            <a:ext cx="9051840" cy="1297080"/>
           </a:xfrm>
           <a:prstGeom prst="rect">
             <a:avLst/>
@@ -5026,206 +5026,13 @@
         <p:txBody>
           <a:bodyPr lIns="0" rIns="0" tIns="0" bIns="0" anchor="ctr"/>
           <a:p>
-            <a:pPr algn="ctr"/>
-            <a:r>
-              <a:rPr b="0" lang="en-US" sz="4400" spc="-1" strike="noStrike">
+            <a:r>
+              <a:rPr b="0" lang="en-US" sz="1800" spc="-1" strike="noStrike">
                 <a:latin typeface="Arial"/>
               </a:rPr>
-              <a:t>C</a:t>
-            </a:r>
-            <a:r>
-              <a:rPr b="0" lang="en-US" sz="4400" spc="-1" strike="noStrike">
-                <a:latin typeface="Arial"/>
-              </a:rPr>
-              <a:t>l</a:t>
-            </a:r>
-            <a:r>
-              <a:rPr b="0" lang="en-US" sz="4400" spc="-1" strike="noStrike">
-                <a:latin typeface="Arial"/>
-              </a:rPr>
-              <a:t>i</a:t>
-            </a:r>
-            <a:r>
-              <a:rPr b="0" lang="en-US" sz="4400" spc="-1" strike="noStrike">
-                <a:latin typeface="Arial"/>
-              </a:rPr>
-              <a:t>c</a:t>
-            </a:r>
-            <a:r>
-              <a:rPr b="0" lang="en-US" sz="4400" spc="-1" strike="noStrike">
-                <a:latin typeface="Arial"/>
-              </a:rPr>
-              <a:t>k</a:t>
-            </a:r>
-            <a:r>
-              <a:rPr b="0" lang="en-US" sz="4400" spc="-1" strike="noStrike">
-                <a:latin typeface="Arial"/>
-              </a:rPr>
-              <a:t> </a:t>
-            </a:r>
-            <a:r>
-              <a:rPr b="0" lang="en-US" sz="4400" spc="-1" strike="noStrike">
-                <a:latin typeface="Arial"/>
-              </a:rPr>
-              <a:t>t</a:t>
-            </a:r>
-            <a:r>
-              <a:rPr b="0" lang="en-US" sz="4400" spc="-1" strike="noStrike">
-                <a:latin typeface="Arial"/>
-              </a:rPr>
-              <a:t>o</a:t>
-            </a:r>
-            <a:r>
-              <a:rPr b="0" lang="en-US" sz="4400" spc="-1" strike="noStrike">
-                <a:latin typeface="Arial"/>
-              </a:rPr>
-              <a:t> </a:t>
-            </a:r>
-            <a:r>
-              <a:rPr b="0" lang="en-US" sz="4400" spc="-1" strike="noStrike">
-                <a:latin typeface="Arial"/>
-              </a:rPr>
-              <a:t>e</a:t>
-            </a:r>
-            <a:r>
-              <a:rPr b="0" lang="en-US" sz="4400" spc="-1" strike="noStrike">
-                <a:latin typeface="Arial"/>
-              </a:rPr>
-              <a:t>d</a:t>
-            </a:r>
-            <a:r>
-              <a:rPr b="0" lang="en-US" sz="4400" spc="-1" strike="noStrike">
-                <a:latin typeface="Arial"/>
-              </a:rPr>
-              <a:t>i</a:t>
-            </a:r>
-            <a:r>
-              <a:rPr b="0" lang="en-US" sz="4400" spc="-1" strike="noStrike">
-                <a:latin typeface="Arial"/>
-              </a:rPr>
-              <a:t>t </a:t>
-            </a:r>
-            <a:r>
-              <a:rPr b="0" lang="en-US" sz="4400" spc="-1" strike="noStrike">
-                <a:latin typeface="Arial"/>
-              </a:rPr>
-              <a:t>t</a:t>
-            </a:r>
-            <a:r>
-              <a:rPr b="0" lang="en-US" sz="4400" spc="-1" strike="noStrike">
-                <a:latin typeface="Arial"/>
-              </a:rPr>
-              <a:t>h</a:t>
-            </a:r>
-            <a:r>
-              <a:rPr b="0" lang="en-US" sz="4400" spc="-1" strike="noStrike">
-                <a:latin typeface="Arial"/>
-              </a:rPr>
-              <a:t>e</a:t>
-            </a:r>
-            <a:r>
-              <a:rPr b="0" lang="en-US" sz="4400" spc="-1" strike="noStrike">
-                <a:latin typeface="Arial"/>
-              </a:rPr>
-              <a:t> </a:t>
-            </a:r>
-            <a:r>
-              <a:rPr b="0" lang="en-US" sz="4400" spc="-1" strike="noStrike">
-                <a:latin typeface="Arial"/>
-              </a:rPr>
-              <a:t>t</a:t>
-            </a:r>
-            <a:r>
-              <a:rPr b="0" lang="en-US" sz="4400" spc="-1" strike="noStrike">
-                <a:latin typeface="Arial"/>
-              </a:rPr>
-              <a:t>i</a:t>
-            </a:r>
-            <a:r>
-              <a:rPr b="0" lang="en-US" sz="4400" spc="-1" strike="noStrike">
-                <a:latin typeface="Arial"/>
-              </a:rPr>
-              <a:t>t</a:t>
-            </a:r>
-            <a:r>
-              <a:rPr b="0" lang="en-US" sz="4400" spc="-1" strike="noStrike">
-                <a:latin typeface="Arial"/>
-              </a:rPr>
-              <a:t>l</a:t>
-            </a:r>
-            <a:r>
-              <a:rPr b="0" lang="en-US" sz="4400" spc="-1" strike="noStrike">
-                <a:latin typeface="Arial"/>
-              </a:rPr>
-              <a:t>e</a:t>
-            </a:r>
-            <a:r>
-              <a:rPr b="0" lang="en-US" sz="4400" spc="-1" strike="noStrike">
-                <a:latin typeface="Arial"/>
-              </a:rPr>
-              <a:t> </a:t>
-            </a:r>
-            <a:r>
-              <a:rPr b="0" lang="en-US" sz="4400" spc="-1" strike="noStrike">
-                <a:latin typeface="Arial"/>
-              </a:rPr>
-              <a:t>t</a:t>
-            </a:r>
-            <a:r>
-              <a:rPr b="0" lang="en-US" sz="4400" spc="-1" strike="noStrike">
-                <a:latin typeface="Arial"/>
-              </a:rPr>
-              <a:t>e</a:t>
-            </a:r>
-            <a:r>
-              <a:rPr b="0" lang="en-US" sz="4400" spc="-1" strike="noStrike">
-                <a:latin typeface="Arial"/>
-              </a:rPr>
-              <a:t>x</a:t>
-            </a:r>
-            <a:r>
-              <a:rPr b="0" lang="en-US" sz="4400" spc="-1" strike="noStrike">
-                <a:latin typeface="Arial"/>
-              </a:rPr>
-              <a:t>t </a:t>
-            </a:r>
-            <a:r>
-              <a:rPr b="0" lang="en-US" sz="4400" spc="-1" strike="noStrike">
-                <a:latin typeface="Arial"/>
-              </a:rPr>
-              <a:t>f</a:t>
-            </a:r>
-            <a:r>
-              <a:rPr b="0" lang="en-US" sz="4400" spc="-1" strike="noStrike">
-                <a:latin typeface="Arial"/>
-              </a:rPr>
-              <a:t>o</a:t>
-            </a:r>
-            <a:r>
-              <a:rPr b="0" lang="en-US" sz="4400" spc="-1" strike="noStrike">
-                <a:latin typeface="Arial"/>
-              </a:rPr>
-              <a:t>r</a:t>
-            </a:r>
-            <a:r>
-              <a:rPr b="0" lang="en-US" sz="4400" spc="-1" strike="noStrike">
-                <a:latin typeface="Arial"/>
-              </a:rPr>
-              <a:t>m</a:t>
-            </a:r>
-            <a:r>
-              <a:rPr b="0" lang="en-US" sz="4400" spc="-1" strike="noStrike">
-                <a:latin typeface="Arial"/>
-              </a:rPr>
-              <a:t>a</a:t>
-            </a:r>
-            <a:r>
-              <a:rPr b="0" lang="en-US" sz="4400" spc="-1" strike="noStrike">
-                <a:latin typeface="Arial"/>
-              </a:rPr>
-              <a:t>t</a:t>
-            </a:r>
-            <a:endParaRPr b="0" lang="en-US" sz="4400" spc="-1" strike="noStrike">
+              <a:t>Click to edit the title text format</a:t>
+            </a:r>
+            <a:endParaRPr b="0" lang="en-US" sz="1800" spc="-1" strike="noStrike">
               <a:latin typeface="Arial"/>
             </a:endParaRPr>
           </a:p>
@@ -5244,7 +5051,7 @@
         <p:spPr>
           <a:xfrm>
             <a:off x="502920" y="1818720"/>
-            <a:ext cx="9052200" cy="4507560"/>
+            <a:ext cx="9051840" cy="4507200"/>
           </a:xfrm>
           <a:prstGeom prst="rect">
             <a:avLst/>
@@ -5267,12 +5074,12 @@
               <a:buChar char=""/>
             </a:pPr>
             <a:r>
-              <a:rPr b="0" lang="en-US" sz="3200" spc="-1" strike="noStrike">
+              <a:rPr b="0" lang="en-US" sz="1800" spc="-1" strike="noStrike">
                 <a:latin typeface="Arial"/>
               </a:rPr>
               <a:t>Click to edit the outline text format</a:t>
             </a:r>
-            <a:endParaRPr b="0" lang="en-US" sz="3200" spc="-1" strike="noStrike">
+            <a:endParaRPr b="0" lang="en-US" sz="1800" spc="-1" strike="noStrike">
               <a:latin typeface="Arial"/>
             </a:endParaRPr>
           </a:p>
@@ -5289,12 +5096,12 @@
               <a:buChar char=""/>
             </a:pPr>
             <a:r>
-              <a:rPr b="0" lang="en-US" sz="2800" spc="-1" strike="noStrike">
+              <a:rPr b="0" lang="en-US" sz="1800" spc="-1" strike="noStrike">
                 <a:latin typeface="Arial"/>
               </a:rPr>
               <a:t>Second Outline Level</a:t>
             </a:r>
-            <a:endParaRPr b="0" lang="en-US" sz="2800" spc="-1" strike="noStrike">
+            <a:endParaRPr b="0" lang="en-US" sz="1800" spc="-1" strike="noStrike">
               <a:latin typeface="Arial"/>
             </a:endParaRPr>
           </a:p>
@@ -5311,12 +5118,12 @@
               <a:buChar char=""/>
             </a:pPr>
             <a:r>
-              <a:rPr b="0" lang="en-US" sz="2400" spc="-1" strike="noStrike">
+              <a:rPr b="0" lang="en-US" sz="1800" spc="-1" strike="noStrike">
                 <a:latin typeface="Arial"/>
               </a:rPr>
               <a:t>Third Outline Level</a:t>
             </a:r>
-            <a:endParaRPr b="0" lang="en-US" sz="2400" spc="-1" strike="noStrike">
+            <a:endParaRPr b="0" lang="en-US" sz="1800" spc="-1" strike="noStrike">
               <a:latin typeface="Arial"/>
             </a:endParaRPr>
           </a:p>
@@ -5333,12 +5140,12 @@
               <a:buChar char=""/>
             </a:pPr>
             <a:r>
-              <a:rPr b="0" lang="en-US" sz="2000" spc="-1" strike="noStrike">
+              <a:rPr b="0" lang="en-US" sz="1800" spc="-1" strike="noStrike">
                 <a:latin typeface="Arial"/>
               </a:rPr>
               <a:t>Fourth Outline Level</a:t>
             </a:r>
-            <a:endParaRPr b="0" lang="en-US" sz="2000" spc="-1" strike="noStrike">
+            <a:endParaRPr b="0" lang="en-US" sz="1800" spc="-1" strike="noStrike">
               <a:latin typeface="Arial"/>
             </a:endParaRPr>
           </a:p>
@@ -5355,12 +5162,12 @@
               <a:buChar char=""/>
             </a:pPr>
             <a:r>
-              <a:rPr b="0" lang="en-US" sz="2000" spc="-1" strike="noStrike">
+              <a:rPr b="0" lang="en-US" sz="1800" spc="-1" strike="noStrike">
                 <a:latin typeface="Arial"/>
               </a:rPr>
               <a:t>Fifth Outline Level</a:t>
             </a:r>
-            <a:endParaRPr b="0" lang="en-US" sz="2000" spc="-1" strike="noStrike">
+            <a:endParaRPr b="0" lang="en-US" sz="1800" spc="-1" strike="noStrike">
               <a:latin typeface="Arial"/>
             </a:endParaRPr>
           </a:p>
@@ -5377,12 +5184,12 @@
               <a:buChar char=""/>
             </a:pPr>
             <a:r>
-              <a:rPr b="0" lang="en-US" sz="2000" spc="-1" strike="noStrike">
+              <a:rPr b="0" lang="en-US" sz="1800" spc="-1" strike="noStrike">
                 <a:latin typeface="Arial"/>
               </a:rPr>
               <a:t>Sixth Outline Level</a:t>
             </a:r>
-            <a:endParaRPr b="0" lang="en-US" sz="2000" spc="-1" strike="noStrike">
+            <a:endParaRPr b="0" lang="en-US" sz="1800" spc="-1" strike="noStrike">
               <a:latin typeface="Arial"/>
             </a:endParaRPr>
           </a:p>
@@ -5399,12 +5206,12 @@
               <a:buChar char=""/>
             </a:pPr>
             <a:r>
-              <a:rPr b="0" lang="en-US" sz="2000" spc="-1" strike="noStrike">
+              <a:rPr b="0" lang="en-US" sz="1800" spc="-1" strike="noStrike">
                 <a:latin typeface="Arial"/>
               </a:rPr>
               <a:t>Seventh Outline Level</a:t>
             </a:r>
-            <a:endParaRPr b="0" lang="en-US" sz="2000" spc="-1" strike="noStrike">
+            <a:endParaRPr b="0" lang="en-US" sz="1800" spc="-1" strike="noStrike">
               <a:latin typeface="Arial"/>
             </a:endParaRPr>
           </a:p>
@@ -5739,49 +5546,7 @@
               <a:rPr b="0" lang="en-US" sz="4400" spc="-1" strike="noStrike">
                 <a:latin typeface="Arial"/>
               </a:rPr>
-              <a:t>Clic</a:t>
-            </a:r>
-            <a:r>
-              <a:rPr b="0" lang="en-US" sz="4400" spc="-1" strike="noStrike">
-                <a:latin typeface="Arial"/>
-              </a:rPr>
-              <a:t>k to </a:t>
-            </a:r>
-            <a:r>
-              <a:rPr b="0" lang="en-US" sz="4400" spc="-1" strike="noStrike">
-                <a:latin typeface="Arial"/>
-              </a:rPr>
-              <a:t>edit </a:t>
-            </a:r>
-            <a:r>
-              <a:rPr b="0" lang="en-US" sz="4400" spc="-1" strike="noStrike">
-                <a:latin typeface="Arial"/>
-              </a:rPr>
-              <a:t>the </a:t>
-            </a:r>
-            <a:r>
-              <a:rPr b="0" lang="en-US" sz="4400" spc="-1" strike="noStrike">
-                <a:latin typeface="Arial"/>
-              </a:rPr>
-              <a:t>title </a:t>
-            </a:r>
-            <a:r>
-              <a:rPr b="0" lang="en-US" sz="4400" spc="-1" strike="noStrike">
-                <a:latin typeface="Arial"/>
-              </a:rPr>
-              <a:t>text </a:t>
-            </a:r>
-            <a:r>
-              <a:rPr b="0" lang="en-US" sz="4400" spc="-1" strike="noStrike">
-                <a:latin typeface="Arial"/>
-              </a:rPr>
-              <a:t>form</a:t>
-            </a:r>
-            <a:r>
-              <a:rPr b="0" lang="en-US" sz="4400" spc="-1" strike="noStrike">
-                <a:latin typeface="Arial"/>
-              </a:rPr>
-              <a:t>at</a:t>
+              <a:t>Click to edit the title text format</a:t>
             </a:r>
             <a:endParaRPr b="0" lang="en-US" sz="4400" spc="-1" strike="noStrike">
               <a:latin typeface="Arial"/>
@@ -6014,7 +5779,7 @@
         <p:spPr>
           <a:xfrm>
             <a:off x="3454560" y="2275200"/>
-            <a:ext cx="3147480" cy="1296000"/>
+            <a:ext cx="3146760" cy="1295280"/>
           </a:xfrm>
           <a:prstGeom prst="rect">
             <a:avLst/>
@@ -6046,27 +5811,7 @@
                 <a:latin typeface="Calibri"/>
                 <a:ea typeface="DejaVu Sans"/>
               </a:rPr>
-              <a:t>Intellige</a:t>
-            </a:r>
-            <a:r>
-              <a:rPr b="1" lang="en-US" sz="3200" spc="-1" strike="noStrike">
-                <a:solidFill>
-                  <a:srgbClr val="000000"/>
-                </a:solidFill>
-                <a:latin typeface="Calibri"/>
-                <a:ea typeface="DejaVu Sans"/>
-              </a:rPr>
-              <a:t>nt </a:t>
-            </a:r>
-            <a:r>
-              <a:rPr b="1" lang="en-US" sz="3200" spc="-1" strike="noStrike">
-                <a:solidFill>
-                  <a:srgbClr val="000000"/>
-                </a:solidFill>
-                <a:latin typeface="Calibri"/>
-                <a:ea typeface="DejaVu Sans"/>
-              </a:rPr>
-              <a:t>Agents</a:t>
+              <a:t>Intelligent Agents</a:t>
             </a:r>
             <a:endParaRPr b="0" lang="en-US" sz="3200" spc="-1" strike="noStrike">
               <a:latin typeface="Arial"/>
@@ -6083,7 +5828,7 @@
         <p:spPr>
           <a:xfrm>
             <a:off x="4183200" y="3657600"/>
-            <a:ext cx="1689840" cy="310680"/>
+            <a:ext cx="1689120" cy="309960"/>
           </a:xfrm>
           <a:prstGeom prst="rect">
             <a:avLst/>
@@ -6115,17 +5860,7 @@
                 <a:latin typeface="Calibri"/>
                 <a:ea typeface="DejaVu Sans"/>
               </a:rPr>
-              <a:t>Chapter </a:t>
-            </a:r>
-            <a:r>
-              <a:rPr b="0" lang="en-US" sz="2050" spc="-1" strike="noStrike">
-                <a:solidFill>
-                  <a:srgbClr val="000000"/>
-                </a:solidFill>
-                <a:latin typeface="Calibri"/>
-                <a:ea typeface="DejaVu Sans"/>
-              </a:rPr>
-              <a:t>2</a:t>
+              <a:t>Chapter 2</a:t>
             </a:r>
             <a:endParaRPr b="0" lang="en-US" sz="2050" spc="-1" strike="noStrike">
               <a:latin typeface="Arial"/>
@@ -6142,7 +5877,7 @@
         <p:spPr>
           <a:xfrm>
             <a:off x="8781120" y="7008480"/>
-            <a:ext cx="157320" cy="4506120"/>
+            <a:ext cx="156600" cy="4505400"/>
           </a:xfrm>
           <a:prstGeom prst="rect">
             <a:avLst/>
@@ -6166,7 +5901,7 @@
                 <a:spcPts val="859"/>
               </a:lnSpc>
             </a:pPr>
-            <a:fld id="{EE670817-C47C-4F10-A5B0-BC1319B0CFDB}" type="slidenum">
+            <a:fld id="{5387ABFE-803D-4AD3-AB5B-AF5AB1970975}" type="slidenum">
               <a:rPr b="0" lang="en-US" sz="800" spc="-1" strike="noStrike">
                 <a:solidFill>
                   <a:srgbClr val="000000"/>
@@ -6191,7 +5926,7 @@
         <p:spPr>
           <a:xfrm>
             <a:off x="3391560" y="6553080"/>
-            <a:ext cx="3358800" cy="225720"/>
+            <a:ext cx="3358080" cy="225000"/>
           </a:xfrm>
           <a:prstGeom prst="rect">
             <a:avLst/>
@@ -6223,47 +5958,7 @@
                 <a:latin typeface="Calibri"/>
                 <a:ea typeface="DejaVu Sans"/>
               </a:rPr>
-              <a:t>(Adapted from Eck </a:t>
-            </a:r>
-            <a:r>
-              <a:rPr b="0" lang="en-US" sz="900" spc="-1" strike="noStrike">
-                <a:solidFill>
-                  <a:srgbClr val="000000"/>
-                </a:solidFill>
-                <a:latin typeface="Calibri"/>
-                <a:ea typeface="DejaVu Sans"/>
-              </a:rPr>
-              <a:t>Doerry, Stuart </a:t>
-            </a:r>
-            <a:r>
-              <a:rPr b="0" lang="en-US" sz="900" spc="-1" strike="noStrike">
-                <a:solidFill>
-                  <a:srgbClr val="000000"/>
-                </a:solidFill>
-                <a:latin typeface="Calibri"/>
-                <a:ea typeface="DejaVu Sans"/>
-              </a:rPr>
-              <a:t>Russel, Dan Klein, </a:t>
-            </a:r>
-            <a:r>
-              <a:rPr b="0" lang="en-US" sz="900" spc="-1" strike="noStrike">
-                <a:solidFill>
-                  <a:srgbClr val="000000"/>
-                </a:solidFill>
-                <a:latin typeface="Calibri"/>
-                <a:ea typeface="DejaVu Sans"/>
-              </a:rPr>
-              <a:t>and others. Thanks </a:t>
-            </a:r>
-            <a:r>
-              <a:rPr b="0" lang="en-US" sz="900" spc="-1" strike="noStrike">
-                <a:solidFill>
-                  <a:srgbClr val="000000"/>
-                </a:solidFill>
-                <a:latin typeface="Calibri"/>
-                <a:ea typeface="DejaVu Sans"/>
-              </a:rPr>
-              <a:t>guys!)  </a:t>
+              <a:t>(Adapted from Eck Doerry, Stuart Russel, Dan Klein, and others. Thanks guys!)  </a:t>
             </a:r>
             <a:endParaRPr b="0" lang="en-US" sz="900" spc="-1" strike="noStrike">
               <a:latin typeface="Arial"/>
@@ -6273,6 +5968,33 @@
       </p:sp>
     </p:spTree>
   </p:cSld>
+  <p:timing>
+    <p:tnLst>
+      <p:par>
+        <p:cTn id="1" dur="indefinite" restart="never" nodeType="tmRoot">
+          <p:childTnLst>
+            <p:seq>
+              <p:cTn id="2" dur="indefinite" nodeType="mainSeq"/>
+              <p:prevCondLst>
+                <p:cond delay="0" evt="onPrev">
+                  <p:tgtEl>
+                    <p:sldTgt/>
+                  </p:tgtEl>
+                </p:cond>
+              </p:prevCondLst>
+              <p:nextCondLst>
+                <p:cond delay="0" evt="onNext">
+                  <p:tgtEl>
+                    <p:sldTgt/>
+                  </p:tgtEl>
+                </p:cond>
+              </p:nextCondLst>
+            </p:seq>
+          </p:childTnLst>
+        </p:cTn>
+      </p:par>
+    </p:tnLst>
+  </p:timing>
 </p:sld>
 </file>
 
@@ -6302,7 +6024,7 @@
         <p:spPr>
           <a:xfrm>
             <a:off x="1143000" y="457200"/>
-            <a:ext cx="7721280" cy="382680"/>
+            <a:ext cx="7720560" cy="381960"/>
           </a:xfrm>
           <a:prstGeom prst="rect">
             <a:avLst/>
@@ -6351,7 +6073,7 @@
         <p:spPr>
           <a:xfrm>
             <a:off x="457200" y="1066680"/>
-            <a:ext cx="8562600" cy="6163560"/>
+            <a:ext cx="8561880" cy="6162840"/>
           </a:xfrm>
           <a:prstGeom prst="rect">
             <a:avLst/>
@@ -6370,7 +6092,7 @@
         <p:txBody>
           <a:bodyPr lIns="0" rIns="0" tIns="0" bIns="0"/>
           <a:p>
-            <a:pPr marL="343080" indent="-340920">
+            <a:pPr marL="343080" indent="-340200">
               <a:lnSpc>
                 <a:spcPct val="100000"/>
               </a:lnSpc>
@@ -6398,7 +6120,7 @@
             </a:endParaRPr>
           </a:p>
           <a:p>
-            <a:pPr lvl="1" marL="800280" indent="-340920">
+            <a:pPr lvl="1" marL="800280" indent="-340200">
               <a:lnSpc>
                 <a:spcPct val="100000"/>
               </a:lnSpc>
@@ -6426,7 +6148,7 @@
             </a:endParaRPr>
           </a:p>
           <a:p>
-            <a:pPr lvl="1" marL="800280" indent="-340920">
+            <a:pPr lvl="1" marL="800280" indent="-340200">
               <a:lnSpc>
                 <a:spcPct val="100000"/>
               </a:lnSpc>
@@ -6454,7 +6176,7 @@
             </a:endParaRPr>
           </a:p>
           <a:p>
-            <a:pPr lvl="1" marL="800280" indent="-340920">
+            <a:pPr lvl="1" marL="800280" indent="-340200">
               <a:lnSpc>
                 <a:spcPct val="100000"/>
               </a:lnSpc>
@@ -6482,7 +6204,7 @@
             </a:endParaRPr>
           </a:p>
           <a:p>
-            <a:pPr lvl="1" marL="800280" indent="-340920">
+            <a:pPr lvl="1" marL="800280" indent="-340200">
               <a:lnSpc>
                 <a:spcPct val="100000"/>
               </a:lnSpc>
@@ -6520,7 +6242,7 @@
             </a:endParaRPr>
           </a:p>
           <a:p>
-            <a:pPr marL="343080" indent="-340920">
+            <a:pPr marL="343080" indent="-340200">
               <a:lnSpc>
                 <a:spcPct val="100000"/>
               </a:lnSpc>
@@ -6548,7 +6270,7 @@
             </a:endParaRPr>
           </a:p>
           <a:p>
-            <a:pPr lvl="1" marL="800280" indent="-340920">
+            <a:pPr lvl="1" marL="800280" indent="-340200">
               <a:lnSpc>
                 <a:spcPct val="100000"/>
               </a:lnSpc>
@@ -6576,7 +6298,7 @@
             </a:endParaRPr>
           </a:p>
           <a:p>
-            <a:pPr lvl="1" marL="800280" indent="-340920">
+            <a:pPr lvl="1" marL="800280" indent="-340200">
               <a:lnSpc>
                 <a:spcPct val="100000"/>
               </a:lnSpc>
@@ -6604,7 +6326,7 @@
             </a:endParaRPr>
           </a:p>
           <a:p>
-            <a:pPr lvl="1" marL="800280" indent="-340920">
+            <a:pPr lvl="1" marL="800280" indent="-340200">
               <a:lnSpc>
                 <a:spcPct val="100000"/>
               </a:lnSpc>
@@ -6632,7 +6354,7 @@
             </a:endParaRPr>
           </a:p>
           <a:p>
-            <a:pPr lvl="1" marL="800280" indent="-340920">
+            <a:pPr lvl="1" marL="800280" indent="-340200">
               <a:lnSpc>
                 <a:spcPct val="100000"/>
               </a:lnSpc>
@@ -6670,7 +6392,7 @@
             </a:endParaRPr>
           </a:p>
           <a:p>
-            <a:pPr marL="343080" indent="-340920">
+            <a:pPr marL="343080" indent="-340200">
               <a:lnSpc>
                 <a:spcPct val="100000"/>
               </a:lnSpc>
@@ -6698,7 +6420,7 @@
             </a:endParaRPr>
           </a:p>
           <a:p>
-            <a:pPr lvl="1" marL="800280" indent="-340920">
+            <a:pPr lvl="1" marL="800280" indent="-340200">
               <a:lnSpc>
                 <a:spcPct val="100000"/>
               </a:lnSpc>
@@ -6726,7 +6448,7 @@
             </a:endParaRPr>
           </a:p>
           <a:p>
-            <a:pPr lvl="1" marL="800280" indent="-340920">
+            <a:pPr lvl="1" marL="800280" indent="-340200">
               <a:lnSpc>
                 <a:spcPct val="100000"/>
               </a:lnSpc>
@@ -6764,7 +6486,7 @@
             </a:endParaRPr>
           </a:p>
           <a:p>
-            <a:pPr marL="343080" indent="-340920">
+            <a:pPr marL="343080" indent="-340200">
               <a:lnSpc>
                 <a:spcPct val="100000"/>
               </a:lnSpc>
@@ -6816,7 +6538,7 @@
         <p:spPr>
           <a:xfrm>
             <a:off x="6670080" y="1562400"/>
-            <a:ext cx="2747160" cy="2825640"/>
+            <a:ext cx="2746440" cy="2824920"/>
           </a:xfrm>
           <a:prstGeom prst="rect">
             <a:avLst/>
@@ -6831,10 +6553,10 @@
   <p:timing>
     <p:tnLst>
       <p:par>
-        <p:cTn id="1" dur="indefinite" restart="never" nodeType="tmRoot">
+        <p:cTn id="19" dur="indefinite" restart="never" nodeType="tmRoot">
           <p:childTnLst>
             <p:seq>
-              <p:cTn id="2" dur="indefinite" nodeType="mainSeq"/>
+              <p:cTn id="20" dur="indefinite" nodeType="mainSeq"/>
               <p:prevCondLst>
                 <p:cond delay="0" evt="onPrev">
                   <p:tgtEl>
@@ -6884,7 +6606,7 @@
         <p:spPr>
           <a:xfrm>
             <a:off x="1143000" y="457200"/>
-            <a:ext cx="7721280" cy="382680"/>
+            <a:ext cx="7720560" cy="381960"/>
           </a:xfrm>
           <a:prstGeom prst="rect">
             <a:avLst/>
@@ -6933,7 +6655,7 @@
         <p:spPr>
           <a:xfrm>
             <a:off x="457200" y="1066680"/>
-            <a:ext cx="8562600" cy="5671080"/>
+            <a:ext cx="8561880" cy="5670360"/>
           </a:xfrm>
           <a:prstGeom prst="rect">
             <a:avLst/>
@@ -6952,7 +6674,7 @@
         <p:txBody>
           <a:bodyPr lIns="0" rIns="0" tIns="0" bIns="0"/>
           <a:p>
-            <a:pPr marL="343080" indent="-340920">
+            <a:pPr marL="343080" indent="-340200">
               <a:lnSpc>
                 <a:spcPct val="100000"/>
               </a:lnSpc>
@@ -6977,7 +6699,7 @@
             </a:endParaRPr>
           </a:p>
           <a:p>
-            <a:pPr lvl="1" marL="800280" indent="-340920">
+            <a:pPr lvl="1" marL="800280" indent="-340200">
               <a:lnSpc>
                 <a:spcPct val="100000"/>
               </a:lnSpc>
@@ -7002,7 +6724,7 @@
             </a:endParaRPr>
           </a:p>
           <a:p>
-            <a:pPr lvl="1" marL="800280" indent="-340920">
+            <a:pPr lvl="1" marL="800280" indent="-340200">
               <a:lnSpc>
                 <a:spcPct val="100000"/>
               </a:lnSpc>
@@ -7027,7 +6749,7 @@
             </a:endParaRPr>
           </a:p>
           <a:p>
-            <a:pPr lvl="1" marL="800280" indent="-340920">
+            <a:pPr lvl="1" marL="800280" indent="-340200">
               <a:lnSpc>
                 <a:spcPct val="100000"/>
               </a:lnSpc>
@@ -7062,7 +6784,7 @@
             </a:endParaRPr>
           </a:p>
           <a:p>
-            <a:pPr marL="343080" indent="-340920">
+            <a:pPr marL="343080" indent="-340200">
               <a:lnSpc>
                 <a:spcPct val="100000"/>
               </a:lnSpc>
@@ -7087,7 +6809,7 @@
             </a:endParaRPr>
           </a:p>
           <a:p>
-            <a:pPr lvl="1" marL="800280" indent="-340920">
+            <a:pPr lvl="1" marL="800280" indent="-340200">
               <a:lnSpc>
                 <a:spcPct val="100000"/>
               </a:lnSpc>
@@ -7112,7 +6834,7 @@
             </a:endParaRPr>
           </a:p>
           <a:p>
-            <a:pPr lvl="1" marL="800280" indent="-340920">
+            <a:pPr lvl="1" marL="800280" indent="-340200">
               <a:lnSpc>
                 <a:spcPct val="100000"/>
               </a:lnSpc>
@@ -7137,7 +6859,7 @@
             </a:endParaRPr>
           </a:p>
           <a:p>
-            <a:pPr lvl="1" marL="800280" indent="-340920">
+            <a:pPr lvl="1" marL="800280" indent="-340200">
               <a:lnSpc>
                 <a:spcPct val="100000"/>
               </a:lnSpc>
@@ -7162,7 +6884,7 @@
             </a:endParaRPr>
           </a:p>
           <a:p>
-            <a:pPr lvl="1" marL="800280" indent="-340920">
+            <a:pPr lvl="1" marL="800280" indent="-340200">
               <a:lnSpc>
                 <a:spcPct val="100000"/>
               </a:lnSpc>
@@ -7197,7 +6919,7 @@
             </a:endParaRPr>
           </a:p>
           <a:p>
-            <a:pPr marL="343080" indent="-340920">
+            <a:pPr marL="343080" indent="-340200">
               <a:lnSpc>
                 <a:spcPct val="100000"/>
               </a:lnSpc>
@@ -7222,7 +6944,7 @@
             </a:endParaRPr>
           </a:p>
           <a:p>
-            <a:pPr lvl="1" marL="800280" indent="-340920">
+            <a:pPr lvl="1" marL="800280" indent="-340200">
               <a:lnSpc>
                 <a:spcPct val="100000"/>
               </a:lnSpc>
@@ -7250,7 +6972,7 @@
             </a:endParaRPr>
           </a:p>
           <a:p>
-            <a:pPr lvl="1" marL="800280" indent="-340920">
+            <a:pPr lvl="1" marL="800280" indent="-340200">
               <a:lnSpc>
                 <a:spcPct val="100000"/>
               </a:lnSpc>
@@ -7278,7 +7000,7 @@
             </a:endParaRPr>
           </a:p>
           <a:p>
-            <a:pPr lvl="1" marL="800280" indent="-340920">
+            <a:pPr lvl="1" marL="800280" indent="-340200">
               <a:lnSpc>
                 <a:spcPct val="100000"/>
               </a:lnSpc>
@@ -7306,7 +7028,7 @@
             </a:endParaRPr>
           </a:p>
           <a:p>
-            <a:pPr lvl="1" marL="800280" indent="-340920">
+            <a:pPr lvl="1" marL="800280" indent="-340200">
               <a:lnSpc>
                 <a:spcPct val="100000"/>
               </a:lnSpc>
@@ -7350,10 +7072,10 @@
   <p:timing>
     <p:tnLst>
       <p:par>
-        <p:cTn id="3" dur="indefinite" restart="never" nodeType="tmRoot">
+        <p:cTn id="21" dur="indefinite" restart="never" nodeType="tmRoot">
           <p:childTnLst>
             <p:seq>
-              <p:cTn id="4" dur="indefinite" nodeType="mainSeq"/>
+              <p:cTn id="22" dur="indefinite" nodeType="mainSeq"/>
               <p:prevCondLst>
                 <p:cond delay="0" evt="onPrev">
                   <p:tgtEl>
@@ -7403,7 +7125,7 @@
         <p:spPr>
           <a:xfrm>
             <a:off x="1143000" y="457200"/>
-            <a:ext cx="7721280" cy="382680"/>
+            <a:ext cx="7720560" cy="381960"/>
           </a:xfrm>
           <a:prstGeom prst="rect">
             <a:avLst/>
@@ -7452,7 +7174,7 @@
         <p:spPr>
           <a:xfrm>
             <a:off x="457200" y="1066680"/>
-            <a:ext cx="8562600" cy="5671080"/>
+            <a:ext cx="8561880" cy="5670360"/>
           </a:xfrm>
           <a:prstGeom prst="rect">
             <a:avLst/>
@@ -7471,7 +7193,7 @@
         <p:txBody>
           <a:bodyPr lIns="0" rIns="0" tIns="0" bIns="0"/>
           <a:p>
-            <a:pPr marL="343080" indent="-340920">
+            <a:pPr marL="343080" indent="-340200">
               <a:lnSpc>
                 <a:spcPct val="100000"/>
               </a:lnSpc>
@@ -7496,7 +7218,7 @@
             </a:endParaRPr>
           </a:p>
           <a:p>
-            <a:pPr lvl="1" marL="800280" indent="-340920">
+            <a:pPr lvl="1" marL="800280" indent="-340200">
               <a:lnSpc>
                 <a:spcPct val="100000"/>
               </a:lnSpc>
@@ -7521,7 +7243,7 @@
             </a:endParaRPr>
           </a:p>
           <a:p>
-            <a:pPr lvl="1" marL="800280" indent="-340920">
+            <a:pPr lvl="1" marL="800280" indent="-340200">
               <a:lnSpc>
                 <a:spcPct val="100000"/>
               </a:lnSpc>
@@ -7546,7 +7268,7 @@
             </a:endParaRPr>
           </a:p>
           <a:p>
-            <a:pPr lvl="1" marL="800280" indent="-340920">
+            <a:pPr lvl="1" marL="800280" indent="-340200">
               <a:lnSpc>
                 <a:spcPct val="100000"/>
               </a:lnSpc>
@@ -7581,7 +7303,7 @@
             </a:endParaRPr>
           </a:p>
           <a:p>
-            <a:pPr marL="343080" indent="-340920">
+            <a:pPr marL="343080" indent="-340200">
               <a:lnSpc>
                 <a:spcPct val="100000"/>
               </a:lnSpc>
@@ -7606,7 +7328,7 @@
             </a:endParaRPr>
           </a:p>
           <a:p>
-            <a:pPr lvl="1" marL="800280" indent="-340920">
+            <a:pPr lvl="1" marL="800280" indent="-340200">
               <a:lnSpc>
                 <a:spcPct val="100000"/>
               </a:lnSpc>
@@ -7631,7 +7353,7 @@
             </a:endParaRPr>
           </a:p>
           <a:p>
-            <a:pPr lvl="1" marL="800280" indent="-340920">
+            <a:pPr lvl="1" marL="800280" indent="-340200">
               <a:lnSpc>
                 <a:spcPct val="100000"/>
               </a:lnSpc>
@@ -7656,7 +7378,7 @@
             </a:endParaRPr>
           </a:p>
           <a:p>
-            <a:pPr lvl="1" marL="800280" indent="-340920">
+            <a:pPr lvl="1" marL="800280" indent="-340200">
               <a:lnSpc>
                 <a:spcPct val="100000"/>
               </a:lnSpc>
@@ -7681,7 +7403,7 @@
             </a:endParaRPr>
           </a:p>
           <a:p>
-            <a:pPr lvl="1" marL="800280" indent="-340920">
+            <a:pPr lvl="1" marL="800280" indent="-340200">
               <a:lnSpc>
                 <a:spcPct val="100000"/>
               </a:lnSpc>
@@ -7716,7 +7438,7 @@
             </a:endParaRPr>
           </a:p>
           <a:p>
-            <a:pPr marL="343080" indent="-340920">
+            <a:pPr marL="343080" indent="-340200">
               <a:lnSpc>
                 <a:spcPct val="100000"/>
               </a:lnSpc>
@@ -7741,7 +7463,7 @@
             </a:endParaRPr>
           </a:p>
           <a:p>
-            <a:pPr lvl="1" marL="800280" indent="-340920">
+            <a:pPr lvl="1" marL="800280" indent="-340200">
               <a:lnSpc>
                 <a:spcPct val="100000"/>
               </a:lnSpc>
@@ -7779,7 +7501,7 @@
             </a:endParaRPr>
           </a:p>
           <a:p>
-            <a:pPr lvl="1" marL="800280" indent="-340920">
+            <a:pPr lvl="1" marL="800280" indent="-340200">
               <a:lnSpc>
                 <a:spcPct val="100000"/>
               </a:lnSpc>
@@ -7817,7 +7539,7 @@
             </a:endParaRPr>
           </a:p>
           <a:p>
-            <a:pPr lvl="1" marL="800280" indent="-340920">
+            <a:pPr lvl="1" marL="800280" indent="-340200">
               <a:lnSpc>
                 <a:spcPct val="100000"/>
               </a:lnSpc>
@@ -7855,7 +7577,7 @@
             </a:endParaRPr>
           </a:p>
           <a:p>
-            <a:pPr lvl="1" marL="800280" indent="-340920">
+            <a:pPr lvl="1" marL="800280" indent="-340200">
               <a:lnSpc>
                 <a:spcPct val="100000"/>
               </a:lnSpc>
@@ -7909,10 +7631,10 @@
   <p:timing>
     <p:tnLst>
       <p:par>
-        <p:cTn id="5" dur="indefinite" restart="never" nodeType="tmRoot">
+        <p:cTn id="23" dur="indefinite" restart="never" nodeType="tmRoot">
           <p:childTnLst>
             <p:seq>
-              <p:cTn id="6" dur="indefinite" nodeType="mainSeq"/>
+              <p:cTn id="24" dur="indefinite" nodeType="mainSeq"/>
               <p:prevCondLst>
                 <p:cond delay="0" evt="onPrev">
                   <p:tgtEl>
@@ -7962,7 +7684,7 @@
         <p:spPr>
           <a:xfrm>
             <a:off x="1143000" y="457200"/>
-            <a:ext cx="7721280" cy="382680"/>
+            <a:ext cx="7720560" cy="381960"/>
           </a:xfrm>
           <a:prstGeom prst="rect">
             <a:avLst/>
@@ -8011,7 +7733,7 @@
         <p:spPr>
           <a:xfrm>
             <a:off x="457200" y="1523880"/>
-            <a:ext cx="8562600" cy="3467880"/>
+            <a:ext cx="8561880" cy="3467160"/>
           </a:xfrm>
           <a:prstGeom prst="rect">
             <a:avLst/>
@@ -8030,7 +7752,7 @@
         <p:txBody>
           <a:bodyPr lIns="0" rIns="0" tIns="0" bIns="0"/>
           <a:p>
-            <a:pPr marL="343080" indent="-340920">
+            <a:pPr marL="343080" indent="-340200">
               <a:lnSpc>
                 <a:spcPct val="100000"/>
               </a:lnSpc>
@@ -8075,7 +7797,7 @@
             </a:endParaRPr>
           </a:p>
           <a:p>
-            <a:pPr marL="343080" indent="-340920">
+            <a:pPr marL="343080" indent="-340200">
               <a:lnSpc>
                 <a:spcPct val="100000"/>
               </a:lnSpc>
@@ -8120,7 +7842,7 @@
             </a:endParaRPr>
           </a:p>
           <a:p>
-            <a:pPr marL="343080" indent="-340920">
+            <a:pPr marL="343080" indent="-340200">
               <a:lnSpc>
                 <a:spcPct val="100000"/>
               </a:lnSpc>
@@ -8165,7 +7887,7 @@
             </a:endParaRPr>
           </a:p>
           <a:p>
-            <a:pPr marL="343080" indent="-340920">
+            <a:pPr marL="343080" indent="-340200">
               <a:lnSpc>
                 <a:spcPct val="100000"/>
               </a:lnSpc>
@@ -8206,10 +7928,10 @@
   <p:timing>
     <p:tnLst>
       <p:par>
-        <p:cTn id="7" dur="indefinite" restart="never" nodeType="tmRoot">
+        <p:cTn id="25" dur="indefinite" restart="never" nodeType="tmRoot">
           <p:childTnLst>
             <p:seq>
-              <p:cTn id="8" dur="indefinite" nodeType="mainSeq"/>
+              <p:cTn id="26" dur="indefinite" nodeType="mainSeq"/>
               <p:prevCondLst>
                 <p:cond delay="0" evt="onPrev">
                   <p:tgtEl>
@@ -8259,7 +7981,7 @@
         <p:spPr>
           <a:xfrm>
             <a:off x="1143000" y="457200"/>
-            <a:ext cx="7721280" cy="382680"/>
+            <a:ext cx="7720560" cy="381960"/>
           </a:xfrm>
           <a:prstGeom prst="rect">
             <a:avLst/>
@@ -8308,7 +8030,7 @@
         <p:spPr>
           <a:xfrm>
             <a:off x="457200" y="1523880"/>
-            <a:ext cx="8562600" cy="3467880"/>
+            <a:ext cx="8561880" cy="3467160"/>
           </a:xfrm>
           <a:prstGeom prst="rect">
             <a:avLst/>
@@ -8327,7 +8049,7 @@
         <p:txBody>
           <a:bodyPr lIns="0" rIns="0" tIns="0" bIns="0"/>
           <a:p>
-            <a:pPr marL="343080" indent="-340920">
+            <a:pPr marL="343080" indent="-340200">
               <a:lnSpc>
                 <a:spcPct val="100000"/>
               </a:lnSpc>
@@ -8372,7 +8094,7 @@
             </a:endParaRPr>
           </a:p>
           <a:p>
-            <a:pPr marL="343080" indent="-340920">
+            <a:pPr marL="343080" indent="-340200">
               <a:lnSpc>
                 <a:spcPct val="100000"/>
               </a:lnSpc>
@@ -8417,7 +8139,7 @@
             </a:endParaRPr>
           </a:p>
           <a:p>
-            <a:pPr marL="343080" indent="-340920">
+            <a:pPr marL="343080" indent="-340200">
               <a:lnSpc>
                 <a:spcPct val="100000"/>
               </a:lnSpc>
@@ -8462,7 +8184,7 @@
             </a:endParaRPr>
           </a:p>
           <a:p>
-            <a:pPr marL="343080" indent="-340920">
+            <a:pPr marL="343080" indent="-340200">
               <a:lnSpc>
                 <a:spcPct val="100000"/>
               </a:lnSpc>
@@ -8503,10 +8225,10 @@
   <p:timing>
     <p:tnLst>
       <p:par>
-        <p:cTn id="9" dur="indefinite" restart="never" nodeType="tmRoot">
+        <p:cTn id="27" dur="indefinite" restart="never" nodeType="tmRoot">
           <p:childTnLst>
             <p:seq>
-              <p:cTn id="10" dur="indefinite" nodeType="mainSeq"/>
+              <p:cTn id="28" dur="indefinite" nodeType="mainSeq"/>
               <p:prevCondLst>
                 <p:cond delay="0" evt="onPrev">
                   <p:tgtEl>
@@ -8556,7 +8278,7 @@
         <p:spPr>
           <a:xfrm>
             <a:off x="990720" y="228600"/>
-            <a:ext cx="7721280" cy="382680"/>
+            <a:ext cx="7720560" cy="381960"/>
           </a:xfrm>
           <a:prstGeom prst="rect">
             <a:avLst/>
@@ -8605,7 +8327,7 @@
         <p:spPr>
           <a:xfrm>
             <a:off x="457200" y="914400"/>
-            <a:ext cx="8562600" cy="6638040"/>
+            <a:ext cx="8561880" cy="6637320"/>
           </a:xfrm>
           <a:prstGeom prst="rect">
             <a:avLst/>
@@ -8624,7 +8346,7 @@
         <p:txBody>
           <a:bodyPr lIns="0" rIns="0" tIns="0" bIns="0"/>
           <a:p>
-            <a:pPr marL="343080" indent="-340920">
+            <a:pPr marL="343080" indent="-340200">
               <a:lnSpc>
                 <a:spcPct val="100000"/>
               </a:lnSpc>
@@ -8649,7 +8371,7 @@
             </a:endParaRPr>
           </a:p>
           <a:p>
-            <a:pPr lvl="1" marL="800280" indent="-340920">
+            <a:pPr lvl="1" marL="800280" indent="-340200">
               <a:lnSpc>
                 <a:spcPct val="100000"/>
               </a:lnSpc>
@@ -8674,7 +8396,7 @@
             </a:endParaRPr>
           </a:p>
           <a:p>
-            <a:pPr lvl="1" marL="800280" indent="-340920">
+            <a:pPr lvl="1" marL="800280" indent="-340200">
               <a:lnSpc>
                 <a:spcPct val="100000"/>
               </a:lnSpc>
@@ -8719,7 +8441,7 @@
             </a:endParaRPr>
           </a:p>
           <a:p>
-            <a:pPr lvl="1" marL="800280" indent="-340920">
+            <a:pPr lvl="1" marL="800280" indent="-340200">
               <a:lnSpc>
                 <a:spcPct val="100000"/>
               </a:lnSpc>
@@ -8744,7 +8466,7 @@
             </a:endParaRPr>
           </a:p>
           <a:p>
-            <a:pPr lvl="1" marL="800280" indent="-340920">
+            <a:pPr lvl="1" marL="800280" indent="-340200">
               <a:lnSpc>
                 <a:spcPct val="100000"/>
               </a:lnSpc>
@@ -8779,7 +8501,7 @@
             </a:endParaRPr>
           </a:p>
           <a:p>
-            <a:pPr marL="457200" indent="-455040">
+            <a:pPr marL="457200" indent="-454320">
               <a:lnSpc>
                 <a:spcPct val="100000"/>
               </a:lnSpc>
@@ -8804,7 +8526,7 @@
             </a:endParaRPr>
           </a:p>
           <a:p>
-            <a:pPr lvl="1" marL="914400" indent="-455040">
+            <a:pPr lvl="1" marL="914400" indent="-454320">
               <a:lnSpc>
                 <a:spcPct val="100000"/>
               </a:lnSpc>
@@ -8829,7 +8551,7 @@
             </a:endParaRPr>
           </a:p>
           <a:p>
-            <a:pPr lvl="1" marL="914400" indent="-455040">
+            <a:pPr lvl="1" marL="914400" indent="-454320">
               <a:lnSpc>
                 <a:spcPct val="100000"/>
               </a:lnSpc>
@@ -8864,7 +8586,7 @@
             </a:endParaRPr>
           </a:p>
           <a:p>
-            <a:pPr marL="457200" indent="-455040">
+            <a:pPr marL="457200" indent="-454320">
               <a:lnSpc>
                 <a:spcPct val="100000"/>
               </a:lnSpc>
@@ -8889,7 +8611,7 @@
             </a:endParaRPr>
           </a:p>
           <a:p>
-            <a:pPr lvl="1" marL="914400" indent="-455040">
+            <a:pPr lvl="1" marL="914400" indent="-454320">
               <a:lnSpc>
                 <a:spcPct val="100000"/>
               </a:lnSpc>
@@ -8914,7 +8636,7 @@
             </a:endParaRPr>
           </a:p>
           <a:p>
-            <a:pPr lvl="1" marL="914400" indent="-455040">
+            <a:pPr lvl="1" marL="914400" indent="-454320">
               <a:lnSpc>
                 <a:spcPct val="100000"/>
               </a:lnSpc>
@@ -8949,7 +8671,7 @@
             </a:endParaRPr>
           </a:p>
           <a:p>
-            <a:pPr marL="457200" indent="-455040">
+            <a:pPr marL="457200" indent="-454320">
               <a:lnSpc>
                 <a:spcPct val="100000"/>
               </a:lnSpc>
@@ -8974,7 +8696,7 @@
             </a:endParaRPr>
           </a:p>
           <a:p>
-            <a:pPr lvl="1" marL="914400" indent="-455040">
+            <a:pPr lvl="1" marL="914400" indent="-454320">
               <a:lnSpc>
                 <a:spcPct val="100000"/>
               </a:lnSpc>
@@ -8999,7 +8721,7 @@
             </a:endParaRPr>
           </a:p>
           <a:p>
-            <a:pPr lvl="1" marL="914400" indent="-455040">
+            <a:pPr lvl="1" marL="914400" indent="-454320">
               <a:lnSpc>
                 <a:spcPct val="100000"/>
               </a:lnSpc>
@@ -9030,10 +8752,10 @@
   <p:timing>
     <p:tnLst>
       <p:par>
-        <p:cTn id="11" dur="indefinite" restart="never" nodeType="tmRoot">
+        <p:cTn id="29" dur="indefinite" restart="never" nodeType="tmRoot">
           <p:childTnLst>
             <p:seq>
-              <p:cTn id="12" dur="indefinite" nodeType="mainSeq"/>
+              <p:cTn id="30" dur="indefinite" nodeType="mainSeq"/>
               <p:prevCondLst>
                 <p:cond delay="0" evt="onPrev">
                   <p:tgtEl>
@@ -9083,7 +8805,7 @@
         <p:spPr>
           <a:xfrm>
             <a:off x="990720" y="228600"/>
-            <a:ext cx="7721280" cy="382680"/>
+            <a:ext cx="7720560" cy="381960"/>
           </a:xfrm>
           <a:prstGeom prst="rect">
             <a:avLst/>
@@ -9132,7 +8854,7 @@
         <p:spPr>
           <a:xfrm>
             <a:off x="457200" y="914400"/>
-            <a:ext cx="8562600" cy="6099480"/>
+            <a:ext cx="8561880" cy="6098760"/>
           </a:xfrm>
           <a:prstGeom prst="rect">
             <a:avLst/>
@@ -9161,7 +8883,7 @@
             </a:endParaRPr>
           </a:p>
           <a:p>
-            <a:pPr marL="457200" indent="-455040">
+            <a:pPr marL="457200" indent="-454320">
               <a:lnSpc>
                 <a:spcPct val="100000"/>
               </a:lnSpc>
@@ -9186,7 +8908,7 @@
             </a:endParaRPr>
           </a:p>
           <a:p>
-            <a:pPr lvl="1" marL="914400" indent="-455040">
+            <a:pPr lvl="1" marL="914400" indent="-454320">
               <a:lnSpc>
                 <a:spcPct val="100000"/>
               </a:lnSpc>
@@ -9211,7 +8933,7 @@
             </a:endParaRPr>
           </a:p>
           <a:p>
-            <a:pPr lvl="1" marL="914400" indent="-455040">
+            <a:pPr lvl="1" marL="914400" indent="-454320">
               <a:lnSpc>
                 <a:spcPct val="100000"/>
               </a:lnSpc>
@@ -9246,7 +8968,7 @@
             </a:endParaRPr>
           </a:p>
           <a:p>
-            <a:pPr marL="457200" indent="-455040">
+            <a:pPr marL="457200" indent="-454320">
               <a:lnSpc>
                 <a:spcPct val="100000"/>
               </a:lnSpc>
@@ -9271,7 +8993,7 @@
             </a:endParaRPr>
           </a:p>
           <a:p>
-            <a:pPr lvl="1" marL="914400" indent="-455040">
+            <a:pPr lvl="1" marL="914400" indent="-454320">
               <a:lnSpc>
                 <a:spcPct val="100000"/>
               </a:lnSpc>
@@ -9296,7 +9018,7 @@
             </a:endParaRPr>
           </a:p>
           <a:p>
-            <a:pPr lvl="1" marL="914400" indent="-455040">
+            <a:pPr lvl="1" marL="914400" indent="-454320">
               <a:lnSpc>
                 <a:spcPct val="100000"/>
               </a:lnSpc>
@@ -9331,7 +9053,7 @@
             </a:endParaRPr>
           </a:p>
           <a:p>
-            <a:pPr marL="457200" indent="-455040">
+            <a:pPr marL="457200" indent="-454320">
               <a:lnSpc>
                 <a:spcPct val="100000"/>
               </a:lnSpc>
@@ -9356,7 +9078,7 @@
             </a:endParaRPr>
           </a:p>
           <a:p>
-            <a:pPr lvl="1" marL="914400" indent="-455040">
+            <a:pPr lvl="1" marL="914400" indent="-454320">
               <a:lnSpc>
                 <a:spcPct val="100000"/>
               </a:lnSpc>
@@ -9381,7 +9103,7 @@
             </a:endParaRPr>
           </a:p>
           <a:p>
-            <a:pPr lvl="1" marL="914400" indent="-455040">
+            <a:pPr lvl="1" marL="914400" indent="-454320">
               <a:lnSpc>
                 <a:spcPct val="100000"/>
               </a:lnSpc>
@@ -9436,7 +9158,7 @@
             </a:endParaRPr>
           </a:p>
           <a:p>
-            <a:pPr marL="343080" indent="-340920">
+            <a:pPr marL="343080" indent="-340200">
               <a:lnSpc>
                 <a:spcPct val="100000"/>
               </a:lnSpc>
@@ -9461,7 +9183,7 @@
             </a:endParaRPr>
           </a:p>
           <a:p>
-            <a:pPr lvl="1" marL="800280" indent="-340920">
+            <a:pPr lvl="1" marL="800280" indent="-340200">
               <a:lnSpc>
                 <a:spcPct val="100000"/>
               </a:lnSpc>
@@ -9486,7 +9208,7 @@
             </a:endParaRPr>
           </a:p>
           <a:p>
-            <a:pPr lvl="1" marL="800280" indent="-340920">
+            <a:pPr lvl="1" marL="800280" indent="-340200">
               <a:lnSpc>
                 <a:spcPct val="100000"/>
               </a:lnSpc>
@@ -9527,10 +9249,10 @@
   <p:timing>
     <p:tnLst>
       <p:par>
-        <p:cTn id="13" dur="indefinite" restart="never" nodeType="tmRoot">
+        <p:cTn id="31" dur="indefinite" restart="never" nodeType="tmRoot">
           <p:childTnLst>
             <p:seq>
-              <p:cTn id="14" dur="indefinite" nodeType="mainSeq"/>
+              <p:cTn id="32" dur="indefinite" nodeType="mainSeq"/>
               <p:prevCondLst>
                 <p:cond delay="0" evt="onPrev">
                   <p:tgtEl>
@@ -9579,14 +9301,14 @@
         </p:nvSpPr>
         <p:spPr>
           <a:xfrm>
-            <a:off x="1240200" y="532080"/>
-            <a:ext cx="7720200" cy="473040"/>
+            <a:off x="533520" y="1455840"/>
+            <a:ext cx="9522360" cy="5747040"/>
           </a:xfrm>
           <a:prstGeom prst="rect">
             <a:avLst/>
           </a:prstGeom>
           <a:noFill/>
-          <a:ln w="51840">
+          <a:ln>
             <a:noFill/>
           </a:ln>
         </p:spPr>
@@ -9599,22 +9321,387 @@
         <p:txBody>
           <a:bodyPr lIns="0" rIns="0" tIns="0" bIns="0"/>
           <a:p>
-            <a:pPr algn="ctr">
-              <a:lnSpc>
-                <a:spcPts val="2429"/>
-              </a:lnSpc>
-            </a:pPr>
-            <a:r>
-              <a:rPr b="1" lang="en-US" sz="2500" spc="180" strike="noStrike">
-                <a:solidFill>
-                  <a:srgbClr val="000000"/>
-                </a:solidFill>
-                <a:latin typeface="Cambria"/>
-                <a:ea typeface="DejaVu Sans"/>
-              </a:rPr>
-              <a:t>Thinking about Environment types</a:t>
-            </a:r>
-            <a:endParaRPr b="0" lang="en-US" sz="2500" spc="-1" strike="noStrike">
+            <a:pPr marL="2099880">
+              <a:lnSpc>
+                <a:spcPct val="100000"/>
+              </a:lnSpc>
+            </a:pPr>
+            <a:r>
+              <a:rPr b="0" lang="en-US" sz="2050" spc="-52" strike="noStrike">
+                <a:solidFill>
+                  <a:srgbClr val="000000"/>
+                </a:solidFill>
+                <a:latin typeface="Tahoma"/>
+                <a:ea typeface="DejaVu Sans"/>
+              </a:rPr>
+              <a:t>Solitaire  Taxi                  Poker             </a:t>
+            </a:r>
+            <a:r>
+              <a:rPr b="0" lang="en-US" sz="2050" spc="-97" strike="noStrike">
+                <a:solidFill>
+                  <a:srgbClr val="000000"/>
+                </a:solidFill>
+                <a:latin typeface="Tahoma"/>
+                <a:ea typeface="DejaVu Sans"/>
+              </a:rPr>
+              <a:t>	</a:t>
+            </a:r>
+            <a:r>
+              <a:rPr b="0" lang="en-US" sz="2050" spc="-97" strike="noStrike">
+                <a:solidFill>
+                  <a:srgbClr val="000000"/>
+                </a:solidFill>
+                <a:latin typeface="Tahoma"/>
+                <a:ea typeface="DejaVu Sans"/>
+              </a:rPr>
+              <a:t> </a:t>
+            </a:r>
+            <a:r>
+              <a:rPr b="0" lang="en-US" sz="2050" spc="-103" strike="noStrike">
+                <a:solidFill>
+                  <a:srgbClr val="000000"/>
+                </a:solidFill>
+                <a:latin typeface="Tahoma"/>
+                <a:ea typeface="DejaVu Sans"/>
+              </a:rPr>
+              <a:t>Internet shopping</a:t>
+            </a:r>
+            <a:r>
+              <a:rPr b="0" lang="en-US" sz="2050" spc="-12" strike="noStrike">
+                <a:solidFill>
+                  <a:srgbClr val="000000"/>
+                </a:solidFill>
+                <a:latin typeface="Tahoma"/>
+                <a:ea typeface="DejaVu Sans"/>
+              </a:rPr>
+              <a:t>                     </a:t>
+            </a:r>
+            <a:r>
+              <a:rPr b="0" lang="en-US" sz="2050" spc="-109" strike="noStrike">
+                <a:solidFill>
+                  <a:srgbClr val="000000"/>
+                </a:solidFill>
+                <a:latin typeface="Tahoma"/>
+                <a:ea typeface="DejaVu Sans"/>
+              </a:rPr>
+              <a:t> </a:t>
+            </a:r>
+            <a:r>
+              <a:rPr b="0" lang="en-US" sz="2050" spc="-1" strike="noStrike">
+                <a:solidFill>
+                  <a:srgbClr val="000000"/>
+                </a:solidFill>
+                <a:latin typeface="Tahoma"/>
+                <a:ea typeface="DejaVu Sans"/>
+              </a:rPr>
+              <a:t>	</a:t>
+            </a:r>
+            <a:r>
+              <a:rPr b="0" lang="en-US" sz="2050" spc="-1" strike="noStrike">
+                <a:solidFill>
+                  <a:srgbClr val="000000"/>
+                </a:solidFill>
+                <a:latin typeface="Tahoma"/>
+                <a:ea typeface="DejaVu Sans"/>
+              </a:rPr>
+              <a:t> </a:t>
+            </a:r>
+            <a:endParaRPr b="0" lang="en-US" sz="2050" spc="-1" strike="noStrike">
+              <a:latin typeface="Arial"/>
+            </a:endParaRPr>
+          </a:p>
+          <a:p>
+            <a:pPr marL="12600">
+              <a:lnSpc>
+                <a:spcPct val="101000"/>
+              </a:lnSpc>
+              <a:spcBef>
+                <a:spcPts val="71"/>
+              </a:spcBef>
+            </a:pPr>
+            <a:endParaRPr b="0" lang="en-US" sz="2050" spc="-1" strike="noStrike">
+              <a:latin typeface="Arial"/>
+            </a:endParaRPr>
+          </a:p>
+          <a:p>
+            <a:pPr marL="12600">
+              <a:lnSpc>
+                <a:spcPct val="101000"/>
+              </a:lnSpc>
+              <a:spcBef>
+                <a:spcPts val="71"/>
+              </a:spcBef>
+            </a:pPr>
+            <a:r>
+              <a:rPr b="0" lang="en-US" sz="2050" spc="-97" strike="noStrike">
+                <a:solidFill>
+                  <a:srgbClr val="ff00ff"/>
+                </a:solidFill>
+                <a:latin typeface="Tahoma"/>
+                <a:ea typeface="DejaVu Sans"/>
+              </a:rPr>
+              <a:t>Observable??          par.       Partial              partial                    full</a:t>
+            </a:r>
+            <a:endParaRPr b="0" lang="en-US" sz="2050" spc="-1" strike="noStrike">
+              <a:latin typeface="Arial"/>
+            </a:endParaRPr>
+          </a:p>
+          <a:p>
+            <a:pPr marL="12600">
+              <a:lnSpc>
+                <a:spcPct val="101000"/>
+              </a:lnSpc>
+              <a:spcBef>
+                <a:spcPts val="71"/>
+              </a:spcBef>
+            </a:pPr>
+            <a:endParaRPr b="0" lang="en-US" sz="2050" spc="-1" strike="noStrike">
+              <a:latin typeface="Arial"/>
+            </a:endParaRPr>
+          </a:p>
+          <a:p>
+            <a:pPr marL="12600">
+              <a:lnSpc>
+                <a:spcPct val="101000"/>
+              </a:lnSpc>
+              <a:spcBef>
+                <a:spcPts val="71"/>
+              </a:spcBef>
+            </a:pPr>
+            <a:endParaRPr b="0" lang="en-US" sz="2050" spc="-1" strike="noStrike">
+              <a:latin typeface="Arial"/>
+            </a:endParaRPr>
+          </a:p>
+          <a:p>
+            <a:pPr marL="12600">
+              <a:lnSpc>
+                <a:spcPct val="101000"/>
+              </a:lnSpc>
+              <a:spcBef>
+                <a:spcPts val="71"/>
+              </a:spcBef>
+            </a:pPr>
+            <a:r>
+              <a:rPr b="0" lang="en-US" sz="2050" spc="-63" strike="noStrike">
+                <a:solidFill>
+                  <a:srgbClr val="ff00ff"/>
+                </a:solidFill>
+                <a:latin typeface="Tahoma"/>
+                <a:ea typeface="DejaVu Sans"/>
+              </a:rPr>
+              <a:t>Deterministi</a:t>
+            </a:r>
+            <a:r>
+              <a:rPr b="0" lang="en-US" sz="2050" spc="-114" strike="noStrike">
+                <a:solidFill>
+                  <a:srgbClr val="ff00ff"/>
+                </a:solidFill>
+                <a:latin typeface="Tahoma"/>
+                <a:ea typeface="DejaVu Sans"/>
+              </a:rPr>
+              <a:t>c</a:t>
+            </a:r>
+            <a:r>
+              <a:rPr b="0" lang="en-US" sz="2050" spc="-32" strike="noStrike">
+                <a:solidFill>
+                  <a:srgbClr val="ff00ff"/>
+                </a:solidFill>
+                <a:latin typeface="Tahoma"/>
+                <a:ea typeface="DejaVu Sans"/>
+              </a:rPr>
+              <a:t>??    yes      stoch.             Stoch.                 deterministic</a:t>
+            </a:r>
+            <a:endParaRPr b="0" lang="en-US" sz="2050" spc="-1" strike="noStrike">
+              <a:latin typeface="Arial"/>
+            </a:endParaRPr>
+          </a:p>
+          <a:p>
+            <a:pPr marL="12600">
+              <a:lnSpc>
+                <a:spcPct val="101000"/>
+              </a:lnSpc>
+              <a:spcBef>
+                <a:spcPts val="71"/>
+              </a:spcBef>
+            </a:pPr>
+            <a:endParaRPr b="0" lang="en-US" sz="2050" spc="-1" strike="noStrike">
+              <a:latin typeface="Arial"/>
+            </a:endParaRPr>
+          </a:p>
+          <a:p>
+            <a:pPr marL="12600">
+              <a:lnSpc>
+                <a:spcPct val="101000"/>
+              </a:lnSpc>
+              <a:spcBef>
+                <a:spcPts val="71"/>
+              </a:spcBef>
+            </a:pPr>
+            <a:endParaRPr b="0" lang="en-US" sz="2050" spc="-1" strike="noStrike">
+              <a:latin typeface="Arial"/>
+            </a:endParaRPr>
+          </a:p>
+          <a:p>
+            <a:pPr marL="12600">
+              <a:lnSpc>
+                <a:spcPct val="101000"/>
+              </a:lnSpc>
+              <a:spcBef>
+                <a:spcPts val="71"/>
+              </a:spcBef>
+            </a:pPr>
+            <a:r>
+              <a:rPr b="0" lang="en-US" sz="2050" spc="-58" strike="noStrike">
+                <a:solidFill>
+                  <a:srgbClr val="ff00ff"/>
+                </a:solidFill>
+                <a:latin typeface="Tahoma"/>
+                <a:ea typeface="DejaVu Sans"/>
+              </a:rPr>
+              <a:t>Episodic??            seq.      Seq.                episodic               seq.    </a:t>
+            </a:r>
+            <a:endParaRPr b="0" lang="en-US" sz="2050" spc="-1" strike="noStrike">
+              <a:latin typeface="Arial"/>
+            </a:endParaRPr>
+          </a:p>
+          <a:p>
+            <a:pPr marL="12600">
+              <a:lnSpc>
+                <a:spcPct val="101000"/>
+              </a:lnSpc>
+              <a:spcBef>
+                <a:spcPts val="71"/>
+              </a:spcBef>
+            </a:pPr>
+            <a:endParaRPr b="0" lang="en-US" sz="2050" spc="-1" strike="noStrike">
+              <a:latin typeface="Arial"/>
+            </a:endParaRPr>
+          </a:p>
+          <a:p>
+            <a:pPr marL="12600">
+              <a:lnSpc>
+                <a:spcPct val="100000"/>
+              </a:lnSpc>
+              <a:spcBef>
+                <a:spcPts val="20"/>
+              </a:spcBef>
+            </a:pPr>
+            <a:r>
+              <a:rPr b="0" lang="en-US" sz="2050" spc="-32" strike="noStrike">
+                <a:solidFill>
+                  <a:srgbClr val="ff00ff"/>
+                </a:solidFill>
+                <a:latin typeface="Tahoma"/>
+                <a:ea typeface="DejaVu Sans"/>
+              </a:rPr>
+              <a:t>Static??             static     dynamic         static                    dynamic </a:t>
+            </a:r>
+            <a:endParaRPr b="0" lang="en-US" sz="2050" spc="-1" strike="noStrike">
+              <a:latin typeface="Arial"/>
+            </a:endParaRPr>
+          </a:p>
+          <a:p>
+            <a:pPr marL="12600">
+              <a:lnSpc>
+                <a:spcPct val="100000"/>
+              </a:lnSpc>
+              <a:spcBef>
+                <a:spcPts val="20"/>
+              </a:spcBef>
+            </a:pPr>
+            <a:endParaRPr b="0" lang="en-US" sz="2050" spc="-1" strike="noStrike">
+              <a:latin typeface="Arial"/>
+            </a:endParaRPr>
+          </a:p>
+          <a:p>
+            <a:pPr marL="12600">
+              <a:lnSpc>
+                <a:spcPct val="100000"/>
+              </a:lnSpc>
+              <a:spcBef>
+                <a:spcPts val="20"/>
+              </a:spcBef>
+            </a:pPr>
+            <a:endParaRPr b="0" lang="en-US" sz="2050" spc="-1" strike="noStrike">
+              <a:latin typeface="Arial"/>
+            </a:endParaRPr>
+          </a:p>
+          <a:p>
+            <a:pPr marL="12600">
+              <a:lnSpc>
+                <a:spcPct val="101000"/>
+              </a:lnSpc>
+              <a:spcBef>
+                <a:spcPts val="11"/>
+              </a:spcBef>
+            </a:pPr>
+            <a:r>
+              <a:rPr b="0" lang="en-US" sz="2050" spc="-69" strike="noStrike">
+                <a:solidFill>
+                  <a:srgbClr val="ff00ff"/>
+                </a:solidFill>
+                <a:latin typeface="Tahoma"/>
+                <a:ea typeface="DejaVu Sans"/>
+              </a:rPr>
+              <a:t>Discrete??          discrete  continuous     discrete                ???</a:t>
+            </a:r>
+            <a:endParaRPr b="0" lang="en-US" sz="2050" spc="-1" strike="noStrike">
+              <a:latin typeface="Arial"/>
+            </a:endParaRPr>
+          </a:p>
+          <a:p>
+            <a:pPr marL="12600">
+              <a:lnSpc>
+                <a:spcPct val="101000"/>
+              </a:lnSpc>
+              <a:spcBef>
+                <a:spcPts val="11"/>
+              </a:spcBef>
+            </a:pPr>
+            <a:endParaRPr b="0" lang="en-US" sz="2050" spc="-1" strike="noStrike">
+              <a:latin typeface="Arial"/>
+            </a:endParaRPr>
+          </a:p>
+          <a:p>
+            <a:pPr marL="12600">
+              <a:lnSpc>
+                <a:spcPct val="101000"/>
+              </a:lnSpc>
+              <a:spcBef>
+                <a:spcPts val="11"/>
+              </a:spcBef>
+            </a:pPr>
+            <a:r>
+              <a:rPr b="0" lang="en-US" sz="2050" spc="-92" strike="noStrike">
+                <a:solidFill>
+                  <a:srgbClr val="ff00ff"/>
+                </a:solidFill>
+                <a:latin typeface="Tahoma"/>
+                <a:ea typeface="DejaVu Sans"/>
+              </a:rPr>
+              <a:t>Single-agen</a:t>
+            </a:r>
+            <a:r>
+              <a:rPr b="0" lang="en-US" sz="2050" spc="-77" strike="noStrike">
+                <a:solidFill>
+                  <a:srgbClr val="ff00ff"/>
+                </a:solidFill>
+                <a:latin typeface="Tahoma"/>
+                <a:ea typeface="DejaVu Sans"/>
+              </a:rPr>
+              <a:t>t</a:t>
+            </a:r>
+            <a:r>
+              <a:rPr b="0" lang="en-US" sz="2050" spc="-43" strike="noStrike">
+                <a:solidFill>
+                  <a:srgbClr val="ff00ff"/>
+                </a:solidFill>
+                <a:latin typeface="Tahoma"/>
+                <a:ea typeface="DejaVu Sans"/>
+              </a:rPr>
+              <a:t>??   single    multi               multi                       multi</a:t>
+            </a:r>
+            <a:endParaRPr b="0" lang="en-US" sz="2050" spc="-1" strike="noStrike">
               <a:latin typeface="Arial"/>
             </a:endParaRPr>
           </a:p>
@@ -9628,14 +9715,14 @@
         </p:nvSpPr>
         <p:spPr>
           <a:xfrm>
-            <a:off x="533520" y="1455840"/>
-            <a:ext cx="9523080" cy="5747760"/>
+            <a:off x="1240200" y="532080"/>
+            <a:ext cx="7719480" cy="472320"/>
           </a:xfrm>
           <a:prstGeom prst="rect">
             <a:avLst/>
           </a:prstGeom>
           <a:noFill/>
-          <a:ln>
+          <a:ln w="51840">
             <a:noFill/>
           </a:ln>
         </p:spPr>
@@ -9648,710 +9735,22 @@
         <p:txBody>
           <a:bodyPr lIns="0" rIns="0" tIns="0" bIns="0"/>
           <a:p>
-            <a:pPr marL="2099880">
-              <a:lnSpc>
-                <a:spcPct val="100000"/>
-              </a:lnSpc>
-            </a:pPr>
-            <a:r>
-              <a:rPr b="0" lang="en-US" sz="2050" spc="-58" strike="noStrike">
-                <a:solidFill>
-                  <a:srgbClr val="000000"/>
-                </a:solidFill>
-                <a:latin typeface="Tahoma"/>
-                <a:ea typeface="DejaVu Sans"/>
-              </a:rPr>
-              <a:t>Solitaire  Taxi                  Poker             </a:t>
-            </a:r>
-            <a:r>
-              <a:rPr b="0" lang="en-US" sz="2050" spc="-103" strike="noStrike">
-                <a:solidFill>
-                  <a:srgbClr val="000000"/>
-                </a:solidFill>
-                <a:latin typeface="Tahoma"/>
-                <a:ea typeface="DejaVu Sans"/>
-              </a:rPr>
-              <a:t>	</a:t>
-            </a:r>
-            <a:r>
-              <a:rPr b="0" lang="en-US" sz="2050" spc="-103" strike="noStrike">
-                <a:solidFill>
-                  <a:srgbClr val="000000"/>
-                </a:solidFill>
-                <a:latin typeface="Tahoma"/>
-                <a:ea typeface="DejaVu Sans"/>
-              </a:rPr>
-              <a:t> </a:t>
-            </a:r>
-            <a:r>
-              <a:rPr b="0" lang="en-US" sz="2050" spc="-109" strike="noStrike">
-                <a:solidFill>
-                  <a:srgbClr val="000000"/>
-                </a:solidFill>
-                <a:latin typeface="Tahoma"/>
-                <a:ea typeface="DejaVu Sans"/>
-              </a:rPr>
-              <a:t>Internet shopping</a:t>
-            </a:r>
-            <a:r>
-              <a:rPr b="0" lang="en-US" sz="2050" spc="-18" strike="noStrike">
-                <a:solidFill>
-                  <a:srgbClr val="000000"/>
-                </a:solidFill>
-                <a:latin typeface="Tahoma"/>
-                <a:ea typeface="DejaVu Sans"/>
-              </a:rPr>
-              <a:t>                     </a:t>
-            </a:r>
-            <a:r>
-              <a:rPr b="0" lang="en-US" sz="2050" spc="-114" strike="noStrike">
-                <a:solidFill>
-                  <a:srgbClr val="000000"/>
-                </a:solidFill>
-                <a:latin typeface="Tahoma"/>
-                <a:ea typeface="DejaVu Sans"/>
-              </a:rPr>
-              <a:t> </a:t>
-            </a:r>
-            <a:r>
-              <a:rPr b="0" lang="en-US" sz="2050" spc="-1" strike="noStrike">
-                <a:solidFill>
-                  <a:srgbClr val="000000"/>
-                </a:solidFill>
-                <a:latin typeface="Tahoma"/>
-                <a:ea typeface="DejaVu Sans"/>
-              </a:rPr>
-              <a:t>	</a:t>
-            </a:r>
-            <a:r>
-              <a:rPr b="0" lang="en-US" sz="2050" spc="-1" strike="noStrike">
-                <a:solidFill>
-                  <a:srgbClr val="000000"/>
-                </a:solidFill>
-                <a:latin typeface="Tahoma"/>
-                <a:ea typeface="DejaVu Sans"/>
-              </a:rPr>
-              <a:t> </a:t>
-            </a:r>
-            <a:endParaRPr b="0" lang="en-US" sz="2050" spc="-1" strike="noStrike">
-              <a:latin typeface="Arial"/>
-            </a:endParaRPr>
-          </a:p>
-          <a:p>
-            <a:pPr marL="12600">
-              <a:lnSpc>
-                <a:spcPct val="101000"/>
-              </a:lnSpc>
-              <a:spcBef>
-                <a:spcPts val="71"/>
-              </a:spcBef>
-            </a:pPr>
-            <a:endParaRPr b="0" lang="en-US" sz="2050" spc="-1" strike="noStrike">
-              <a:latin typeface="Arial"/>
-            </a:endParaRPr>
-          </a:p>
-          <a:p>
-            <a:pPr marL="12600">
-              <a:lnSpc>
-                <a:spcPct val="101000"/>
-              </a:lnSpc>
-              <a:spcBef>
-                <a:spcPts val="71"/>
-              </a:spcBef>
-            </a:pPr>
-            <a:r>
-              <a:rPr b="0" lang="en-US" sz="2050" spc="-103" strike="noStrike">
-                <a:solidFill>
-                  <a:srgbClr val="ff00ff"/>
-                </a:solidFill>
-                <a:latin typeface="Tahoma"/>
-                <a:ea typeface="DejaVu Sans"/>
-              </a:rPr>
-              <a:t>Observable??        partial       partial               partial</a:t>
-            </a:r>
-            <a:r>
-              <a:rPr b="0" lang="en-US" sz="2050" spc="-103" strike="noStrike">
-                <a:solidFill>
-                  <a:srgbClr val="ff00ff"/>
-                </a:solidFill>
-                <a:latin typeface="Tahoma"/>
-                <a:ea typeface="DejaVu Sans"/>
-              </a:rPr>
-              <a:t>	</a:t>
-            </a:r>
-            <a:r>
-              <a:rPr b="0" lang="en-US" sz="2050" spc="-103" strike="noStrike">
-                <a:solidFill>
-                  <a:srgbClr val="ff00ff"/>
-                </a:solidFill>
-                <a:latin typeface="Tahoma"/>
-                <a:ea typeface="DejaVu Sans"/>
-              </a:rPr>
-              <a:t>	</a:t>
-            </a:r>
-            <a:r>
-              <a:rPr b="0" lang="en-US" sz="2050" spc="-103" strike="noStrike">
-                <a:solidFill>
-                  <a:srgbClr val="ff00ff"/>
-                </a:solidFill>
-                <a:latin typeface="Tahoma"/>
-                <a:ea typeface="DejaVu Sans"/>
-              </a:rPr>
-              <a:t>	</a:t>
-            </a:r>
-            <a:r>
-              <a:rPr b="0" lang="en-US" sz="2050" spc="-103" strike="noStrike">
-                <a:solidFill>
-                  <a:srgbClr val="ff00ff"/>
-                </a:solidFill>
-                <a:latin typeface="Tahoma"/>
-                <a:ea typeface="DejaVu Sans"/>
-              </a:rPr>
-              <a:t>	</a:t>
-            </a:r>
-            <a:r>
-              <a:rPr b="0" lang="en-US" sz="2050" spc="-103" strike="noStrike">
-                <a:solidFill>
-                  <a:srgbClr val="ff00ff"/>
-                </a:solidFill>
-                <a:latin typeface="Tahoma"/>
-                <a:ea typeface="DejaVu Sans"/>
-              </a:rPr>
-              <a:t>fully</a:t>
-            </a:r>
-            <a:endParaRPr b="0" lang="en-US" sz="2050" spc="-1" strike="noStrike">
-              <a:latin typeface="Arial"/>
-            </a:endParaRPr>
-          </a:p>
-          <a:p>
-            <a:pPr marL="12600">
-              <a:lnSpc>
-                <a:spcPct val="101000"/>
-              </a:lnSpc>
-              <a:spcBef>
-                <a:spcPts val="71"/>
-              </a:spcBef>
-            </a:pPr>
-            <a:endParaRPr b="0" lang="en-US" sz="2050" spc="-1" strike="noStrike">
-              <a:latin typeface="Arial"/>
-            </a:endParaRPr>
-          </a:p>
-          <a:p>
-            <a:pPr marL="12600">
-              <a:lnSpc>
-                <a:spcPct val="101000"/>
-              </a:lnSpc>
-              <a:spcBef>
-                <a:spcPts val="71"/>
-              </a:spcBef>
-            </a:pPr>
-            <a:endParaRPr b="0" lang="en-US" sz="2050" spc="-1" strike="noStrike">
-              <a:latin typeface="Arial"/>
-            </a:endParaRPr>
-          </a:p>
-          <a:p>
-            <a:pPr marL="12600">
-              <a:lnSpc>
-                <a:spcPct val="101000"/>
-              </a:lnSpc>
-              <a:spcBef>
-                <a:spcPts val="71"/>
-              </a:spcBef>
-            </a:pPr>
-            <a:r>
-              <a:rPr b="0" lang="en-US" sz="2050" spc="-69" strike="noStrike">
-                <a:solidFill>
-                  <a:srgbClr val="ff00ff"/>
-                </a:solidFill>
-                <a:latin typeface="Tahoma"/>
-                <a:ea typeface="DejaVu Sans"/>
-              </a:rPr>
-              <a:t>Deterministi</a:t>
-            </a:r>
-            <a:r>
-              <a:rPr b="0" lang="en-US" sz="2050" spc="-120" strike="noStrike">
-                <a:solidFill>
-                  <a:srgbClr val="ff00ff"/>
-                </a:solidFill>
-                <a:latin typeface="Tahoma"/>
-                <a:ea typeface="DejaVu Sans"/>
-              </a:rPr>
-              <a:t>c</a:t>
-            </a:r>
-            <a:r>
-              <a:rPr b="0" lang="en-US" sz="2050" spc="-38" strike="noStrike">
-                <a:solidFill>
-                  <a:srgbClr val="ff00ff"/>
-                </a:solidFill>
-                <a:latin typeface="Tahoma"/>
-                <a:ea typeface="DejaVu Sans"/>
-              </a:rPr>
-              <a:t>??    deter      stoch             stoch</a:t>
-            </a:r>
-            <a:r>
-              <a:rPr b="0" lang="en-US" sz="2050" spc="-38" strike="noStrike">
-                <a:solidFill>
-                  <a:srgbClr val="ff00ff"/>
-                </a:solidFill>
-                <a:latin typeface="Tahoma"/>
-                <a:ea typeface="DejaVu Sans"/>
-              </a:rPr>
-              <a:t>	</a:t>
-            </a:r>
-            <a:r>
-              <a:rPr b="0" lang="en-US" sz="2050" spc="-38" strike="noStrike">
-                <a:solidFill>
-                  <a:srgbClr val="ff00ff"/>
-                </a:solidFill>
-                <a:latin typeface="Tahoma"/>
-                <a:ea typeface="DejaVu Sans"/>
-              </a:rPr>
-              <a:t>	</a:t>
-            </a:r>
-            <a:r>
-              <a:rPr b="0" lang="en-US" sz="2050" spc="-38" strike="noStrike">
-                <a:solidFill>
-                  <a:srgbClr val="ff00ff"/>
-                </a:solidFill>
-                <a:latin typeface="Tahoma"/>
-                <a:ea typeface="DejaVu Sans"/>
-              </a:rPr>
-              <a:t>	</a:t>
-            </a:r>
-            <a:r>
-              <a:rPr b="0" lang="en-US" sz="2050" spc="-38" strike="noStrike">
-                <a:solidFill>
-                  <a:srgbClr val="ff00ff"/>
-                </a:solidFill>
-                <a:latin typeface="Tahoma"/>
-                <a:ea typeface="DejaVu Sans"/>
-              </a:rPr>
-              <a:t>	</a:t>
-            </a:r>
-            <a:r>
-              <a:rPr b="0" lang="en-US" sz="2050" spc="-38" strike="noStrike">
-                <a:solidFill>
-                  <a:srgbClr val="ff00ff"/>
-                </a:solidFill>
-                <a:latin typeface="Tahoma"/>
-                <a:ea typeface="DejaVu Sans"/>
-              </a:rPr>
-              <a:t>deter</a:t>
-            </a:r>
-            <a:endParaRPr b="0" lang="en-US" sz="2050" spc="-1" strike="noStrike">
-              <a:latin typeface="Arial"/>
-            </a:endParaRPr>
-          </a:p>
-          <a:p>
-            <a:pPr marL="12600">
-              <a:lnSpc>
-                <a:spcPct val="101000"/>
-              </a:lnSpc>
-              <a:spcBef>
-                <a:spcPts val="71"/>
-              </a:spcBef>
-            </a:pPr>
-            <a:endParaRPr b="0" lang="en-US" sz="2050" spc="-1" strike="noStrike">
-              <a:latin typeface="Arial"/>
-            </a:endParaRPr>
-          </a:p>
-          <a:p>
-            <a:pPr marL="12600">
-              <a:lnSpc>
-                <a:spcPct val="101000"/>
-              </a:lnSpc>
-              <a:spcBef>
-                <a:spcPts val="71"/>
-              </a:spcBef>
-            </a:pPr>
-            <a:endParaRPr b="0" lang="en-US" sz="2050" spc="-1" strike="noStrike">
-              <a:latin typeface="Arial"/>
-            </a:endParaRPr>
-          </a:p>
-          <a:p>
-            <a:pPr marL="12600">
-              <a:lnSpc>
-                <a:spcPct val="101000"/>
-              </a:lnSpc>
-              <a:spcBef>
-                <a:spcPts val="71"/>
-              </a:spcBef>
-            </a:pPr>
-            <a:r>
-              <a:rPr b="0" lang="en-US" sz="2050" spc="-63" strike="noStrike">
-                <a:solidFill>
-                  <a:srgbClr val="ff00ff"/>
-                </a:solidFill>
-                <a:latin typeface="Tahoma"/>
-                <a:ea typeface="DejaVu Sans"/>
-              </a:rPr>
-              <a:t>Episodic??        seq.               Seq.             Seq.</a:t>
-            </a:r>
-            <a:r>
-              <a:rPr b="0" lang="en-US" sz="2050" spc="-63" strike="noStrike">
-                <a:solidFill>
-                  <a:srgbClr val="ff00ff"/>
-                </a:solidFill>
-                <a:latin typeface="Tahoma"/>
-                <a:ea typeface="DejaVu Sans"/>
-              </a:rPr>
-              <a:t>	</a:t>
-            </a:r>
-            <a:r>
-              <a:rPr b="0" lang="en-US" sz="2050" spc="-63" strike="noStrike">
-                <a:solidFill>
-                  <a:srgbClr val="ff00ff"/>
-                </a:solidFill>
-                <a:latin typeface="Tahoma"/>
-                <a:ea typeface="DejaVu Sans"/>
-              </a:rPr>
-              <a:t>	</a:t>
-            </a:r>
-            <a:r>
-              <a:rPr b="0" lang="en-US" sz="2050" spc="-63" strike="noStrike">
-                <a:solidFill>
-                  <a:srgbClr val="ff00ff"/>
-                </a:solidFill>
-                <a:latin typeface="Tahoma"/>
-                <a:ea typeface="DejaVu Sans"/>
-              </a:rPr>
-              <a:t>	</a:t>
-            </a:r>
-            <a:r>
-              <a:rPr b="0" lang="en-US" sz="2050" spc="-63" strike="noStrike">
-                <a:solidFill>
-                  <a:srgbClr val="ff00ff"/>
-                </a:solidFill>
-                <a:latin typeface="Tahoma"/>
-                <a:ea typeface="DejaVu Sans"/>
-              </a:rPr>
-              <a:t>	</a:t>
-            </a:r>
-            <a:r>
-              <a:rPr b="0" lang="en-US" sz="2050" spc="-63" strike="noStrike">
-                <a:solidFill>
-                  <a:srgbClr val="ff00ff"/>
-                </a:solidFill>
-                <a:latin typeface="Tahoma"/>
-                <a:ea typeface="DejaVu Sans"/>
-              </a:rPr>
-              <a:t>episodic</a:t>
-            </a:r>
-            <a:endParaRPr b="0" lang="en-US" sz="2050" spc="-1" strike="noStrike">
-              <a:latin typeface="Arial"/>
-            </a:endParaRPr>
-          </a:p>
-          <a:p>
-            <a:pPr marL="12600">
-              <a:lnSpc>
-                <a:spcPct val="101000"/>
-              </a:lnSpc>
-              <a:spcBef>
-                <a:spcPts val="71"/>
-              </a:spcBef>
-            </a:pPr>
-            <a:endParaRPr b="0" lang="en-US" sz="2050" spc="-1" strike="noStrike">
-              <a:latin typeface="Arial"/>
-            </a:endParaRPr>
-          </a:p>
-          <a:p>
-            <a:pPr marL="12600">
-              <a:lnSpc>
-                <a:spcPct val="100000"/>
-              </a:lnSpc>
-              <a:spcBef>
-                <a:spcPts val="20"/>
-              </a:spcBef>
-            </a:pPr>
-            <a:r>
-              <a:rPr b="0" lang="en-US" sz="2050" spc="-38" strike="noStrike">
-                <a:solidFill>
-                  <a:srgbClr val="ff00ff"/>
-                </a:solidFill>
-                <a:latin typeface="Tahoma"/>
-                <a:ea typeface="DejaVu Sans"/>
-              </a:rPr>
-              <a:t>Static??         static           dynamic.        Static</a:t>
-            </a:r>
-            <a:r>
-              <a:rPr b="0" lang="en-US" sz="2050" spc="-38" strike="noStrike">
-                <a:solidFill>
-                  <a:srgbClr val="ff00ff"/>
-                </a:solidFill>
-                <a:latin typeface="Tahoma"/>
-                <a:ea typeface="DejaVu Sans"/>
-              </a:rPr>
-              <a:t>	</a:t>
-            </a:r>
-            <a:r>
-              <a:rPr b="0" lang="en-US" sz="2050" spc="-38" strike="noStrike">
-                <a:solidFill>
-                  <a:srgbClr val="ff00ff"/>
-                </a:solidFill>
-                <a:latin typeface="Tahoma"/>
-                <a:ea typeface="DejaVu Sans"/>
-              </a:rPr>
-              <a:t>	</a:t>
-            </a:r>
-            <a:r>
-              <a:rPr b="0" lang="en-US" sz="2050" spc="-38" strike="noStrike">
-                <a:solidFill>
-                  <a:srgbClr val="ff00ff"/>
-                </a:solidFill>
-                <a:latin typeface="Tahoma"/>
-                <a:ea typeface="DejaVu Sans"/>
-              </a:rPr>
-              <a:t>	</a:t>
-            </a:r>
-            <a:r>
-              <a:rPr b="0" lang="en-US" sz="2050" spc="-38" strike="noStrike">
-                <a:solidFill>
-                  <a:srgbClr val="ff00ff"/>
-                </a:solidFill>
-                <a:latin typeface="Tahoma"/>
-                <a:ea typeface="DejaVu Sans"/>
-              </a:rPr>
-              <a:t>	</a:t>
-            </a:r>
-            <a:r>
-              <a:rPr b="0" lang="en-US" sz="2050" spc="-38" strike="noStrike">
-                <a:solidFill>
-                  <a:srgbClr val="ff00ff"/>
-                </a:solidFill>
-                <a:latin typeface="Tahoma"/>
-                <a:ea typeface="DejaVu Sans"/>
-              </a:rPr>
-              <a:t>dynamic</a:t>
-            </a:r>
-            <a:endParaRPr b="0" lang="en-US" sz="2050" spc="-1" strike="noStrike">
-              <a:latin typeface="Arial"/>
-            </a:endParaRPr>
-          </a:p>
-          <a:p>
-            <a:pPr marL="12600">
-              <a:lnSpc>
-                <a:spcPct val="100000"/>
-              </a:lnSpc>
-              <a:spcBef>
-                <a:spcPts val="20"/>
-              </a:spcBef>
-            </a:pPr>
-            <a:endParaRPr b="0" lang="en-US" sz="2050" spc="-1" strike="noStrike">
-              <a:latin typeface="Arial"/>
-            </a:endParaRPr>
-          </a:p>
-          <a:p>
-            <a:pPr marL="12600">
-              <a:lnSpc>
-                <a:spcPct val="100000"/>
-              </a:lnSpc>
-              <a:spcBef>
-                <a:spcPts val="20"/>
-              </a:spcBef>
-            </a:pPr>
-            <a:endParaRPr b="0" lang="en-US" sz="2050" spc="-1" strike="noStrike">
-              <a:latin typeface="Arial"/>
-            </a:endParaRPr>
-          </a:p>
-          <a:p>
-            <a:pPr marL="12600">
-              <a:lnSpc>
-                <a:spcPct val="101000"/>
-              </a:lnSpc>
-              <a:spcBef>
-                <a:spcPts val="11"/>
-              </a:spcBef>
-            </a:pPr>
-            <a:r>
-              <a:rPr b="0" lang="en-US" sz="2050" spc="-75" strike="noStrike">
-                <a:solidFill>
-                  <a:srgbClr val="ff00ff"/>
-                </a:solidFill>
-                <a:latin typeface="Tahoma"/>
-                <a:ea typeface="DejaVu Sans"/>
-              </a:rPr>
-              <a:t>Discrete??        discrete     contin.             Discrete</a:t>
-            </a:r>
-            <a:r>
-              <a:rPr b="0" lang="en-US" sz="2050" spc="-75" strike="noStrike">
-                <a:solidFill>
-                  <a:srgbClr val="ff00ff"/>
-                </a:solidFill>
-                <a:latin typeface="Tahoma"/>
-                <a:ea typeface="DejaVu Sans"/>
-              </a:rPr>
-              <a:t>	</a:t>
-            </a:r>
-            <a:r>
-              <a:rPr b="0" lang="en-US" sz="2050" spc="-75" strike="noStrike">
-                <a:solidFill>
-                  <a:srgbClr val="ff00ff"/>
-                </a:solidFill>
-                <a:latin typeface="Tahoma"/>
-                <a:ea typeface="DejaVu Sans"/>
-              </a:rPr>
-              <a:t>	</a:t>
-            </a:r>
-            <a:r>
-              <a:rPr b="0" lang="en-US" sz="2050" spc="-75" strike="noStrike">
-                <a:solidFill>
-                  <a:srgbClr val="ff00ff"/>
-                </a:solidFill>
-                <a:latin typeface="Tahoma"/>
-                <a:ea typeface="DejaVu Sans"/>
-              </a:rPr>
-              <a:t>	</a:t>
-            </a:r>
-            <a:r>
-              <a:rPr b="0" lang="en-US" sz="2050" spc="-75" strike="noStrike">
-                <a:solidFill>
-                  <a:srgbClr val="ff00ff"/>
-                </a:solidFill>
-                <a:latin typeface="Tahoma"/>
-                <a:ea typeface="DejaVu Sans"/>
-              </a:rPr>
-              <a:t>	</a:t>
-            </a:r>
-            <a:r>
-              <a:rPr b="0" lang="en-US" sz="2050" spc="-75" strike="noStrike">
-                <a:solidFill>
-                  <a:srgbClr val="ff00ff"/>
-                </a:solidFill>
-                <a:latin typeface="Tahoma"/>
-                <a:ea typeface="DejaVu Sans"/>
-              </a:rPr>
-              <a:t>discrete</a:t>
-            </a:r>
-            <a:endParaRPr b="0" lang="en-US" sz="2050" spc="-1" strike="noStrike">
-              <a:latin typeface="Arial"/>
-            </a:endParaRPr>
-          </a:p>
-          <a:p>
-            <a:pPr marL="12600">
-              <a:lnSpc>
-                <a:spcPct val="101000"/>
-              </a:lnSpc>
-              <a:spcBef>
-                <a:spcPts val="11"/>
-              </a:spcBef>
-            </a:pPr>
-            <a:endParaRPr b="0" lang="en-US" sz="2050" spc="-1" strike="noStrike">
-              <a:latin typeface="Arial"/>
-            </a:endParaRPr>
-          </a:p>
-          <a:p>
-            <a:pPr marL="12600">
-              <a:lnSpc>
-                <a:spcPct val="101000"/>
-              </a:lnSpc>
-              <a:spcBef>
-                <a:spcPts val="11"/>
-              </a:spcBef>
-            </a:pPr>
-            <a:endParaRPr b="0" lang="en-US" sz="2050" spc="-1" strike="noStrike">
-              <a:latin typeface="Arial"/>
-            </a:endParaRPr>
-          </a:p>
-          <a:p>
-            <a:pPr marL="12600">
-              <a:lnSpc>
-                <a:spcPct val="101000"/>
-              </a:lnSpc>
-              <a:spcBef>
-                <a:spcPts val="11"/>
-              </a:spcBef>
-            </a:pPr>
-            <a:r>
-              <a:rPr b="0" lang="en-US" sz="2050" spc="-97" strike="noStrike">
-                <a:solidFill>
-                  <a:srgbClr val="ff00ff"/>
-                </a:solidFill>
-                <a:latin typeface="Tahoma"/>
-                <a:ea typeface="DejaVu Sans"/>
-              </a:rPr>
-              <a:t>Single-agen</a:t>
-            </a:r>
-            <a:r>
-              <a:rPr b="0" lang="en-US" sz="2050" spc="-83" strike="noStrike">
-                <a:solidFill>
-                  <a:srgbClr val="ff00ff"/>
-                </a:solidFill>
-                <a:latin typeface="Tahoma"/>
-                <a:ea typeface="DejaVu Sans"/>
-              </a:rPr>
-              <a:t>t</a:t>
-            </a:r>
-            <a:r>
-              <a:rPr b="0" lang="en-US" sz="2050" spc="-49" strike="noStrike">
-                <a:solidFill>
-                  <a:srgbClr val="ff00ff"/>
-                </a:solidFill>
-                <a:latin typeface="Tahoma"/>
-                <a:ea typeface="DejaVu Sans"/>
-              </a:rPr>
-              <a:t>??   single     single             multi</a:t>
-            </a:r>
-            <a:r>
-              <a:rPr b="0" lang="en-US" sz="2050" spc="-49" strike="noStrike">
-                <a:solidFill>
-                  <a:srgbClr val="ff00ff"/>
-                </a:solidFill>
-                <a:latin typeface="Tahoma"/>
-                <a:ea typeface="DejaVu Sans"/>
-              </a:rPr>
-              <a:t>	</a:t>
-            </a:r>
-            <a:r>
-              <a:rPr b="0" lang="en-US" sz="2050" spc="-49" strike="noStrike">
-                <a:solidFill>
-                  <a:srgbClr val="ff00ff"/>
-                </a:solidFill>
-                <a:latin typeface="Tahoma"/>
-                <a:ea typeface="DejaVu Sans"/>
-              </a:rPr>
-              <a:t>	</a:t>
-            </a:r>
-            <a:r>
-              <a:rPr b="0" lang="en-US" sz="2050" spc="-49" strike="noStrike">
-                <a:solidFill>
-                  <a:srgbClr val="ff00ff"/>
-                </a:solidFill>
-                <a:latin typeface="Tahoma"/>
-                <a:ea typeface="DejaVu Sans"/>
-              </a:rPr>
-              <a:t>	</a:t>
-            </a:r>
-            <a:r>
-              <a:rPr b="0" lang="en-US" sz="2050" spc="-49" strike="noStrike">
-                <a:solidFill>
-                  <a:srgbClr val="ff00ff"/>
-                </a:solidFill>
-                <a:latin typeface="Tahoma"/>
-                <a:ea typeface="DejaVu Sans"/>
-              </a:rPr>
-              <a:t>	</a:t>
-            </a:r>
-            <a:r>
-              <a:rPr b="0" lang="en-US" sz="2050" spc="-49" strike="noStrike">
-                <a:solidFill>
-                  <a:srgbClr val="ff00ff"/>
-                </a:solidFill>
-                <a:latin typeface="Tahoma"/>
-                <a:ea typeface="DejaVu Sans"/>
-              </a:rPr>
-              <a:t>	</a:t>
-            </a:r>
-            <a:r>
-              <a:rPr b="0" lang="en-US" sz="2050" spc="-49" strike="noStrike">
-                <a:solidFill>
-                  <a:srgbClr val="ff00ff"/>
-                </a:solidFill>
-                <a:latin typeface="Tahoma"/>
-                <a:ea typeface="DejaVu Sans"/>
-              </a:rPr>
-              <a:t>multi</a:t>
-            </a:r>
-            <a:endParaRPr b="0" lang="en-US" sz="2050" spc="-1" strike="noStrike">
+            <a:pPr algn="ctr">
+              <a:lnSpc>
+                <a:spcPts val="2429"/>
+              </a:lnSpc>
+            </a:pPr>
+            <a:r>
+              <a:rPr b="1" lang="en-US" sz="2500" spc="180" strike="noStrike">
+                <a:solidFill>
+                  <a:srgbClr val="000000"/>
+                </a:solidFill>
+                <a:latin typeface="Cambria"/>
+                <a:ea typeface="DejaVu Sans"/>
+              </a:rPr>
+              <a:t>Thinking about Environment types</a:t>
+            </a:r>
+            <a:endParaRPr b="0" lang="en-US" sz="2500" spc="-1" strike="noStrike">
               <a:latin typeface="Arial"/>
             </a:endParaRPr>
           </a:p>
@@ -10366,7 +9765,7 @@
         <p:spPr>
           <a:xfrm>
             <a:off x="8781120" y="7008480"/>
-            <a:ext cx="157320" cy="4506120"/>
+            <a:ext cx="156600" cy="4505400"/>
           </a:xfrm>
           <a:prstGeom prst="rect">
             <a:avLst/>
@@ -10390,8 +9789,8 @@
                 <a:spcPts val="859"/>
               </a:lnSpc>
             </a:pPr>
-            <a:fld id="{A4B6168D-8292-46CD-809E-90A8CDD642CA}" type="slidenum">
-              <a:rPr b="0" lang="en-US" sz="800" spc="4" strike="noStrike">
+            <a:fld id="{91CA07E9-E8AA-4F76-8FF2-4C00CF563C96}" type="slidenum">
+              <a:rPr b="0" lang="en-US" sz="800" spc="-1" strike="noStrike">
                 <a:solidFill>
                   <a:srgbClr val="000000"/>
                 </a:solidFill>
@@ -10663,10 +10062,10 @@
   <p:timing>
     <p:tnLst>
       <p:par>
-        <p:cTn id="15" dur="indefinite" restart="never" nodeType="tmRoot">
+        <p:cTn id="33" dur="indefinite" restart="never" nodeType="tmRoot">
           <p:childTnLst>
             <p:seq>
-              <p:cTn id="16" dur="indefinite" nodeType="mainSeq"/>
+              <p:cTn id="34" dur="indefinite" nodeType="mainSeq"/>
               <p:prevCondLst>
                 <p:cond delay="0" evt="onPrev">
                   <p:tgtEl>
@@ -10716,7 +10115,7 @@
         <p:spPr>
           <a:xfrm>
             <a:off x="1138680" y="274680"/>
-            <a:ext cx="7720200" cy="1296000"/>
+            <a:ext cx="7719480" cy="1295280"/>
           </a:xfrm>
           <a:prstGeom prst="rect">
             <a:avLst/>
@@ -10775,9 +10174,9 @@
         <p:grpSpPr>
           <a:xfrm>
             <a:off x="1676520" y="1295280"/>
-            <a:ext cx="4569840" cy="2896920"/>
+            <a:ext cx="4569120" cy="2896200"/>
             <a:chOff x="1676520" y="1295280"/>
-            <a:chExt cx="4569840" cy="2896920"/>
+            <a:chExt cx="4569120" cy="2896200"/>
           </a:xfrm>
         </p:grpSpPr>
         <p:sp>
@@ -10789,7 +10188,7 @@
           <p:spPr>
             <a:xfrm>
               <a:off x="1676520" y="1295280"/>
-              <a:ext cx="4569840" cy="2896920"/>
+              <a:ext cx="4569120" cy="2896200"/>
             </a:xfrm>
             <a:prstGeom prst="rect">
               <a:avLst/>
@@ -10820,7 +10219,7 @@
           <p:spPr>
             <a:xfrm>
               <a:off x="1895760" y="1395360"/>
-              <a:ext cx="556560" cy="210960"/>
+              <a:ext cx="555840" cy="210240"/>
             </a:xfrm>
             <a:prstGeom prst="rect">
               <a:avLst/>
@@ -10869,7 +10268,7 @@
           <p:spPr>
             <a:xfrm>
               <a:off x="5734440" y="2148480"/>
-              <a:ext cx="252000" cy="1185120"/>
+              <a:ext cx="251280" cy="1184400"/>
             </a:xfrm>
             <a:prstGeom prst="rect">
               <a:avLst/>
@@ -10918,7 +10317,7 @@
           <p:spPr>
             <a:xfrm>
               <a:off x="4182480" y="1519200"/>
-              <a:ext cx="538920" cy="165240"/>
+              <a:ext cx="538200" cy="164520"/>
             </a:xfrm>
             <a:prstGeom prst="rect">
               <a:avLst/>
@@ -10967,7 +10366,7 @@
           <p:spPr>
             <a:xfrm>
               <a:off x="4035240" y="1923840"/>
-              <a:ext cx="901440" cy="302400"/>
+              <a:ext cx="900720" cy="301680"/>
             </a:xfrm>
             <a:prstGeom prst="rect">
               <a:avLst/>
@@ -11016,7 +10415,7 @@
           <p:spPr>
             <a:xfrm>
               <a:off x="4054320" y="3273840"/>
-              <a:ext cx="871920" cy="302400"/>
+              <a:ext cx="871200" cy="301680"/>
             </a:xfrm>
             <a:prstGeom prst="rect">
               <a:avLst/>
@@ -11065,7 +10464,7 @@
           <p:spPr>
             <a:xfrm>
               <a:off x="2031120" y="3282120"/>
-              <a:ext cx="1521720" cy="235440"/>
+              <a:ext cx="1521000" cy="234720"/>
             </a:xfrm>
             <a:prstGeom prst="rect">
               <a:avLst/>
@@ -11096,7 +10495,7 @@
           <p:spPr>
             <a:xfrm>
               <a:off x="2105640" y="3315960"/>
-              <a:ext cx="1334160" cy="165240"/>
+              <a:ext cx="1333440" cy="164520"/>
             </a:xfrm>
             <a:prstGeom prst="rect">
               <a:avLst/>
@@ -11145,7 +10544,7 @@
           <p:spPr>
             <a:xfrm>
               <a:off x="4483800" y="1673640"/>
-              <a:ext cx="360" cy="218520"/>
+              <a:ext cx="360" cy="217800"/>
             </a:xfrm>
             <a:custGeom>
               <a:avLst/>
@@ -11187,7 +10586,7 @@
           <p:spPr>
             <a:xfrm>
               <a:off x="4448160" y="1779840"/>
-              <a:ext cx="69120" cy="154800"/>
+              <a:ext cx="68400" cy="154080"/>
             </a:xfrm>
             <a:custGeom>
               <a:avLst/>
@@ -11235,7 +10634,7 @@
           <p:spPr>
             <a:xfrm>
               <a:off x="4460040" y="1789200"/>
-              <a:ext cx="45360" cy="102600"/>
+              <a:ext cx="44640" cy="101880"/>
             </a:xfrm>
             <a:custGeom>
               <a:avLst/>
@@ -11280,7 +10679,7 @@
           <p:spPr>
             <a:xfrm>
               <a:off x="4483800" y="3560040"/>
-              <a:ext cx="360" cy="245880"/>
+              <a:ext cx="360" cy="245160"/>
             </a:xfrm>
             <a:custGeom>
               <a:avLst/>
@@ -11322,7 +10721,7 @@
           <p:spPr>
             <a:xfrm>
               <a:off x="4448160" y="3693600"/>
-              <a:ext cx="69120" cy="154800"/>
+              <a:ext cx="68400" cy="154080"/>
             </a:xfrm>
             <a:custGeom>
               <a:avLst/>
@@ -11370,7 +10769,7 @@
           <p:spPr>
             <a:xfrm>
               <a:off x="4460040" y="3703320"/>
-              <a:ext cx="45360" cy="102600"/>
+              <a:ext cx="44640" cy="101880"/>
             </a:xfrm>
             <a:custGeom>
               <a:avLst/>
@@ -11415,7 +10814,7 @@
           <p:spPr>
             <a:xfrm>
               <a:off x="4483800" y="2219760"/>
-              <a:ext cx="360" cy="1026360"/>
+              <a:ext cx="360" cy="1025640"/>
             </a:xfrm>
             <a:custGeom>
               <a:avLst/>
@@ -11457,7 +10856,7 @@
           <p:spPr>
             <a:xfrm>
               <a:off x="4448160" y="3133800"/>
-              <a:ext cx="69120" cy="154800"/>
+              <a:ext cx="68400" cy="154080"/>
             </a:xfrm>
             <a:custGeom>
               <a:avLst/>
@@ -11505,7 +10904,7 @@
           <p:spPr>
             <a:xfrm>
               <a:off x="4460040" y="3143160"/>
-              <a:ext cx="45360" cy="102600"/>
+              <a:ext cx="44640" cy="101880"/>
             </a:xfrm>
             <a:custGeom>
               <a:avLst/>
@@ -11550,7 +10949,7 @@
           <p:spPr>
             <a:xfrm>
               <a:off x="4168440" y="3867480"/>
-              <a:ext cx="634680" cy="165240"/>
+              <a:ext cx="633960" cy="164520"/>
             </a:xfrm>
             <a:prstGeom prst="rect">
               <a:avLst/>
@@ -11600,7 +10999,7 @@
         <p:spPr>
           <a:xfrm>
             <a:off x="8781120" y="7008480"/>
-            <a:ext cx="157320" cy="4506120"/>
+            <a:ext cx="156600" cy="4505400"/>
           </a:xfrm>
           <a:prstGeom prst="rect">
             <a:avLst/>
@@ -11624,7 +11023,7 @@
                 <a:spcPts val="859"/>
               </a:lnSpc>
             </a:pPr>
-            <a:fld id="{2D666605-14F9-47EF-AAF0-8CE9C73D20AE}" type="slidenum">
+            <a:fld id="{80F06F54-F405-48A4-8152-A1CFBDB81AC9}" type="slidenum">
               <a:rPr b="0" lang="en-US" sz="800" spc="-1" strike="noStrike">
                 <a:solidFill>
                   <a:srgbClr val="000000"/>
@@ -11649,7 +11048,7 @@
         <p:spPr>
           <a:xfrm>
             <a:off x="820800" y="4379040"/>
-            <a:ext cx="7406640" cy="3290400"/>
+            <a:ext cx="7405920" cy="3289680"/>
           </a:xfrm>
           <a:prstGeom prst="rect">
             <a:avLst/>
@@ -11668,7 +11067,7 @@
         <p:txBody>
           <a:bodyPr lIns="90000" rIns="90000" tIns="45000" bIns="45000"/>
           <a:p>
-            <a:pPr marL="285840" indent="-283680">
+            <a:pPr marL="285840" indent="-282960">
               <a:lnSpc>
                 <a:spcPct val="100000"/>
               </a:lnSpc>
@@ -11709,7 +11108,7 @@
             </a:endParaRPr>
           </a:p>
           <a:p>
-            <a:pPr marL="285840" indent="-283680">
+            <a:pPr marL="285840" indent="-282960">
               <a:lnSpc>
                 <a:spcPct val="100000"/>
               </a:lnSpc>
@@ -11737,7 +11136,7 @@
             </a:endParaRPr>
           </a:p>
           <a:p>
-            <a:pPr lvl="1" marL="743040" indent="-283680">
+            <a:pPr lvl="1" marL="743040" indent="-282960">
               <a:lnSpc>
                 <a:spcPct val="100000"/>
               </a:lnSpc>
@@ -11765,7 +11164,7 @@
             </a:endParaRPr>
           </a:p>
           <a:p>
-            <a:pPr lvl="1" marL="743040" indent="-283680">
+            <a:pPr lvl="1" marL="743040" indent="-282960">
               <a:lnSpc>
                 <a:spcPct val="100000"/>
               </a:lnSpc>
@@ -11793,7 +11192,7 @@
             </a:endParaRPr>
           </a:p>
           <a:p>
-            <a:pPr lvl="1" marL="743040" indent="-283680">
+            <a:pPr lvl="1" marL="743040" indent="-282960">
               <a:lnSpc>
                 <a:spcPct val="100000"/>
               </a:lnSpc>
@@ -11834,7 +11233,7 @@
             </a:endParaRPr>
           </a:p>
           <a:p>
-            <a:pPr marL="285840" indent="-283680">
+            <a:pPr marL="285840" indent="-282960">
               <a:lnSpc>
                 <a:spcPct val="100000"/>
               </a:lnSpc>
@@ -11882,7 +11281,7 @@
             </a:endParaRPr>
           </a:p>
           <a:p>
-            <a:pPr lvl="1" marL="743040" indent="-283680">
+            <a:pPr lvl="1" marL="743040" indent="-282960">
               <a:lnSpc>
                 <a:spcPct val="100000"/>
               </a:lnSpc>
@@ -11940,7 +11339,7 @@
         <p:spPr>
           <a:xfrm>
             <a:off x="1426680" y="831240"/>
-            <a:ext cx="6127560" cy="362880"/>
+            <a:ext cx="6126840" cy="362160"/>
           </a:xfrm>
           <a:prstGeom prst="rect">
             <a:avLst/>
@@ -12009,7 +11408,7 @@
         <p:spPr>
           <a:xfrm>
             <a:off x="1909800" y="1479960"/>
-            <a:ext cx="1883520" cy="1594080"/>
+            <a:ext cx="1882800" cy="1593360"/>
           </a:xfrm>
           <a:prstGeom prst="cloud">
             <a:avLst/>
@@ -12059,10 +11458,10 @@
   <p:timing>
     <p:tnLst>
       <p:par>
-        <p:cTn id="17" dur="indefinite" restart="never" nodeType="tmRoot">
+        <p:cTn id="35" dur="indefinite" restart="never" nodeType="tmRoot">
           <p:childTnLst>
             <p:seq>
-              <p:cTn id="18" dur="indefinite" nodeType="mainSeq"/>
+              <p:cTn id="36" dur="indefinite" nodeType="mainSeq"/>
               <p:prevCondLst>
                 <p:cond delay="0" evt="onPrev">
                   <p:tgtEl>
@@ -12112,7 +11511,7 @@
         <p:spPr>
           <a:xfrm>
             <a:off x="1100160" y="528480"/>
-            <a:ext cx="7720200" cy="1296000"/>
+            <a:ext cx="7719480" cy="1295280"/>
           </a:xfrm>
           <a:prstGeom prst="rect">
             <a:avLst/>
@@ -12161,7 +11560,7 @@
         <p:spPr>
           <a:xfrm>
             <a:off x="1371600" y="1314000"/>
-            <a:ext cx="7318080" cy="4639680"/>
+            <a:ext cx="7317360" cy="4638960"/>
           </a:xfrm>
           <a:prstGeom prst="rect">
             <a:avLst/>
@@ -12192,7 +11591,7 @@
         <p:spPr>
           <a:xfrm>
             <a:off x="1722960" y="5278680"/>
-            <a:ext cx="892440" cy="364320"/>
+            <a:ext cx="891720" cy="363600"/>
           </a:xfrm>
           <a:prstGeom prst="rect">
             <a:avLst/>
@@ -12241,7 +11640,7 @@
         <p:spPr>
           <a:xfrm>
             <a:off x="7954200" y="2679840"/>
-            <a:ext cx="319680" cy="1899000"/>
+            <a:ext cx="318960" cy="1898280"/>
           </a:xfrm>
           <a:prstGeom prst="rect">
             <a:avLst/>
@@ -12290,7 +11689,7 @@
         <p:spPr>
           <a:xfrm>
             <a:off x="5384520" y="1672200"/>
-            <a:ext cx="864000" cy="249840"/>
+            <a:ext cx="863280" cy="249120"/>
           </a:xfrm>
           <a:prstGeom prst="rect">
             <a:avLst/>
@@ -12339,7 +11738,7 @@
         <p:spPr>
           <a:xfrm>
             <a:off x="5178960" y="4481640"/>
-            <a:ext cx="1397520" cy="425520"/>
+            <a:ext cx="1396800" cy="424800"/>
           </a:xfrm>
           <a:prstGeom prst="rect">
             <a:avLst/>
@@ -12388,7 +11787,7 @@
         <p:spPr>
           <a:xfrm>
             <a:off x="3570840" y="4700160"/>
-            <a:ext cx="1367640" cy="12960"/>
+            <a:ext cx="1366920" cy="12240"/>
           </a:xfrm>
           <a:custGeom>
             <a:avLst/>
@@ -12430,7 +11829,7 @@
         <p:spPr>
           <a:xfrm>
             <a:off x="4803120" y="4663800"/>
-            <a:ext cx="198360" cy="98280"/>
+            <a:ext cx="197640" cy="97560"/>
           </a:xfrm>
           <a:custGeom>
             <a:avLst/>
@@ -12478,7 +11877,7 @@
         <p:spPr>
           <a:xfrm>
             <a:off x="4818600" y="4683600"/>
-            <a:ext cx="120240" cy="58680"/>
+            <a:ext cx="119520" cy="57960"/>
           </a:xfrm>
           <a:custGeom>
             <a:avLst/>
@@ -12523,7 +11922,7 @@
         <p:spPr>
           <a:xfrm>
             <a:off x="1940040" y="4494600"/>
-            <a:ext cx="2437920" cy="378360"/>
+            <a:ext cx="2437200" cy="377640"/>
           </a:xfrm>
           <a:prstGeom prst="rect">
             <a:avLst/>
@@ -12554,7 +11953,7 @@
         <p:spPr>
           <a:xfrm>
             <a:off x="2059200" y="4549320"/>
-            <a:ext cx="2137320" cy="249840"/>
+            <a:ext cx="2136600" cy="249120"/>
           </a:xfrm>
           <a:prstGeom prst="rect">
             <a:avLst/>
@@ -12603,7 +12002,7 @@
         <p:spPr>
           <a:xfrm>
             <a:off x="5866920" y="1919520"/>
-            <a:ext cx="360" cy="351000"/>
+            <a:ext cx="360" cy="350280"/>
           </a:xfrm>
           <a:custGeom>
             <a:avLst/>
@@ -12645,7 +12044,7 @@
         <p:spPr>
           <a:xfrm>
             <a:off x="5816880" y="2135160"/>
-            <a:ext cx="98280" cy="198000"/>
+            <a:ext cx="97560" cy="197280"/>
           </a:xfrm>
           <a:custGeom>
             <a:avLst/>
@@ -12693,7 +12092,7 @@
         <p:spPr>
           <a:xfrm>
             <a:off x="5836320" y="2150280"/>
-            <a:ext cx="58680" cy="119880"/>
+            <a:ext cx="57960" cy="119160"/>
           </a:xfrm>
           <a:custGeom>
             <a:avLst/>
@@ -12738,7 +12137,7 @@
         <p:spPr>
           <a:xfrm>
             <a:off x="5866920" y="4939920"/>
-            <a:ext cx="360" cy="394560"/>
+            <a:ext cx="360" cy="393840"/>
           </a:xfrm>
           <a:custGeom>
             <a:avLst/>
@@ -12780,7 +12179,7 @@
         <p:spPr>
           <a:xfrm>
             <a:off x="5816880" y="5199480"/>
-            <a:ext cx="98280" cy="198000"/>
+            <a:ext cx="97560" cy="197280"/>
           </a:xfrm>
           <a:custGeom>
             <a:avLst/>
@@ -12828,7 +12227,7 @@
         <p:spPr>
           <a:xfrm>
             <a:off x="5836320" y="5214960"/>
-            <a:ext cx="58680" cy="119880"/>
+            <a:ext cx="57960" cy="119160"/>
           </a:xfrm>
           <a:custGeom>
             <a:avLst/>
@@ -12873,7 +12272,7 @@
         <p:spPr>
           <a:xfrm>
             <a:off x="5866920" y="2793960"/>
-            <a:ext cx="360" cy="1644480"/>
+            <a:ext cx="360" cy="1643760"/>
           </a:xfrm>
           <a:custGeom>
             <a:avLst/>
@@ -12915,7 +12314,7 @@
         <p:spPr>
           <a:xfrm>
             <a:off x="5816880" y="4303080"/>
-            <a:ext cx="98280" cy="198000"/>
+            <a:ext cx="97560" cy="197280"/>
           </a:xfrm>
           <a:custGeom>
             <a:avLst/>
@@ -12963,7 +12362,7 @@
         <p:spPr>
           <a:xfrm>
             <a:off x="5836320" y="4318200"/>
-            <a:ext cx="58680" cy="119880"/>
+            <a:ext cx="57960" cy="119160"/>
           </a:xfrm>
           <a:custGeom>
             <a:avLst/>
@@ -13008,7 +12407,7 @@
         <p:spPr>
           <a:xfrm>
             <a:off x="5361480" y="5446440"/>
-            <a:ext cx="1017720" cy="249840"/>
+            <a:ext cx="1017000" cy="249120"/>
           </a:xfrm>
           <a:prstGeom prst="rect">
             <a:avLst/>
@@ -13057,7 +12456,7 @@
         <p:spPr>
           <a:xfrm>
             <a:off x="4984200" y="2271600"/>
-            <a:ext cx="1797480" cy="502560"/>
+            <a:ext cx="1796760" cy="501840"/>
           </a:xfrm>
           <a:custGeom>
             <a:avLst/>
@@ -13108,7 +12507,7 @@
         <p:spPr>
           <a:xfrm>
             <a:off x="4984200" y="2271600"/>
-            <a:ext cx="1797480" cy="502560"/>
+            <a:ext cx="1796760" cy="501840"/>
           </a:xfrm>
           <a:custGeom>
             <a:avLst/>
@@ -13160,7 +12559,7 @@
         <p:spPr>
           <a:xfrm>
             <a:off x="5148360" y="2320560"/>
-            <a:ext cx="1444320" cy="425520"/>
+            <a:ext cx="1443600" cy="424800"/>
           </a:xfrm>
           <a:prstGeom prst="rect">
             <a:avLst/>
@@ -13209,7 +12608,7 @@
         <p:spPr>
           <a:xfrm>
             <a:off x="8781120" y="7008480"/>
-            <a:ext cx="157320" cy="4506120"/>
+            <a:ext cx="156600" cy="4505400"/>
           </a:xfrm>
           <a:prstGeom prst="rect">
             <a:avLst/>
@@ -13233,7 +12632,7 @@
                 <a:spcPts val="859"/>
               </a:lnSpc>
             </a:pPr>
-            <a:fld id="{59DE64BD-5BF5-4886-85C0-9FFBB77A8EEF}" type="slidenum">
+            <a:fld id="{C949CA09-6842-4CBE-AB3B-B2D61526FE49}" type="slidenum">
               <a:rPr b="0" lang="en-US" sz="800" spc="-1" strike="noStrike">
                 <a:solidFill>
                   <a:srgbClr val="000000"/>
@@ -13258,7 +12657,7 @@
         <p:spPr>
           <a:xfrm>
             <a:off x="2903760" y="1916280"/>
-            <a:ext cx="520920" cy="249840"/>
+            <a:ext cx="520200" cy="249120"/>
           </a:xfrm>
           <a:prstGeom prst="rect">
             <a:avLst/>
@@ -13307,7 +12706,7 @@
         <p:spPr>
           <a:xfrm>
             <a:off x="1959480" y="2341440"/>
-            <a:ext cx="2410920" cy="363600"/>
+            <a:ext cx="2410200" cy="362880"/>
           </a:xfrm>
           <a:custGeom>
             <a:avLst/>
@@ -14320,7 +13719,7 @@
         <p:spPr>
           <a:xfrm>
             <a:off x="1940040" y="2333520"/>
-            <a:ext cx="3018960" cy="948960"/>
+            <a:ext cx="3018240" cy="948240"/>
           </a:xfrm>
           <a:prstGeom prst="rect">
             <a:avLst/>
@@ -14351,7 +13750,7 @@
         <p:spPr>
           <a:xfrm>
             <a:off x="2066760" y="2388240"/>
-            <a:ext cx="2154960" cy="249840"/>
+            <a:ext cx="2154240" cy="249120"/>
           </a:xfrm>
           <a:prstGeom prst="rect">
             <a:avLst/>
@@ -14400,7 +13799,7 @@
         <p:spPr>
           <a:xfrm>
             <a:off x="2061720" y="3064320"/>
-            <a:ext cx="2194560" cy="378360"/>
+            <a:ext cx="2193840" cy="377640"/>
           </a:xfrm>
           <a:prstGeom prst="rect">
             <a:avLst/>
@@ -14431,7 +13830,7 @@
         <p:spPr>
           <a:xfrm>
             <a:off x="2180880" y="3118680"/>
-            <a:ext cx="1894680" cy="249840"/>
+            <a:ext cx="1893960" cy="249120"/>
           </a:xfrm>
           <a:prstGeom prst="rect">
             <a:avLst/>
@@ -14480,7 +13879,7 @@
         <p:spPr>
           <a:xfrm>
             <a:off x="3160080" y="1460520"/>
-            <a:ext cx="2188440" cy="825120"/>
+            <a:ext cx="2187720" cy="824400"/>
           </a:xfrm>
           <a:custGeom>
             <a:avLst/>
@@ -14756,7 +14155,7 @@
         <p:spPr>
           <a:xfrm>
             <a:off x="3136680" y="1630080"/>
-            <a:ext cx="96120" cy="203760"/>
+            <a:ext cx="95400" cy="203040"/>
           </a:xfrm>
           <a:custGeom>
             <a:avLst/>
@@ -14804,7 +14203,7 @@
         <p:spPr>
           <a:xfrm>
             <a:off x="3152880" y="1648440"/>
-            <a:ext cx="58320" cy="123480"/>
+            <a:ext cx="57600" cy="122760"/>
           </a:xfrm>
           <a:custGeom>
             <a:avLst/>
@@ -14852,7 +14251,7 @@
         <p:spPr>
           <a:xfrm>
             <a:off x="1711080" y="1650600"/>
-            <a:ext cx="2922840" cy="1998360"/>
+            <a:ext cx="2922120" cy="1997640"/>
           </a:xfrm>
           <a:prstGeom prst="roundRect">
             <a:avLst>
@@ -14887,7 +14286,7 @@
         <p:spPr>
           <a:xfrm>
             <a:off x="1142640" y="6172200"/>
-            <a:ext cx="7492320" cy="1406520"/>
+            <a:ext cx="7491600" cy="1405800"/>
           </a:xfrm>
           <a:prstGeom prst="rect">
             <a:avLst/>
@@ -14906,7 +14305,7 @@
         <p:txBody>
           <a:bodyPr wrap="none" lIns="90000" rIns="90000" tIns="45000" bIns="45000"/>
           <a:p>
-            <a:pPr marL="343080" indent="-340920">
+            <a:pPr marL="343080" indent="-340200">
               <a:lnSpc>
                 <a:spcPct val="100000"/>
               </a:lnSpc>
@@ -14934,7 +14333,7 @@
             </a:endParaRPr>
           </a:p>
           <a:p>
-            <a:pPr lvl="1" marL="743040" indent="-283680">
+            <a:pPr lvl="1" marL="743040" indent="-282960">
               <a:lnSpc>
                 <a:spcPct val="100000"/>
               </a:lnSpc>
@@ -14972,7 +14371,7 @@
             </a:endParaRPr>
           </a:p>
           <a:p>
-            <a:pPr lvl="1" marL="743040" indent="-283680">
+            <a:pPr lvl="1" marL="743040" indent="-282960">
               <a:lnSpc>
                 <a:spcPct val="100000"/>
               </a:lnSpc>
@@ -15000,7 +14399,7 @@
             </a:endParaRPr>
           </a:p>
           <a:p>
-            <a:pPr lvl="1" marL="743040" indent="-283680">
+            <a:pPr lvl="1" marL="743040" indent="-282960">
               <a:lnSpc>
                 <a:spcPct val="100000"/>
               </a:lnSpc>
@@ -15055,10 +14454,10 @@
   <p:timing>
     <p:tnLst>
       <p:par>
-        <p:cTn id="19" dur="indefinite" restart="never" nodeType="tmRoot">
+        <p:cTn id="37" dur="indefinite" restart="never" nodeType="tmRoot">
           <p:childTnLst>
             <p:seq>
-              <p:cTn id="20" dur="indefinite" nodeType="mainSeq"/>
+              <p:cTn id="38" dur="indefinite" nodeType="mainSeq"/>
               <p:prevCondLst>
                 <p:cond delay="0" evt="onPrev">
                   <p:tgtEl>
@@ -15108,7 +14507,7 @@
         <p:spPr>
           <a:xfrm>
             <a:off x="8781120" y="7008480"/>
-            <a:ext cx="184320" cy="4506120"/>
+            <a:ext cx="183600" cy="4505400"/>
           </a:xfrm>
           <a:prstGeom prst="rect">
             <a:avLst/>
@@ -15132,7 +14531,7 @@
                 <a:spcPts val="859"/>
               </a:lnSpc>
             </a:pPr>
-            <a:fld id="{C7C9099D-1525-4D30-B5DA-1F079E7E1ABB}" type="slidenum">
+            <a:fld id="{FDF7BE88-F3B2-42BF-ADB2-16EBE75DC778}" type="slidenum">
               <a:rPr b="0" lang="en-US" sz="800" spc="-1" strike="noStrike">
                 <a:solidFill>
                   <a:srgbClr val="000000"/>
@@ -15157,7 +14556,7 @@
         <p:spPr>
           <a:xfrm>
             <a:off x="1168920" y="798840"/>
-            <a:ext cx="9032400" cy="1296000"/>
+            <a:ext cx="9031680" cy="1295280"/>
           </a:xfrm>
           <a:prstGeom prst="rect">
             <a:avLst/>
@@ -15206,7 +14605,7 @@
         <p:spPr>
           <a:xfrm>
             <a:off x="1130400" y="1394640"/>
-            <a:ext cx="8164080" cy="2351160"/>
+            <a:ext cx="8163360" cy="2350440"/>
           </a:xfrm>
           <a:prstGeom prst="rect">
             <a:avLst/>
@@ -15440,6 +14839,33 @@
       </p:sp>
     </p:spTree>
   </p:cSld>
+  <p:timing>
+    <p:tnLst>
+      <p:par>
+        <p:cTn id="3" dur="indefinite" restart="never" nodeType="tmRoot">
+          <p:childTnLst>
+            <p:seq>
+              <p:cTn id="4" dur="indefinite" nodeType="mainSeq"/>
+              <p:prevCondLst>
+                <p:cond delay="0" evt="onPrev">
+                  <p:tgtEl>
+                    <p:sldTgt/>
+                  </p:tgtEl>
+                </p:cond>
+              </p:prevCondLst>
+              <p:nextCondLst>
+                <p:cond delay="0" evt="onNext">
+                  <p:tgtEl>
+                    <p:sldTgt/>
+                  </p:tgtEl>
+                </p:cond>
+              </p:nextCondLst>
+            </p:seq>
+          </p:childTnLst>
+        </p:cTn>
+      </p:par>
+    </p:tnLst>
+  </p:timing>
 </p:sld>
 </file>
 
@@ -15469,7 +14895,7 @@
         <p:spPr>
           <a:xfrm>
             <a:off x="1138680" y="473040"/>
-            <a:ext cx="7720200" cy="1296000"/>
+            <a:ext cx="7719480" cy="1295280"/>
           </a:xfrm>
           <a:prstGeom prst="rect">
             <a:avLst/>
@@ -15518,7 +14944,7 @@
         <p:spPr>
           <a:xfrm>
             <a:off x="1339920" y="914400"/>
-            <a:ext cx="7318080" cy="4639680"/>
+            <a:ext cx="7317360" cy="4638960"/>
           </a:xfrm>
           <a:prstGeom prst="rect">
             <a:avLst/>
@@ -15549,7 +14975,7 @@
         <p:spPr>
           <a:xfrm>
             <a:off x="7922160" y="2280240"/>
-            <a:ext cx="319680" cy="1899000"/>
+            <a:ext cx="318960" cy="1898280"/>
           </a:xfrm>
           <a:prstGeom prst="rect">
             <a:avLst/>
@@ -15598,7 +15024,7 @@
         <p:spPr>
           <a:xfrm>
             <a:off x="5352480" y="1272600"/>
-            <a:ext cx="864000" cy="249840"/>
+            <a:ext cx="863280" cy="249120"/>
           </a:xfrm>
           <a:prstGeom prst="rect">
             <a:avLst/>
@@ -15647,7 +15073,7 @@
         <p:spPr>
           <a:xfrm>
             <a:off x="4825440" y="2602440"/>
-            <a:ext cx="2052000" cy="502560"/>
+            <a:ext cx="2051280" cy="501840"/>
           </a:xfrm>
           <a:custGeom>
             <a:avLst/>
@@ -15698,7 +15124,7 @@
         <p:spPr>
           <a:xfrm>
             <a:off x="4825440" y="2602440"/>
-            <a:ext cx="2052000" cy="502560"/>
+            <a:ext cx="2051280" cy="501840"/>
           </a:xfrm>
           <a:custGeom>
             <a:avLst/>
@@ -15750,7 +15176,7 @@
         <p:spPr>
           <a:xfrm>
             <a:off x="4987080" y="2651400"/>
-            <a:ext cx="1716840" cy="425520"/>
+            <a:ext cx="1716120" cy="424800"/>
           </a:xfrm>
           <a:prstGeom prst="rect">
             <a:avLst/>
@@ -15769,7 +15195,7 @@
         <p:txBody>
           <a:bodyPr lIns="0" rIns="0" tIns="0" bIns="0"/>
           <a:p>
-            <a:pPr marL="130680" indent="-116640">
+            <a:pPr marL="130680" indent="-115920">
               <a:lnSpc>
                 <a:spcPts val="1681"/>
               </a:lnSpc>
@@ -15799,7 +15225,7 @@
         <p:spPr>
           <a:xfrm>
             <a:off x="5016240" y="4040280"/>
-            <a:ext cx="1670400" cy="488160"/>
+            <a:ext cx="1669680" cy="487440"/>
           </a:xfrm>
           <a:custGeom>
             <a:avLst/>
@@ -15850,7 +15276,7 @@
         <p:spPr>
           <a:xfrm>
             <a:off x="5016240" y="4040280"/>
-            <a:ext cx="1670400" cy="488160"/>
+            <a:ext cx="1669680" cy="487440"/>
           </a:xfrm>
           <a:custGeom>
             <a:avLst/>
@@ -15902,7 +15328,7 @@
         <p:spPr>
           <a:xfrm>
             <a:off x="5146920" y="4082040"/>
-            <a:ext cx="1397520" cy="425520"/>
+            <a:ext cx="1396800" cy="424800"/>
           </a:xfrm>
           <a:prstGeom prst="rect">
             <a:avLst/>
@@ -15951,7 +15377,7 @@
         <p:spPr>
           <a:xfrm>
             <a:off x="2638440" y="1462320"/>
-            <a:ext cx="2299320" cy="456120"/>
+            <a:ext cx="2298600" cy="455400"/>
           </a:xfrm>
           <a:prstGeom prst="rect">
             <a:avLst/>
@@ -15982,7 +15408,7 @@
         <p:spPr>
           <a:xfrm>
             <a:off x="4147560" y="2139480"/>
-            <a:ext cx="728640" cy="360"/>
+            <a:ext cx="727920" cy="360"/>
           </a:xfrm>
           <a:custGeom>
             <a:avLst/>
@@ -16024,7 +15450,7 @@
         <p:spPr>
           <a:xfrm>
             <a:off x="4741200" y="2089440"/>
-            <a:ext cx="198000" cy="98280"/>
+            <a:ext cx="197280" cy="97560"/>
           </a:xfrm>
           <a:custGeom>
             <a:avLst/>
@@ -16072,7 +15498,7 @@
         <p:spPr>
           <a:xfrm>
             <a:off x="4756320" y="2109240"/>
-            <a:ext cx="119880" cy="58680"/>
+            <a:ext cx="119160" cy="57960"/>
           </a:xfrm>
           <a:custGeom>
             <a:avLst/>
@@ -16117,7 +15543,7 @@
         <p:spPr>
           <a:xfrm>
             <a:off x="4147560" y="2139480"/>
-            <a:ext cx="606960" cy="606960"/>
+            <a:ext cx="606240" cy="606240"/>
           </a:xfrm>
           <a:custGeom>
             <a:avLst/>
@@ -16159,7 +15585,7 @@
         <p:spPr>
           <a:xfrm>
             <a:off x="4624200" y="2616120"/>
-            <a:ext cx="174240" cy="174240"/>
+            <a:ext cx="173520" cy="173520"/>
           </a:xfrm>
           <a:custGeom>
             <a:avLst/>
@@ -16207,7 +15633,7 @@
         <p:spPr>
           <a:xfrm>
             <a:off x="4648680" y="2640600"/>
-            <a:ext cx="105840" cy="105840"/>
+            <a:ext cx="105120" cy="105120"/>
           </a:xfrm>
           <a:custGeom>
             <a:avLst/>
@@ -16252,7 +15678,7 @@
         <p:spPr>
           <a:xfrm>
             <a:off x="1927440" y="1941840"/>
-            <a:ext cx="2410920" cy="363600"/>
+            <a:ext cx="2410200" cy="362880"/>
           </a:xfrm>
           <a:custGeom>
             <a:avLst/>
@@ -17265,7 +16691,7 @@
         <p:spPr>
           <a:xfrm>
             <a:off x="1908000" y="1933920"/>
-            <a:ext cx="3018960" cy="983880"/>
+            <a:ext cx="3018240" cy="983160"/>
           </a:xfrm>
           <a:prstGeom prst="rect">
             <a:avLst/>
@@ -17296,7 +16722,7 @@
         <p:spPr>
           <a:xfrm>
             <a:off x="2029680" y="2664720"/>
-            <a:ext cx="2194560" cy="378360"/>
+            <a:ext cx="2193840" cy="377640"/>
           </a:xfrm>
           <a:prstGeom prst="rect">
             <a:avLst/>
@@ -17327,7 +16753,7 @@
         <p:spPr>
           <a:xfrm>
             <a:off x="2034720" y="1516680"/>
-            <a:ext cx="2154960" cy="1482120"/>
+            <a:ext cx="2154240" cy="1481400"/>
           </a:xfrm>
           <a:prstGeom prst="rect">
             <a:avLst/>
@@ -17455,7 +16881,7 @@
         <p:spPr>
           <a:xfrm>
             <a:off x="5834880" y="1519920"/>
-            <a:ext cx="360" cy="351000"/>
+            <a:ext cx="360" cy="350280"/>
           </a:xfrm>
           <a:custGeom>
             <a:avLst/>
@@ -17497,7 +16923,7 @@
         <p:spPr>
           <a:xfrm>
             <a:off x="5784840" y="1735560"/>
-            <a:ext cx="98280" cy="198000"/>
+            <a:ext cx="97560" cy="197280"/>
           </a:xfrm>
           <a:custGeom>
             <a:avLst/>
@@ -17545,7 +16971,7 @@
         <p:spPr>
           <a:xfrm>
             <a:off x="5804280" y="1750680"/>
-            <a:ext cx="58680" cy="119880"/>
+            <a:ext cx="57960" cy="119160"/>
           </a:xfrm>
           <a:custGeom>
             <a:avLst/>
@@ -17590,7 +17016,7 @@
         <p:spPr>
           <a:xfrm>
             <a:off x="5834880" y="4539960"/>
-            <a:ext cx="360" cy="394560"/>
+            <a:ext cx="360" cy="393840"/>
           </a:xfrm>
           <a:custGeom>
             <a:avLst/>
@@ -17632,7 +17058,7 @@
         <p:spPr>
           <a:xfrm>
             <a:off x="5784840" y="4799880"/>
-            <a:ext cx="98280" cy="198000"/>
+            <a:ext cx="97560" cy="197280"/>
           </a:xfrm>
           <a:custGeom>
             <a:avLst/>
@@ -17680,7 +17106,7 @@
         <p:spPr>
           <a:xfrm>
             <a:off x="5804280" y="4815360"/>
-            <a:ext cx="58680" cy="119880"/>
+            <a:ext cx="57960" cy="119160"/>
           </a:xfrm>
           <a:custGeom>
             <a:avLst/>
@@ -17725,7 +17151,7 @@
         <p:spPr>
           <a:xfrm>
             <a:off x="5834880" y="3114360"/>
-            <a:ext cx="360" cy="924480"/>
+            <a:ext cx="360" cy="923760"/>
           </a:xfrm>
           <a:custGeom>
             <a:avLst/>
@@ -17767,7 +17193,7 @@
         <p:spPr>
           <a:xfrm>
             <a:off x="5784840" y="3903480"/>
-            <a:ext cx="98280" cy="198000"/>
+            <a:ext cx="97560" cy="197280"/>
           </a:xfrm>
           <a:custGeom>
             <a:avLst/>
@@ -17815,7 +17241,7 @@
         <p:spPr>
           <a:xfrm>
             <a:off x="5804280" y="3918600"/>
-            <a:ext cx="58680" cy="119880"/>
+            <a:ext cx="57960" cy="119160"/>
           </a:xfrm>
           <a:custGeom>
             <a:avLst/>
@@ -17860,7 +17286,7 @@
         <p:spPr>
           <a:xfrm>
             <a:off x="5834880" y="2379600"/>
-            <a:ext cx="360" cy="225720"/>
+            <a:ext cx="360" cy="225000"/>
           </a:xfrm>
           <a:custGeom>
             <a:avLst/>
@@ -17902,7 +17328,7 @@
         <p:spPr>
           <a:xfrm>
             <a:off x="5784840" y="2470320"/>
-            <a:ext cx="98280" cy="198000"/>
+            <a:ext cx="97560" cy="197280"/>
           </a:xfrm>
           <a:custGeom>
             <a:avLst/>
@@ -17950,7 +17376,7 @@
         <p:spPr>
           <a:xfrm>
             <a:off x="5804280" y="2485800"/>
-            <a:ext cx="58680" cy="119880"/>
+            <a:ext cx="57960" cy="119160"/>
           </a:xfrm>
           <a:custGeom>
             <a:avLst/>
@@ -17995,7 +17421,7 @@
         <p:spPr>
           <a:xfrm>
             <a:off x="2669040" y="4095000"/>
-            <a:ext cx="2366640" cy="378360"/>
+            <a:ext cx="2365920" cy="377640"/>
           </a:xfrm>
           <a:prstGeom prst="rect">
             <a:avLst/>
@@ -18026,7 +17452,7 @@
         <p:spPr>
           <a:xfrm>
             <a:off x="1690920" y="4149720"/>
-            <a:ext cx="1752840" cy="1114200"/>
+            <a:ext cx="1752120" cy="1113480"/>
           </a:xfrm>
           <a:prstGeom prst="rect">
             <a:avLst/>
@@ -18118,7 +17544,7 @@
         <p:spPr>
           <a:xfrm>
             <a:off x="5329440" y="5046840"/>
-            <a:ext cx="1017720" cy="249840"/>
+            <a:ext cx="1017000" cy="249120"/>
           </a:xfrm>
           <a:prstGeom prst="rect">
             <a:avLst/>
@@ -18167,7 +17593,7 @@
         <p:spPr>
           <a:xfrm>
             <a:off x="3128040" y="1060920"/>
-            <a:ext cx="2188440" cy="825120"/>
+            <a:ext cx="2187720" cy="824400"/>
           </a:xfrm>
           <a:custGeom>
             <a:avLst/>
@@ -18443,7 +17869,7 @@
         <p:spPr>
           <a:xfrm>
             <a:off x="3104640" y="1230120"/>
-            <a:ext cx="96120" cy="203760"/>
+            <a:ext cx="95400" cy="203040"/>
           </a:xfrm>
           <a:custGeom>
             <a:avLst/>
@@ -18491,7 +17917,7 @@
         <p:spPr>
           <a:xfrm>
             <a:off x="3121200" y="1248840"/>
-            <a:ext cx="58320" cy="123480"/>
+            <a:ext cx="57600" cy="122760"/>
           </a:xfrm>
           <a:custGeom>
             <a:avLst/>
@@ -18539,7 +17965,7 @@
         <p:spPr>
           <a:xfrm>
             <a:off x="4952520" y="1872000"/>
-            <a:ext cx="1797480" cy="502560"/>
+            <a:ext cx="1796760" cy="501840"/>
           </a:xfrm>
           <a:custGeom>
             <a:avLst/>
@@ -18590,7 +18016,7 @@
         <p:spPr>
           <a:xfrm>
             <a:off x="4952520" y="1872000"/>
-            <a:ext cx="1797480" cy="502560"/>
+            <a:ext cx="1796760" cy="501840"/>
           </a:xfrm>
           <a:custGeom>
             <a:avLst/>
@@ -18642,7 +18068,7 @@
         <p:spPr>
           <a:xfrm>
             <a:off x="5116680" y="1920960"/>
-            <a:ext cx="1444320" cy="425520"/>
+            <a:ext cx="1443600" cy="424800"/>
           </a:xfrm>
           <a:prstGeom prst="rect">
             <a:avLst/>
@@ -18691,7 +18117,7 @@
         <p:spPr>
           <a:xfrm>
             <a:off x="8781120" y="7008480"/>
-            <a:ext cx="157320" cy="4506120"/>
+            <a:ext cx="156600" cy="4505400"/>
           </a:xfrm>
           <a:prstGeom prst="rect">
             <a:avLst/>
@@ -18715,7 +18141,7 @@
                 <a:spcPts val="859"/>
               </a:lnSpc>
             </a:pPr>
-            <a:fld id="{BDF58A58-D557-408F-9A27-5C5DEE99D06D}" type="slidenum">
+            <a:fld id="{ED6363FE-EDD8-4969-B7CD-36016DA1FC97}" type="slidenum">
               <a:rPr b="0" lang="en-US" sz="800" spc="-1" strike="noStrike">
                 <a:solidFill>
                   <a:srgbClr val="000000"/>
@@ -18740,7 +18166,7 @@
         <p:spPr>
           <a:xfrm>
             <a:off x="4562280" y="2464560"/>
-            <a:ext cx="2443320" cy="875880"/>
+            <a:ext cx="2442600" cy="875160"/>
           </a:xfrm>
           <a:prstGeom prst="roundRect">
             <a:avLst>
@@ -18775,7 +18201,7 @@
         <p:spPr>
           <a:xfrm>
             <a:off x="588600" y="5702760"/>
-            <a:ext cx="7846560" cy="1744200"/>
+            <a:ext cx="7845840" cy="1743480"/>
           </a:xfrm>
           <a:prstGeom prst="rect">
             <a:avLst/>
@@ -18827,7 +18253,7 @@
             </a:endParaRPr>
           </a:p>
           <a:p>
-            <a:pPr lvl="1" marL="800280" indent="-340920">
+            <a:pPr lvl="1" marL="800280" indent="-340200">
               <a:lnSpc>
                 <a:spcPct val="100000"/>
               </a:lnSpc>
@@ -18855,7 +18281,7 @@
             </a:endParaRPr>
           </a:p>
           <a:p>
-            <a:pPr lvl="1" marL="800280" indent="-340920">
+            <a:pPr lvl="1" marL="800280" indent="-340200">
               <a:lnSpc>
                 <a:spcPct val="100000"/>
               </a:lnSpc>
@@ -18883,7 +18309,7 @@
             </a:endParaRPr>
           </a:p>
           <a:p>
-            <a:pPr lvl="1" marL="800280" indent="-340920">
+            <a:pPr lvl="1" marL="800280" indent="-340200">
               <a:lnSpc>
                 <a:spcPct val="100000"/>
               </a:lnSpc>
@@ -18941,7 +18367,7 @@
             </a:endParaRPr>
           </a:p>
           <a:p>
-            <a:pPr lvl="1" marL="800280" indent="-340920">
+            <a:pPr lvl="1" marL="800280" indent="-340200">
               <a:lnSpc>
                 <a:spcPct val="100000"/>
               </a:lnSpc>
@@ -18985,10 +18411,10 @@
   <p:timing>
     <p:tnLst>
       <p:par>
-        <p:cTn id="21" dur="indefinite" restart="never" nodeType="tmRoot">
+        <p:cTn id="39" dur="indefinite" restart="never" nodeType="tmRoot">
           <p:childTnLst>
             <p:seq>
-              <p:cTn id="22" dur="indefinite" nodeType="mainSeq"/>
+              <p:cTn id="40" dur="indefinite" nodeType="mainSeq"/>
               <p:prevCondLst>
                 <p:cond delay="0" evt="onPrev">
                   <p:tgtEl>
@@ -19038,7 +18464,7 @@
         <p:spPr>
           <a:xfrm>
             <a:off x="1097280" y="297720"/>
-            <a:ext cx="7720200" cy="1296000"/>
+            <a:ext cx="7719480" cy="1295280"/>
           </a:xfrm>
           <a:prstGeom prst="rect">
             <a:avLst/>
@@ -19087,7 +18513,7 @@
         <p:spPr>
           <a:xfrm>
             <a:off x="1298160" y="679320"/>
-            <a:ext cx="7318080" cy="4639680"/>
+            <a:ext cx="7317360" cy="4638960"/>
           </a:xfrm>
           <a:prstGeom prst="rect">
             <a:avLst/>
@@ -19118,7 +18544,7 @@
         <p:spPr>
           <a:xfrm>
             <a:off x="1642320" y="4726800"/>
-            <a:ext cx="892440" cy="364320"/>
+            <a:ext cx="891720" cy="363600"/>
           </a:xfrm>
           <a:prstGeom prst="rect">
             <a:avLst/>
@@ -19167,7 +18593,7 @@
         <p:spPr>
           <a:xfrm>
             <a:off x="7873200" y="2127960"/>
-            <a:ext cx="319680" cy="1899000"/>
+            <a:ext cx="318960" cy="1898280"/>
           </a:xfrm>
           <a:prstGeom prst="rect">
             <a:avLst/>
@@ -19216,7 +18642,7 @@
         <p:spPr>
           <a:xfrm>
             <a:off x="5303520" y="1120320"/>
-            <a:ext cx="864000" cy="249840"/>
+            <a:ext cx="863280" cy="249120"/>
           </a:xfrm>
           <a:prstGeom prst="rect">
             <a:avLst/>
@@ -19265,7 +18691,7 @@
         <p:spPr>
           <a:xfrm>
             <a:off x="4776480" y="2450160"/>
-            <a:ext cx="2052000" cy="502560"/>
+            <a:ext cx="2051280" cy="501840"/>
           </a:xfrm>
           <a:custGeom>
             <a:avLst/>
@@ -19316,7 +18742,7 @@
         <p:spPr>
           <a:xfrm>
             <a:off x="4776480" y="2450160"/>
-            <a:ext cx="2052000" cy="502560"/>
+            <a:ext cx="2051280" cy="501840"/>
           </a:xfrm>
           <a:custGeom>
             <a:avLst/>
@@ -19368,7 +18794,7 @@
         <p:spPr>
           <a:xfrm>
             <a:off x="4714560" y="3187800"/>
-            <a:ext cx="2175120" cy="488160"/>
+            <a:ext cx="2174400" cy="487440"/>
           </a:xfrm>
           <a:custGeom>
             <a:avLst/>
@@ -19419,7 +18845,7 @@
         <p:spPr>
           <a:xfrm>
             <a:off x="4714560" y="3187800"/>
-            <a:ext cx="2175120" cy="488160"/>
+            <a:ext cx="2174400" cy="487440"/>
           </a:xfrm>
           <a:custGeom>
             <a:avLst/>
@@ -19471,7 +18897,7 @@
         <p:spPr>
           <a:xfrm>
             <a:off x="4877280" y="2499120"/>
-            <a:ext cx="1859040" cy="1168920"/>
+            <a:ext cx="1858320" cy="1168200"/>
           </a:xfrm>
           <a:prstGeom prst="rect">
             <a:avLst/>
@@ -19490,7 +18916,7 @@
         <p:txBody>
           <a:bodyPr lIns="0" rIns="0" tIns="0" bIns="0"/>
           <a:p>
-            <a:pPr marL="12240" indent="-18720" algn="ctr">
+            <a:pPr marL="12240" indent="-18000" algn="ctr">
               <a:lnSpc>
                 <a:spcPts val="1681"/>
               </a:lnSpc>
@@ -19510,7 +18936,7 @@
             </a:endParaRPr>
           </a:p>
           <a:p>
-            <a:pPr marL="12240" indent="-18720">
+            <a:pPr marL="12240" indent="-18000">
               <a:lnSpc>
                 <a:spcPct val="100000"/>
               </a:lnSpc>
@@ -19523,7 +18949,7 @@
             </a:endParaRPr>
           </a:p>
           <a:p>
-            <a:pPr marL="12240" indent="-18720" algn="ctr">
+            <a:pPr marL="12240" indent="-18000" algn="ctr">
               <a:lnSpc>
                 <a:spcPts val="1681"/>
               </a:lnSpc>
@@ -19553,7 +18979,7 @@
         <p:spPr>
           <a:xfrm>
             <a:off x="4967280" y="3888000"/>
-            <a:ext cx="1670400" cy="488160"/>
+            <a:ext cx="1669680" cy="487440"/>
           </a:xfrm>
           <a:custGeom>
             <a:avLst/>
@@ -19604,7 +19030,7 @@
         <p:spPr>
           <a:xfrm>
             <a:off x="4967280" y="3888000"/>
-            <a:ext cx="1670400" cy="488160"/>
+            <a:ext cx="1669680" cy="487440"/>
           </a:xfrm>
           <a:custGeom>
             <a:avLst/>
@@ -19656,7 +19082,7 @@
         <p:spPr>
           <a:xfrm>
             <a:off x="5097960" y="3929400"/>
-            <a:ext cx="1397520" cy="425520"/>
+            <a:ext cx="1396800" cy="424800"/>
           </a:xfrm>
           <a:prstGeom prst="rect">
             <a:avLst/>
@@ -19705,7 +19131,7 @@
         <p:spPr>
           <a:xfrm>
             <a:off x="2589480" y="1310040"/>
-            <a:ext cx="2299320" cy="456120"/>
+            <a:ext cx="2298600" cy="455400"/>
           </a:xfrm>
           <a:prstGeom prst="rect">
             <a:avLst/>
@@ -19736,7 +19162,7 @@
         <p:spPr>
           <a:xfrm>
             <a:off x="4098960" y="1987200"/>
-            <a:ext cx="728640" cy="360"/>
+            <a:ext cx="727920" cy="360"/>
           </a:xfrm>
           <a:custGeom>
             <a:avLst/>
@@ -19778,7 +19204,7 @@
         <p:spPr>
           <a:xfrm>
             <a:off x="4692240" y="1937160"/>
-            <a:ext cx="198000" cy="98280"/>
+            <a:ext cx="197280" cy="97560"/>
           </a:xfrm>
           <a:custGeom>
             <a:avLst/>
@@ -19826,7 +19252,7 @@
         <p:spPr>
           <a:xfrm>
             <a:off x="4707360" y="1956600"/>
-            <a:ext cx="119880" cy="58680"/>
+            <a:ext cx="119160" cy="57960"/>
           </a:xfrm>
           <a:custGeom>
             <a:avLst/>
@@ -19871,7 +19297,7 @@
         <p:spPr>
           <a:xfrm>
             <a:off x="4098960" y="1987200"/>
-            <a:ext cx="606960" cy="606960"/>
+            <a:ext cx="606240" cy="606240"/>
           </a:xfrm>
           <a:custGeom>
             <a:avLst/>
@@ -19913,7 +19339,7 @@
         <p:spPr>
           <a:xfrm>
             <a:off x="4575240" y="2463840"/>
-            <a:ext cx="174240" cy="174240"/>
+            <a:ext cx="173520" cy="173520"/>
           </a:xfrm>
           <a:custGeom>
             <a:avLst/>
@@ -19961,7 +19387,7 @@
         <p:spPr>
           <a:xfrm>
             <a:off x="4600080" y="2488320"/>
-            <a:ext cx="105840" cy="105840"/>
+            <a:ext cx="105120" cy="105120"/>
           </a:xfrm>
           <a:custGeom>
             <a:avLst/>
@@ -20006,7 +19432,7 @@
         <p:spPr>
           <a:xfrm>
             <a:off x="1878480" y="1789200"/>
-            <a:ext cx="2410920" cy="363600"/>
+            <a:ext cx="2410200" cy="362880"/>
           </a:xfrm>
           <a:custGeom>
             <a:avLst/>
@@ -21019,7 +20445,7 @@
         <p:spPr>
           <a:xfrm>
             <a:off x="1859040" y="1781640"/>
-            <a:ext cx="3018960" cy="983880"/>
+            <a:ext cx="3018240" cy="983160"/>
           </a:xfrm>
           <a:prstGeom prst="rect">
             <a:avLst/>
@@ -21050,7 +20476,7 @@
         <p:spPr>
           <a:xfrm>
             <a:off x="1980720" y="2512080"/>
-            <a:ext cx="2194560" cy="378360"/>
+            <a:ext cx="2193840" cy="377640"/>
           </a:xfrm>
           <a:prstGeom prst="rect">
             <a:avLst/>
@@ -21081,7 +20507,7 @@
         <p:spPr>
           <a:xfrm>
             <a:off x="2589480" y="3242520"/>
-            <a:ext cx="2056680" cy="378360"/>
+            <a:ext cx="2055960" cy="377640"/>
           </a:xfrm>
           <a:prstGeom prst="rect">
             <a:avLst/>
@@ -21112,7 +20538,7 @@
         <p:spPr>
           <a:xfrm>
             <a:off x="1985400" y="1418760"/>
-            <a:ext cx="2154960" cy="2187360"/>
+            <a:ext cx="2154240" cy="2186640"/>
           </a:xfrm>
           <a:prstGeom prst="rect">
             <a:avLst/>
@@ -21214,7 +20640,7 @@
         <p:spPr>
           <a:xfrm>
             <a:off x="5785920" y="1367280"/>
-            <a:ext cx="360" cy="351000"/>
+            <a:ext cx="360" cy="350280"/>
           </a:xfrm>
           <a:custGeom>
             <a:avLst/>
@@ -21256,7 +20682,7 @@
         <p:spPr>
           <a:xfrm>
             <a:off x="5735880" y="1583280"/>
-            <a:ext cx="98280" cy="198000"/>
+            <a:ext cx="97560" cy="197280"/>
           </a:xfrm>
           <a:custGeom>
             <a:avLst/>
@@ -21304,7 +20730,7 @@
         <p:spPr>
           <a:xfrm>
             <a:off x="5755680" y="1598400"/>
-            <a:ext cx="58680" cy="119880"/>
+            <a:ext cx="57960" cy="119160"/>
           </a:xfrm>
           <a:custGeom>
             <a:avLst/>
@@ -21349,7 +20775,7 @@
         <p:spPr>
           <a:xfrm>
             <a:off x="5785920" y="4387680"/>
-            <a:ext cx="360" cy="394560"/>
+            <a:ext cx="360" cy="393840"/>
           </a:xfrm>
           <a:custGeom>
             <a:avLst/>
@@ -21391,7 +20817,7 @@
         <p:spPr>
           <a:xfrm>
             <a:off x="5735880" y="4647600"/>
-            <a:ext cx="98280" cy="198000"/>
+            <a:ext cx="97560" cy="197280"/>
           </a:xfrm>
           <a:custGeom>
             <a:avLst/>
@@ -21439,7 +20865,7 @@
         <p:spPr>
           <a:xfrm>
             <a:off x="5755680" y="4662720"/>
-            <a:ext cx="58680" cy="119880"/>
+            <a:ext cx="57960" cy="119160"/>
           </a:xfrm>
           <a:custGeom>
             <a:avLst/>
@@ -21484,7 +20910,7 @@
         <p:spPr>
           <a:xfrm>
             <a:off x="5785920" y="2227320"/>
-            <a:ext cx="360" cy="225720"/>
+            <a:ext cx="360" cy="225000"/>
           </a:xfrm>
           <a:custGeom>
             <a:avLst/>
@@ -21526,7 +20952,7 @@
         <p:spPr>
           <a:xfrm>
             <a:off x="5735880" y="2318040"/>
-            <a:ext cx="98280" cy="198000"/>
+            <a:ext cx="97560" cy="197280"/>
           </a:xfrm>
           <a:custGeom>
             <a:avLst/>
@@ -21574,7 +21000,7 @@
         <p:spPr>
           <a:xfrm>
             <a:off x="5755680" y="2333160"/>
-            <a:ext cx="58680" cy="119880"/>
+            <a:ext cx="57960" cy="119160"/>
           </a:xfrm>
           <a:custGeom>
             <a:avLst/>
@@ -21619,7 +21045,7 @@
         <p:spPr>
           <a:xfrm>
             <a:off x="5785920" y="2962080"/>
-            <a:ext cx="360" cy="233280"/>
+            <a:ext cx="360" cy="232560"/>
           </a:xfrm>
           <a:custGeom>
             <a:avLst/>
@@ -21661,7 +21087,7 @@
         <p:spPr>
           <a:xfrm>
             <a:off x="5735880" y="3060360"/>
-            <a:ext cx="98280" cy="198000"/>
+            <a:ext cx="97560" cy="197280"/>
           </a:xfrm>
           <a:custGeom>
             <a:avLst/>
@@ -21709,7 +21135,7 @@
         <p:spPr>
           <a:xfrm>
             <a:off x="5755680" y="3075480"/>
-            <a:ext cx="58680" cy="119880"/>
+            <a:ext cx="57960" cy="119160"/>
           </a:xfrm>
           <a:custGeom>
             <a:avLst/>
@@ -21754,7 +21180,7 @@
         <p:spPr>
           <a:xfrm>
             <a:off x="5785920" y="3682080"/>
-            <a:ext cx="360" cy="204120"/>
+            <a:ext cx="360" cy="203400"/>
           </a:xfrm>
           <a:custGeom>
             <a:avLst/>
@@ -21796,7 +21222,7 @@
         <p:spPr>
           <a:xfrm>
             <a:off x="5735880" y="3751200"/>
-            <a:ext cx="98280" cy="198000"/>
+            <a:ext cx="97560" cy="197280"/>
           </a:xfrm>
           <a:custGeom>
             <a:avLst/>
@@ -21844,7 +21270,7 @@
         <p:spPr>
           <a:xfrm>
             <a:off x="5755680" y="3766320"/>
-            <a:ext cx="58680" cy="119880"/>
+            <a:ext cx="57960" cy="119160"/>
           </a:xfrm>
           <a:custGeom>
             <a:avLst/>
@@ -21889,7 +21315,7 @@
         <p:spPr>
           <a:xfrm>
             <a:off x="5280840" y="4894560"/>
-            <a:ext cx="1017720" cy="249840"/>
+            <a:ext cx="1017000" cy="249120"/>
           </a:xfrm>
           <a:prstGeom prst="rect">
             <a:avLst/>
@@ -21938,7 +21364,7 @@
         <p:spPr>
           <a:xfrm>
             <a:off x="3079080" y="908640"/>
-            <a:ext cx="2188440" cy="825120"/>
+            <a:ext cx="2187720" cy="824400"/>
           </a:xfrm>
           <a:custGeom>
             <a:avLst/>
@@ -22214,7 +21640,7 @@
         <p:spPr>
           <a:xfrm>
             <a:off x="3056040" y="1077840"/>
-            <a:ext cx="96120" cy="203760"/>
+            <a:ext cx="95400" cy="203040"/>
           </a:xfrm>
           <a:custGeom>
             <a:avLst/>
@@ -22262,7 +21688,7 @@
         <p:spPr>
           <a:xfrm>
             <a:off x="3072240" y="1096560"/>
-            <a:ext cx="58320" cy="123480"/>
+            <a:ext cx="57600" cy="122760"/>
           </a:xfrm>
           <a:custGeom>
             <a:avLst/>
@@ -22310,7 +21736,7 @@
         <p:spPr>
           <a:xfrm>
             <a:off x="4903560" y="1719360"/>
-            <a:ext cx="1797480" cy="502560"/>
+            <a:ext cx="1796760" cy="501840"/>
           </a:xfrm>
           <a:custGeom>
             <a:avLst/>
@@ -22361,7 +21787,7 @@
         <p:spPr>
           <a:xfrm>
             <a:off x="4903560" y="1719360"/>
-            <a:ext cx="1797480" cy="502560"/>
+            <a:ext cx="1796760" cy="501840"/>
           </a:xfrm>
           <a:custGeom>
             <a:avLst/>
@@ -22413,7 +21839,7 @@
         <p:spPr>
           <a:xfrm>
             <a:off x="5067720" y="1768320"/>
-            <a:ext cx="1444320" cy="425520"/>
+            <a:ext cx="1443600" cy="424800"/>
           </a:xfrm>
           <a:prstGeom prst="rect">
             <a:avLst/>
@@ -22462,7 +21888,7 @@
         <p:spPr>
           <a:xfrm>
             <a:off x="8781120" y="7008480"/>
-            <a:ext cx="157320" cy="4506120"/>
+            <a:ext cx="156600" cy="4505400"/>
           </a:xfrm>
           <a:prstGeom prst="rect">
             <a:avLst/>
@@ -22486,7 +21912,7 @@
                 <a:spcPts val="859"/>
               </a:lnSpc>
             </a:pPr>
-            <a:fld id="{B28D694B-9231-4010-A05F-67841B5FE831}" type="slidenum">
+            <a:fld id="{90913717-DEEC-4D70-9615-0E041699A8C7}" type="slidenum">
               <a:rPr b="0" lang="en-US" sz="800" spc="-1" strike="noStrike">
                 <a:solidFill>
                   <a:srgbClr val="000000"/>
@@ -22511,7 +21937,7 @@
         <p:spPr>
           <a:xfrm>
             <a:off x="1859040" y="2999880"/>
-            <a:ext cx="5117040" cy="834480"/>
+            <a:ext cx="5116320" cy="833760"/>
           </a:xfrm>
           <a:prstGeom prst="roundRect">
             <a:avLst>
@@ -22546,7 +21972,7 @@
         <p:spPr>
           <a:xfrm>
             <a:off x="757800" y="5493600"/>
-            <a:ext cx="7998840" cy="2450160"/>
+            <a:ext cx="7998120" cy="2449440"/>
           </a:xfrm>
           <a:prstGeom prst="rect">
             <a:avLst/>
@@ -22565,7 +21991,7 @@
         <p:txBody>
           <a:bodyPr lIns="90000" rIns="90000" tIns="45000" bIns="45000"/>
           <a:p>
-            <a:pPr marL="285840" indent="-283680">
+            <a:pPr marL="285840" indent="-282960">
               <a:lnSpc>
                 <a:spcPct val="100000"/>
               </a:lnSpc>
@@ -22593,7 +22019,7 @@
             </a:endParaRPr>
           </a:p>
           <a:p>
-            <a:pPr marL="285840" indent="-283680">
+            <a:pPr marL="285840" indent="-282960">
               <a:lnSpc>
                 <a:spcPct val="100000"/>
               </a:lnSpc>
@@ -22621,7 +22047,7 @@
             </a:endParaRPr>
           </a:p>
           <a:p>
-            <a:pPr lvl="1" marL="743040" indent="-283680">
+            <a:pPr lvl="1" marL="743040" indent="-282960">
               <a:lnSpc>
                 <a:spcPct val="100000"/>
               </a:lnSpc>
@@ -22649,7 +22075,7 @@
             </a:endParaRPr>
           </a:p>
           <a:p>
-            <a:pPr lvl="1" marL="743040" indent="-283680">
+            <a:pPr lvl="1" marL="743040" indent="-282960">
               <a:lnSpc>
                 <a:spcPct val="100000"/>
               </a:lnSpc>
@@ -22687,7 +22113,7 @@
             </a:endParaRPr>
           </a:p>
           <a:p>
-            <a:pPr lvl="1" marL="743040" indent="-283680">
+            <a:pPr lvl="1" marL="743040" indent="-282960">
               <a:lnSpc>
                 <a:spcPct val="100000"/>
               </a:lnSpc>
@@ -22725,7 +22151,7 @@
             </a:endParaRPr>
           </a:p>
           <a:p>
-            <a:pPr lvl="1" marL="743040" indent="-283680">
+            <a:pPr lvl="1" marL="743040" indent="-282960">
               <a:lnSpc>
                 <a:spcPct val="100000"/>
               </a:lnSpc>
@@ -22772,10 +22198,10 @@
   <p:timing>
     <p:tnLst>
       <p:par>
-        <p:cTn id="23" dur="indefinite" restart="never" nodeType="tmRoot">
+        <p:cTn id="41" dur="indefinite" restart="never" nodeType="tmRoot">
           <p:childTnLst>
             <p:seq>
-              <p:cTn id="24" dur="indefinite" nodeType="mainSeq"/>
+              <p:cTn id="42" dur="indefinite" nodeType="mainSeq"/>
               <p:prevCondLst>
                 <p:cond delay="0" evt="onPrev">
                   <p:tgtEl>
@@ -22825,7 +22251,7 @@
         <p:spPr>
           <a:xfrm>
             <a:off x="1153800" y="375480"/>
-            <a:ext cx="7720200" cy="1296000"/>
+            <a:ext cx="7719480" cy="1295280"/>
           </a:xfrm>
           <a:prstGeom prst="rect">
             <a:avLst/>
@@ -22874,7 +22300,7 @@
         <p:spPr>
           <a:xfrm>
             <a:off x="1905120" y="879840"/>
-            <a:ext cx="2194920" cy="257760"/>
+            <a:ext cx="2194200" cy="257040"/>
           </a:xfrm>
           <a:prstGeom prst="rect">
             <a:avLst/>
@@ -22923,7 +22349,7 @@
         <p:spPr>
           <a:xfrm>
             <a:off x="1347840" y="1371600"/>
-            <a:ext cx="7332120" cy="4648320"/>
+            <a:ext cx="7331400" cy="4647600"/>
           </a:xfrm>
           <a:prstGeom prst="rect">
             <a:avLst/>
@@ -22954,7 +22380,7 @@
         <p:spPr>
           <a:xfrm>
             <a:off x="1623600" y="5472000"/>
-            <a:ext cx="894600" cy="364320"/>
+            <a:ext cx="893880" cy="363600"/>
           </a:xfrm>
           <a:prstGeom prst="rect">
             <a:avLst/>
@@ -23003,7 +22429,7 @@
         <p:spPr>
           <a:xfrm>
             <a:off x="7943760" y="2739960"/>
-            <a:ext cx="319680" cy="1902240"/>
+            <a:ext cx="318960" cy="1901520"/>
           </a:xfrm>
           <a:prstGeom prst="rect">
             <a:avLst/>
@@ -23052,7 +22478,7 @@
         <p:spPr>
           <a:xfrm>
             <a:off x="5368320" y="1730880"/>
-            <a:ext cx="865800" cy="249840"/>
+            <a:ext cx="865080" cy="249120"/>
           </a:xfrm>
           <a:prstGeom prst="rect">
             <a:avLst/>
@@ -23101,7 +22527,7 @@
         <p:spPr>
           <a:xfrm>
             <a:off x="5171760" y="3466800"/>
-            <a:ext cx="1279800" cy="437760"/>
+            <a:ext cx="1279080" cy="437040"/>
           </a:xfrm>
           <a:prstGeom prst="rect">
             <a:avLst/>
@@ -23120,7 +22546,7 @@
         <p:txBody>
           <a:bodyPr lIns="0" rIns="0" tIns="0" bIns="0"/>
           <a:p>
-            <a:pPr marL="195480" indent="-181440">
+            <a:pPr marL="195480" indent="-180720">
               <a:lnSpc>
                 <a:spcPts val="1729"/>
               </a:lnSpc>
@@ -23150,7 +22576,7 @@
         <p:spPr>
           <a:xfrm>
             <a:off x="3887640" y="3150720"/>
-            <a:ext cx="914040" cy="257760"/>
+            <a:ext cx="913320" cy="257040"/>
           </a:xfrm>
           <a:prstGeom prst="rect">
             <a:avLst/>
@@ -23199,7 +22625,7 @@
         <p:spPr>
           <a:xfrm>
             <a:off x="3828600" y="3819240"/>
-            <a:ext cx="1158120" cy="257760"/>
+            <a:ext cx="1157400" cy="257040"/>
           </a:xfrm>
           <a:prstGeom prst="rect">
             <a:avLst/>
@@ -23248,7 +22674,7 @@
         <p:spPr>
           <a:xfrm>
             <a:off x="2072520" y="4105800"/>
-            <a:ext cx="877320" cy="437760"/>
+            <a:ext cx="876600" cy="437040"/>
           </a:xfrm>
           <a:prstGeom prst="rect">
             <a:avLst/>
@@ -23267,7 +22693,7 @@
         <p:txBody>
           <a:bodyPr lIns="0" rIns="0" tIns="0" bIns="0"/>
           <a:p>
-            <a:pPr marL="134640" indent="-120240">
+            <a:pPr marL="134640" indent="-119520">
               <a:lnSpc>
                 <a:spcPts val="1729"/>
               </a:lnSpc>
@@ -23297,7 +22723,7 @@
         <p:spPr>
           <a:xfrm>
             <a:off x="3597120" y="3992760"/>
-            <a:ext cx="2013840" cy="1082520"/>
+            <a:ext cx="2013120" cy="1081800"/>
           </a:xfrm>
           <a:custGeom>
             <a:avLst/>
@@ -23339,7 +22765,7 @@
         <p:spPr>
           <a:xfrm>
             <a:off x="5424480" y="3960000"/>
-            <a:ext cx="246600" cy="168120"/>
+            <a:ext cx="245880" cy="167400"/>
           </a:xfrm>
           <a:custGeom>
             <a:avLst/>
@@ -23387,7 +22813,7 @@
         <p:spPr>
           <a:xfrm>
             <a:off x="5447160" y="3992760"/>
-            <a:ext cx="164160" cy="110880"/>
+            <a:ext cx="163440" cy="110160"/>
           </a:xfrm>
           <a:custGeom>
             <a:avLst/>
@@ -23432,7 +22858,7 @@
         <p:spPr>
           <a:xfrm>
             <a:off x="2394000" y="4780800"/>
-            <a:ext cx="1249560" cy="506160"/>
+            <a:ext cx="1248840" cy="505440"/>
           </a:xfrm>
           <a:prstGeom prst="rect">
             <a:avLst/>
@@ -23489,7 +22915,7 @@
         <p:spPr>
           <a:xfrm>
             <a:off x="3724560" y="1866960"/>
-            <a:ext cx="1528920" cy="360"/>
+            <a:ext cx="1528200" cy="360"/>
           </a:xfrm>
           <a:custGeom>
             <a:avLst/>
@@ -23531,7 +22957,7 @@
         <p:spPr>
           <a:xfrm>
             <a:off x="3655800" y="1809720"/>
-            <a:ext cx="249840" cy="112680"/>
+            <a:ext cx="249120" cy="111960"/>
           </a:xfrm>
           <a:custGeom>
             <a:avLst/>
@@ -23579,7 +23005,7 @@
         <p:spPr>
           <a:xfrm>
             <a:off x="3724560" y="1828800"/>
-            <a:ext cx="165960" cy="74520"/>
+            <a:ext cx="165240" cy="73800"/>
           </a:xfrm>
           <a:custGeom>
             <a:avLst/>
@@ -23624,7 +23050,7 @@
         <p:spPr>
           <a:xfrm>
             <a:off x="3020040" y="2150280"/>
-            <a:ext cx="360" cy="1177200"/>
+            <a:ext cx="360" cy="1176480"/>
           </a:xfrm>
           <a:custGeom>
             <a:avLst/>
@@ -23666,7 +23092,7 @@
         <p:spPr>
           <a:xfrm>
             <a:off x="2962800" y="3146400"/>
-            <a:ext cx="112680" cy="249840"/>
+            <a:ext cx="111960" cy="249120"/>
           </a:xfrm>
           <a:custGeom>
             <a:avLst/>
@@ -23714,7 +23140,7 @@
         <p:spPr>
           <a:xfrm>
             <a:off x="2981880" y="3161520"/>
-            <a:ext cx="74520" cy="165960"/>
+            <a:ext cx="73800" cy="165240"/>
           </a:xfrm>
           <a:custGeom>
             <a:avLst/>
@@ -23759,7 +23185,7 @@
         <p:spPr>
           <a:xfrm>
             <a:off x="1910160" y="2563560"/>
-            <a:ext cx="975240" cy="257760"/>
+            <a:ext cx="974520" cy="257040"/>
           </a:xfrm>
           <a:prstGeom prst="rect">
             <a:avLst/>
@@ -23808,7 +23234,7 @@
         <p:spPr>
           <a:xfrm>
             <a:off x="3035880" y="1142640"/>
-            <a:ext cx="360" cy="365400"/>
+            <a:ext cx="360" cy="364680"/>
           </a:xfrm>
           <a:custGeom>
             <a:avLst/>
@@ -23850,7 +23276,7 @@
         <p:spPr>
           <a:xfrm>
             <a:off x="2978640" y="1326960"/>
-            <a:ext cx="112680" cy="249840"/>
+            <a:ext cx="111960" cy="249120"/>
           </a:xfrm>
           <a:custGeom>
             <a:avLst/>
@@ -23898,7 +23324,7 @@
         <p:spPr>
           <a:xfrm>
             <a:off x="2997720" y="1342080"/>
-            <a:ext cx="74520" cy="165960"/>
+            <a:ext cx="73800" cy="165240"/>
           </a:xfrm>
           <a:custGeom>
             <a:avLst/>
@@ -23943,7 +23369,7 @@
         <p:spPr>
           <a:xfrm>
             <a:off x="2394360" y="3390480"/>
-            <a:ext cx="1249560" cy="506160"/>
+            <a:ext cx="1248840" cy="505440"/>
           </a:xfrm>
           <a:prstGeom prst="rect">
             <a:avLst/>
@@ -23967,7 +23393,7 @@
         <p:txBody>
           <a:bodyPr lIns="0" rIns="0" tIns="68760" bIns="0"/>
           <a:p>
-            <a:pPr marL="215280" indent="-59400">
+            <a:pPr marL="215280" indent="-58680">
               <a:lnSpc>
                 <a:spcPts val="1729"/>
               </a:lnSpc>
@@ -24000,7 +23426,7 @@
         <p:spPr>
           <a:xfrm>
             <a:off x="2394000" y="1584000"/>
-            <a:ext cx="1249560" cy="564120"/>
+            <a:ext cx="1248840" cy="563400"/>
           </a:xfrm>
           <a:custGeom>
             <a:avLst/>
@@ -24051,7 +23477,7 @@
         <p:spPr>
           <a:xfrm>
             <a:off x="2394000" y="1584000"/>
-            <a:ext cx="1249560" cy="564120"/>
+            <a:ext cx="1248840" cy="563400"/>
           </a:xfrm>
           <a:custGeom>
             <a:avLst/>
@@ -24103,7 +23529,7 @@
         <p:spPr>
           <a:xfrm>
             <a:off x="2742120" y="1729800"/>
-            <a:ext cx="523800" cy="257760"/>
+            <a:ext cx="523080" cy="257040"/>
           </a:xfrm>
           <a:prstGeom prst="rect">
             <a:avLst/>
@@ -24152,7 +23578,7 @@
         <p:spPr>
           <a:xfrm>
             <a:off x="8781120" y="7008480"/>
-            <a:ext cx="157320" cy="4506120"/>
+            <a:ext cx="156600" cy="4505400"/>
           </a:xfrm>
           <a:prstGeom prst="rect">
             <a:avLst/>
@@ -24176,7 +23602,7 @@
                 <a:spcPts val="859"/>
               </a:lnSpc>
             </a:pPr>
-            <a:fld id="{B80E6962-442F-4CF9-AFEF-3DFF294C6ADD}" type="slidenum">
+            <a:fld id="{EC75C6B0-0E4E-46AA-91AF-ACF6247E5954}" type="slidenum">
               <a:rPr b="0" lang="en-US" sz="800" spc="-1" strike="noStrike">
                 <a:solidFill>
                   <a:srgbClr val="000000"/>
@@ -24201,7 +23627,7 @@
         <p:spPr>
           <a:xfrm>
             <a:off x="5345280" y="5512320"/>
-            <a:ext cx="1019520" cy="249840"/>
+            <a:ext cx="1018800" cy="249120"/>
           </a:xfrm>
           <a:prstGeom prst="rect">
             <a:avLst/>
@@ -24250,7 +23676,7 @@
         <p:spPr>
           <a:xfrm>
             <a:off x="530640" y="6276600"/>
-            <a:ext cx="8146440" cy="1094760"/>
+            <a:ext cx="8145720" cy="1094040"/>
           </a:xfrm>
           <a:prstGeom prst="rect">
             <a:avLst/>
@@ -24269,7 +23695,7 @@
         <p:txBody>
           <a:bodyPr lIns="90000" rIns="90000" tIns="45000" bIns="45000"/>
           <a:p>
-            <a:pPr marL="343080" indent="-340920">
+            <a:pPr marL="343080" indent="-340200">
               <a:lnSpc>
                 <a:spcPct val="100000"/>
               </a:lnSpc>
@@ -24317,7 +23743,7 @@
             </a:endParaRPr>
           </a:p>
           <a:p>
-            <a:pPr lvl="1" marL="743040" indent="-283680">
+            <a:pPr lvl="1" marL="743040" indent="-282960">
               <a:lnSpc>
                 <a:spcPct val="100000"/>
               </a:lnSpc>
@@ -24345,7 +23771,7 @@
             </a:endParaRPr>
           </a:p>
           <a:p>
-            <a:pPr lvl="1" marL="743040" indent="-283680">
+            <a:pPr lvl="1" marL="743040" indent="-282960">
               <a:lnSpc>
                 <a:spcPct val="100000"/>
               </a:lnSpc>
@@ -24383,7 +23809,7 @@
         <p:spPr>
           <a:xfrm>
             <a:off x="4898880" y="2422080"/>
-            <a:ext cx="1930320" cy="2572560"/>
+            <a:ext cx="1929600" cy="2571840"/>
           </a:xfrm>
           <a:prstGeom prst="roundRect">
             <a:avLst>
@@ -24418,7 +23844,7 @@
         <p:spPr>
           <a:xfrm>
             <a:off x="5865120" y="2286000"/>
-            <a:ext cx="964080" cy="546120"/>
+            <a:ext cx="963360" cy="545400"/>
           </a:xfrm>
           <a:prstGeom prst="roundRect">
             <a:avLst>
@@ -24490,10 +23916,10 @@
   <p:timing>
     <p:tnLst>
       <p:par>
-        <p:cTn id="25" dur="indefinite" restart="never" nodeType="tmRoot">
+        <p:cTn id="43" dur="indefinite" restart="never" nodeType="tmRoot">
           <p:childTnLst>
             <p:seq>
-              <p:cTn id="26" dur="indefinite" nodeType="mainSeq"/>
+              <p:cTn id="44" dur="indefinite" nodeType="mainSeq"/>
               <p:prevCondLst>
                 <p:cond delay="0" evt="onPrev">
                   <p:tgtEl>
@@ -24543,7 +23969,7 @@
         <p:spPr>
           <a:xfrm>
             <a:off x="8781120" y="7008480"/>
-            <a:ext cx="157320" cy="4506120"/>
+            <a:ext cx="156600" cy="4505400"/>
           </a:xfrm>
           <a:prstGeom prst="rect">
             <a:avLst/>
@@ -24567,7 +23993,7 @@
                 <a:spcPts val="859"/>
               </a:lnSpc>
             </a:pPr>
-            <a:fld id="{8312D83E-0E15-4652-9CEA-65D1B9B5E4AF}" type="slidenum">
+            <a:fld id="{5F601F8A-E1B1-4D37-91B9-FC1727C3AD33}" type="slidenum">
               <a:rPr b="0" lang="en-US" sz="800" spc="-1" strike="noStrike">
                 <a:solidFill>
                   <a:srgbClr val="000000"/>
@@ -24592,7 +24018,7 @@
         <p:spPr>
           <a:xfrm>
             <a:off x="1218600" y="562680"/>
-            <a:ext cx="7720200" cy="1296000"/>
+            <a:ext cx="7719480" cy="1295280"/>
           </a:xfrm>
           <a:prstGeom prst="rect">
             <a:avLst/>
@@ -24643,7 +24069,7 @@
         <p:spPr>
           <a:xfrm>
             <a:off x="990720" y="1114200"/>
-            <a:ext cx="8532360" cy="5861880"/>
+            <a:ext cx="8531640" cy="5861160"/>
           </a:xfrm>
           <a:prstGeom prst="rect">
             <a:avLst/>
@@ -24662,7 +24088,7 @@
         <p:txBody>
           <a:bodyPr lIns="90000" rIns="90000" tIns="45000" bIns="45000"/>
           <a:p>
-            <a:pPr marL="285840" indent="-283680">
+            <a:pPr marL="285840" indent="-282960">
               <a:lnSpc>
                 <a:spcPct val="100000"/>
               </a:lnSpc>
@@ -24720,7 +24146,7 @@
             </a:endParaRPr>
           </a:p>
           <a:p>
-            <a:pPr marL="285840" indent="-283680">
+            <a:pPr marL="285840" indent="-282960">
               <a:lnSpc>
                 <a:spcPct val="100000"/>
               </a:lnSpc>
@@ -24768,7 +24194,7 @@
             </a:endParaRPr>
           </a:p>
           <a:p>
-            <a:pPr marL="285840" indent="-283680">
+            <a:pPr marL="285840" indent="-282960">
               <a:lnSpc>
                 <a:spcPct val="100000"/>
               </a:lnSpc>
@@ -24869,7 +24295,7 @@
             </a:endParaRPr>
           </a:p>
           <a:p>
-            <a:pPr marL="285840" indent="-283680">
+            <a:pPr marL="285840" indent="-282960">
               <a:lnSpc>
                 <a:spcPct val="100000"/>
               </a:lnSpc>
@@ -24897,7 +24323,7 @@
             </a:endParaRPr>
           </a:p>
           <a:p>
-            <a:pPr lvl="1" marL="743040" indent="-283680">
+            <a:pPr lvl="1" marL="743040" indent="-282960">
               <a:lnSpc>
                 <a:spcPct val="100000"/>
               </a:lnSpc>
@@ -24945,7 +24371,7 @@
             </a:endParaRPr>
           </a:p>
           <a:p>
-            <a:pPr lvl="1" marL="743040" indent="-283680">
+            <a:pPr lvl="1" marL="743040" indent="-282960">
               <a:lnSpc>
                 <a:spcPct val="100000"/>
               </a:lnSpc>
@@ -24993,7 +24419,7 @@
             </a:endParaRPr>
           </a:p>
           <a:p>
-            <a:pPr marL="285840" indent="-283680">
+            <a:pPr marL="285840" indent="-282960">
               <a:lnSpc>
                 <a:spcPct val="100000"/>
               </a:lnSpc>
@@ -25061,7 +24487,7 @@
             </a:endParaRPr>
           </a:p>
           <a:p>
-            <a:pPr marL="285840" indent="-283680">
+            <a:pPr marL="285840" indent="-282960">
               <a:lnSpc>
                 <a:spcPct val="100000"/>
               </a:lnSpc>
@@ -25099,7 +24525,7 @@
             </a:endParaRPr>
           </a:p>
           <a:p>
-            <a:pPr marL="285840" indent="-283680">
+            <a:pPr marL="285840" indent="-282960">
               <a:lnSpc>
                 <a:spcPct val="100000"/>
               </a:lnSpc>
@@ -25127,7 +24553,7 @@
             </a:endParaRPr>
           </a:p>
           <a:p>
-            <a:pPr lvl="1" marL="743040" indent="-283680">
+            <a:pPr lvl="1" marL="743040" indent="-282960">
               <a:lnSpc>
                 <a:spcPct val="100000"/>
               </a:lnSpc>
@@ -25155,7 +24581,7 @@
             </a:endParaRPr>
           </a:p>
           <a:p>
-            <a:pPr marL="285840" indent="-283680">
+            <a:pPr marL="285840" indent="-282960">
               <a:lnSpc>
                 <a:spcPct val="100000"/>
               </a:lnSpc>
@@ -25183,7 +24609,7 @@
             </a:endParaRPr>
           </a:p>
           <a:p>
-            <a:pPr lvl="1" marL="743040" indent="-283680">
+            <a:pPr lvl="1" marL="743040" indent="-282960">
               <a:lnSpc>
                 <a:spcPct val="100000"/>
               </a:lnSpc>
@@ -25211,7 +24637,7 @@
             </a:endParaRPr>
           </a:p>
           <a:p>
-            <a:pPr lvl="1" marL="743040" indent="-283680">
+            <a:pPr lvl="1" marL="743040" indent="-282960">
               <a:lnSpc>
                 <a:spcPct val="100000"/>
               </a:lnSpc>
@@ -25258,10 +24684,10 @@
   <p:timing>
     <p:tnLst>
       <p:par>
-        <p:cTn id="27" dur="indefinite" restart="never" nodeType="tmRoot">
+        <p:cTn id="45" dur="indefinite" restart="never" nodeType="tmRoot">
           <p:childTnLst>
             <p:seq>
-              <p:cTn id="28" dur="indefinite" nodeType="mainSeq"/>
+              <p:cTn id="46" dur="indefinite" nodeType="mainSeq"/>
               <p:prevCondLst>
                 <p:cond delay="0" evt="onPrev">
                   <p:tgtEl>
@@ -25315,7 +24741,7 @@
         <p:spPr>
           <a:xfrm>
             <a:off x="2219040" y="1657080"/>
-            <a:ext cx="5478120" cy="5478120"/>
+            <a:ext cx="5477400" cy="5477400"/>
           </a:xfrm>
           <a:prstGeom prst="rect">
             <a:avLst/>
@@ -25330,10 +24756,10 @@
   <p:timing>
     <p:tnLst>
       <p:par>
-        <p:cTn id="29" dur="indefinite" restart="never" nodeType="tmRoot">
+        <p:cTn id="47" dur="indefinite" restart="never" nodeType="tmRoot">
           <p:childTnLst>
             <p:seq>
-              <p:cTn id="30" dur="indefinite" nodeType="mainSeq"/>
+              <p:cTn id="48" dur="indefinite" nodeType="mainSeq"/>
               <p:prevCondLst>
                 <p:cond delay="0" evt="onPrev">
                   <p:tgtEl>
@@ -25383,7 +24809,7 @@
         <p:spPr>
           <a:xfrm>
             <a:off x="1167480" y="798840"/>
-            <a:ext cx="7721280" cy="382680"/>
+            <a:ext cx="7720560" cy="381960"/>
           </a:xfrm>
           <a:prstGeom prst="rect">
             <a:avLst/>
@@ -25432,7 +24858,7 @@
         <p:spPr>
           <a:xfrm>
             <a:off x="502920" y="1787760"/>
-            <a:ext cx="4373280" cy="5468400"/>
+            <a:ext cx="4372560" cy="5467680"/>
           </a:xfrm>
           <a:prstGeom prst="rect">
             <a:avLst/>
@@ -25451,7 +24877,7 @@
         <p:txBody>
           <a:bodyPr lIns="0" rIns="0" tIns="0" bIns="0"/>
           <a:p>
-            <a:pPr marL="343080" indent="-340920">
+            <a:pPr marL="343080" indent="-340200">
               <a:lnSpc>
                 <a:spcPct val="100000"/>
               </a:lnSpc>
@@ -25476,7 +24902,7 @@
             </a:endParaRPr>
           </a:p>
           <a:p>
-            <a:pPr lvl="1" marL="800280" indent="-340920">
+            <a:pPr lvl="1" marL="800280" indent="-340200">
               <a:lnSpc>
                 <a:spcPct val="100000"/>
               </a:lnSpc>
@@ -25501,7 +24927,7 @@
             </a:endParaRPr>
           </a:p>
           <a:p>
-            <a:pPr lvl="1" marL="800280" indent="-340920">
+            <a:pPr lvl="1" marL="800280" indent="-340200">
               <a:lnSpc>
                 <a:spcPct val="100000"/>
               </a:lnSpc>
@@ -25526,7 +24952,7 @@
             </a:endParaRPr>
           </a:p>
           <a:p>
-            <a:pPr lvl="1" marL="800280" indent="-340920">
+            <a:pPr lvl="1" marL="800280" indent="-340200">
               <a:lnSpc>
                 <a:spcPct val="100000"/>
               </a:lnSpc>
@@ -25551,7 +24977,7 @@
             </a:endParaRPr>
           </a:p>
           <a:p>
-            <a:pPr lvl="1" marL="800280" indent="-340920">
+            <a:pPr lvl="1" marL="800280" indent="-340200">
               <a:lnSpc>
                 <a:spcPct val="100000"/>
               </a:lnSpc>
@@ -25576,7 +25002,7 @@
             </a:endParaRPr>
           </a:p>
           <a:p>
-            <a:pPr lvl="1" marL="800280" indent="-340920">
+            <a:pPr lvl="1" marL="800280" indent="-340200">
               <a:lnSpc>
                 <a:spcPct val="100000"/>
               </a:lnSpc>
@@ -25611,7 +25037,7 @@
             </a:endParaRPr>
           </a:p>
           <a:p>
-            <a:pPr marL="343080" indent="-340920">
+            <a:pPr marL="343080" indent="-340200">
               <a:lnSpc>
                 <a:spcPct val="100000"/>
               </a:lnSpc>
@@ -25656,7 +25082,7 @@
             </a:endParaRPr>
           </a:p>
           <a:p>
-            <a:pPr lvl="1" marL="800280" indent="-340920">
+            <a:pPr lvl="1" marL="800280" indent="-340200">
               <a:lnSpc>
                 <a:spcPct val="100000"/>
               </a:lnSpc>
@@ -25697,7 +25123,7 @@
               </a:lnSpc>
             </a:pPr>
             <a:r>
-              <a:rPr b="0" i="1" lang="en-US" sz="3200" spc="409" strike="noStrike">
+              <a:rPr b="0" i="1" lang="en-US" sz="3200" spc="403" strike="noStrike">
                 <a:solidFill>
                   <a:srgbClr val="000000"/>
                 </a:solidFill>
@@ -25707,7 +25133,7 @@
               <a:t>f </a:t>
             </a:r>
             <a:r>
-              <a:rPr b="0" lang="en-US" sz="3200" spc="-120" strike="noStrike">
+              <a:rPr b="0" lang="en-US" sz="3200" spc="-114" strike="noStrike">
                 <a:solidFill>
                   <a:srgbClr val="000000"/>
                 </a:solidFill>
@@ -25717,7 +25143,7 @@
               <a:t>: </a:t>
             </a:r>
             <a:r>
-              <a:rPr b="0" lang="en-US" sz="3200" spc="18" strike="noStrike">
+              <a:rPr b="0" lang="en-US" sz="3200" spc="12" strike="noStrike">
                 <a:solidFill>
                   <a:srgbClr val="000000"/>
                 </a:solidFill>
@@ -25727,7 +25153,7 @@
               <a:t>P</a:t>
             </a:r>
             <a:r>
-              <a:rPr b="0" lang="en-US" sz="3200" spc="35" strike="noStrike" baseline="33000">
+              <a:rPr b="0" lang="en-US" sz="3200" spc="29" strike="noStrike" baseline="33000">
                 <a:solidFill>
                   <a:srgbClr val="000000"/>
                 </a:solidFill>
@@ -25737,7 +25163,7 @@
               <a:t>∗ </a:t>
             </a:r>
             <a:r>
-              <a:rPr b="0" lang="en-US" sz="3200" spc="123" strike="noStrike">
+              <a:rPr b="0" lang="en-US" sz="3200" spc="117" strike="noStrike">
                 <a:solidFill>
                   <a:srgbClr val="000000"/>
                 </a:solidFill>
@@ -25747,7 +25173,7 @@
               <a:t>→</a:t>
             </a:r>
             <a:r>
-              <a:rPr b="0" lang="en-US" sz="3200" spc="-97" strike="noStrike">
+              <a:rPr b="0" lang="en-US" sz="3200" spc="-92" strike="noStrike">
                 <a:solidFill>
                   <a:srgbClr val="000000"/>
                 </a:solidFill>
@@ -25757,7 +25183,7 @@
               <a:t> </a:t>
             </a:r>
             <a:r>
-              <a:rPr b="0" lang="en-US" sz="3200" spc="214" strike="noStrike">
+              <a:rPr b="0" lang="en-US" sz="3200" spc="208" strike="noStrike">
                 <a:solidFill>
                   <a:srgbClr val="000000"/>
                 </a:solidFill>
@@ -25781,7 +25207,7 @@
             </a:endParaRPr>
           </a:p>
           <a:p>
-            <a:pPr marL="343080" indent="-340920">
+            <a:pPr marL="343080" indent="-340200">
               <a:lnSpc>
                 <a:spcPct val="100000"/>
               </a:lnSpc>
@@ -25846,7 +25272,7 @@
         <p:spPr>
           <a:xfrm>
             <a:off x="5257800" y="1752480"/>
-            <a:ext cx="4112640" cy="637200"/>
+            <a:ext cx="4111920" cy="636480"/>
           </a:xfrm>
           <a:prstGeom prst="rect">
             <a:avLst/>
@@ -25895,7 +25321,7 @@
         <p:spPr>
           <a:xfrm>
             <a:off x="5400360" y="5471280"/>
-            <a:ext cx="4036320" cy="1460160"/>
+            <a:ext cx="4035600" cy="1459440"/>
           </a:xfrm>
           <a:prstGeom prst="rect">
             <a:avLst/>
@@ -25934,7 +25360,7 @@
             </a:endParaRPr>
           </a:p>
           <a:p>
-            <a:pPr marL="285840" indent="-283680">
+            <a:pPr marL="285840" indent="-282960">
               <a:lnSpc>
                 <a:spcPct val="100000"/>
               </a:lnSpc>
@@ -25959,7 +25385,7 @@
             </a:endParaRPr>
           </a:p>
           <a:p>
-            <a:pPr marL="285840" indent="-283680">
+            <a:pPr marL="285840" indent="-282960">
               <a:lnSpc>
                 <a:spcPct val="100000"/>
               </a:lnSpc>
@@ -26014,7 +25440,7 @@
         <p:spPr>
           <a:xfrm>
             <a:off x="5334120" y="2819520"/>
-            <a:ext cx="2360160" cy="2207520"/>
+            <a:ext cx="2359440" cy="2206800"/>
           </a:xfrm>
           <a:prstGeom prst="roundRect">
             <a:avLst>
@@ -26047,7 +25473,7 @@
         <p:spPr>
           <a:xfrm>
             <a:off x="8381880" y="2819520"/>
-            <a:ext cx="912240" cy="2207520"/>
+            <a:ext cx="911520" cy="2206800"/>
           </a:xfrm>
           <a:prstGeom prst="roundRect">
             <a:avLst>
@@ -26103,7 +25529,7 @@
         <p:spPr>
           <a:xfrm>
             <a:off x="5380200" y="2836800"/>
-            <a:ext cx="912240" cy="362880"/>
+            <a:ext cx="911520" cy="362160"/>
           </a:xfrm>
           <a:prstGeom prst="rect">
             <a:avLst/>
@@ -26152,7 +25578,7 @@
         <p:spPr>
           <a:xfrm>
             <a:off x="6286320" y="2942280"/>
-            <a:ext cx="736920" cy="301680"/>
+            <a:ext cx="736200" cy="300960"/>
           </a:xfrm>
           <a:prstGeom prst="rect">
             <a:avLst/>
@@ -26201,7 +25627,7 @@
         <p:spPr>
           <a:xfrm>
             <a:off x="6261480" y="4555080"/>
-            <a:ext cx="875880" cy="301680"/>
+            <a:ext cx="875160" cy="300960"/>
           </a:xfrm>
           <a:prstGeom prst="rect">
             <a:avLst/>
@@ -26250,7 +25676,7 @@
         <p:spPr>
           <a:xfrm>
             <a:off x="7637760" y="2837160"/>
-            <a:ext cx="671400" cy="255960"/>
+            <a:ext cx="670680" cy="255240"/>
           </a:xfrm>
           <a:prstGeom prst="rect">
             <a:avLst/>
@@ -26299,7 +25725,7 @@
         <p:spPr>
           <a:xfrm>
             <a:off x="7738200" y="4447440"/>
-            <a:ext cx="599760" cy="255960"/>
+            <a:ext cx="599040" cy="255240"/>
           </a:xfrm>
           <a:prstGeom prst="rect">
             <a:avLst/>
@@ -26348,7 +25774,7 @@
         <p:spPr>
           <a:xfrm>
             <a:off x="6256440" y="3531960"/>
-            <a:ext cx="835920" cy="759960"/>
+            <a:ext cx="835200" cy="759240"/>
           </a:xfrm>
           <a:prstGeom prst="rect">
             <a:avLst/>
@@ -26401,8 +25827,8 @@
         </p:nvSpPr>
         <p:spPr>
           <a:xfrm flipH="1">
-            <a:off x="7236000" y="3084840"/>
-            <a:ext cx="1598040" cy="360"/>
+            <a:off x="7235280" y="3084840"/>
+            <a:ext cx="1597320" cy="360"/>
           </a:xfrm>
           <a:custGeom>
             <a:avLst/>
@@ -26445,7 +25871,7 @@
         <p:spPr>
           <a:xfrm>
             <a:off x="7144920" y="4708800"/>
-            <a:ext cx="1598040" cy="360"/>
+            <a:ext cx="1597320" cy="360"/>
           </a:xfrm>
           <a:custGeom>
             <a:avLst/>
@@ -26487,8 +25913,8 @@
         </p:nvSpPr>
         <p:spPr>
           <a:xfrm flipH="1">
-            <a:off x="6650640" y="3173760"/>
-            <a:ext cx="360" cy="356040"/>
+            <a:off x="6648480" y="3173760"/>
+            <a:ext cx="360" cy="355320"/>
           </a:xfrm>
           <a:custGeom>
             <a:avLst/>
@@ -26530,8 +25956,8 @@
         </p:nvSpPr>
         <p:spPr>
           <a:xfrm flipH="1">
-            <a:off x="6675840" y="4294080"/>
-            <a:ext cx="360" cy="356040"/>
+            <a:off x="6673680" y="4294080"/>
+            <a:ext cx="360" cy="355320"/>
           </a:xfrm>
           <a:custGeom>
             <a:avLst/>
@@ -26578,7 +26004,7 @@
         <p:spPr>
           <a:xfrm>
             <a:off x="0" y="0"/>
-            <a:ext cx="378720" cy="83520"/>
+            <a:ext cx="378000" cy="82800"/>
           </a:xfrm>
           <a:prstGeom prst="rect">
             <a:avLst/>
@@ -26601,7 +26027,7 @@
         <p:spPr>
           <a:xfrm>
             <a:off x="0" y="0"/>
-            <a:ext cx="378720" cy="83520"/>
+            <a:ext cx="378000" cy="82800"/>
           </a:xfrm>
           <a:prstGeom prst="rect">
             <a:avLst/>
@@ -26613,6 +26039,33 @@
       </p:pic>
     </p:spTree>
   </p:cSld>
+  <p:timing>
+    <p:tnLst>
+      <p:par>
+        <p:cTn id="5" dur="indefinite" restart="never" nodeType="tmRoot">
+          <p:childTnLst>
+            <p:seq>
+              <p:cTn id="6" dur="indefinite" nodeType="mainSeq"/>
+              <p:prevCondLst>
+                <p:cond delay="0" evt="onPrev">
+                  <p:tgtEl>
+                    <p:sldTgt/>
+                  </p:tgtEl>
+                </p:cond>
+              </p:prevCondLst>
+              <p:nextCondLst>
+                <p:cond delay="0" evt="onNext">
+                  <p:tgtEl>
+                    <p:sldTgt/>
+                  </p:tgtEl>
+                </p:cond>
+              </p:nextCondLst>
+            </p:seq>
+          </p:childTnLst>
+        </p:cTn>
+      </p:par>
+    </p:tnLst>
+  </p:timing>
 </p:sld>
 </file>
 
@@ -26642,7 +26095,7 @@
         <p:spPr>
           <a:xfrm>
             <a:off x="1168920" y="798840"/>
-            <a:ext cx="7720200" cy="1296000"/>
+            <a:ext cx="7719480" cy="1295280"/>
           </a:xfrm>
           <a:prstGeom prst="rect">
             <a:avLst/>
@@ -26691,7 +26144,7 @@
         <p:spPr>
           <a:xfrm>
             <a:off x="2557800" y="1587240"/>
-            <a:ext cx="4962960" cy="2480760"/>
+            <a:ext cx="4962240" cy="2480040"/>
           </a:xfrm>
           <a:custGeom>
             <a:avLst/>
@@ -26743,7 +26196,7 @@
         <p:spPr>
           <a:xfrm>
             <a:off x="5040000" y="1587240"/>
-            <a:ext cx="360" cy="2480760"/>
+            <a:ext cx="360" cy="2480040"/>
           </a:xfrm>
           <a:custGeom>
             <a:avLst/>
@@ -26785,7 +26238,7 @@
         <p:spPr>
           <a:xfrm>
             <a:off x="2928240" y="3005280"/>
-            <a:ext cx="1068840" cy="662400"/>
+            <a:ext cx="1068120" cy="661680"/>
           </a:xfrm>
           <a:prstGeom prst="rect">
             <a:avLst/>
@@ -26816,7 +26269,7 @@
         <p:spPr>
           <a:xfrm>
             <a:off x="2883600" y="1832760"/>
-            <a:ext cx="1756440" cy="972360"/>
+            <a:ext cx="1755720" cy="971640"/>
           </a:xfrm>
           <a:prstGeom prst="rect">
             <a:avLst/>
@@ -26847,7 +26300,7 @@
         <p:spPr>
           <a:xfrm>
             <a:off x="5716440" y="3005280"/>
-            <a:ext cx="1068840" cy="662400"/>
+            <a:ext cx="1068120" cy="661680"/>
           </a:xfrm>
           <a:prstGeom prst="rect">
             <a:avLst/>
@@ -26878,7 +26331,7 @@
         <p:spPr>
           <a:xfrm>
             <a:off x="2635200" y="1577520"/>
-            <a:ext cx="2765880" cy="493920"/>
+            <a:ext cx="2765160" cy="493200"/>
           </a:xfrm>
           <a:prstGeom prst="rect">
             <a:avLst/>
@@ -26947,7 +26400,7 @@
         <p:spPr>
           <a:xfrm>
             <a:off x="8781120" y="7008480"/>
-            <a:ext cx="157320" cy="4506120"/>
+            <a:ext cx="156600" cy="4505400"/>
           </a:xfrm>
           <a:prstGeom prst="rect">
             <a:avLst/>
@@ -26971,7 +26424,7 @@
                 <a:spcPts val="859"/>
               </a:lnSpc>
             </a:pPr>
-            <a:fld id="{D4623988-D8A3-448E-BDCB-5F611C7CB5DE}" type="slidenum">
+            <a:fld id="{9B5DB7B9-FB7B-4717-9C6E-7891D4616552}" type="slidenum">
               <a:rPr b="0" lang="en-US" sz="800" spc="-1" strike="noStrike">
                 <a:solidFill>
                   <a:srgbClr val="000000"/>
@@ -26996,7 +26449,7 @@
         <p:spPr>
           <a:xfrm>
             <a:off x="1130400" y="4380120"/>
-            <a:ext cx="5063760" cy="820800"/>
+            <a:ext cx="5063040" cy="820080"/>
           </a:xfrm>
           <a:prstGeom prst="rect">
             <a:avLst/>
@@ -27168,7 +26621,7 @@
         <p:spPr>
           <a:xfrm>
             <a:off x="1033200" y="5596560"/>
-            <a:ext cx="6487560" cy="942120"/>
+            <a:ext cx="6486840" cy="941400"/>
           </a:xfrm>
           <a:prstGeom prst="rect">
             <a:avLst/>
@@ -27207,7 +26660,7 @@
             </a:endParaRPr>
           </a:p>
           <a:p>
-            <a:pPr marL="635040" indent="-348840">
+            <a:pPr marL="635040" indent="-348120">
               <a:lnSpc>
                 <a:spcPct val="100000"/>
               </a:lnSpc>
@@ -27232,7 +26685,7 @@
             </a:endParaRPr>
           </a:p>
           <a:p>
-            <a:pPr marL="635040" indent="-348840">
+            <a:pPr marL="635040" indent="-348120">
               <a:lnSpc>
                 <a:spcPct val="100000"/>
               </a:lnSpc>
@@ -27260,6 +26713,33 @@
       </p:sp>
     </p:spTree>
   </p:cSld>
+  <p:timing>
+    <p:tnLst>
+      <p:par>
+        <p:cTn id="7" dur="indefinite" restart="never" nodeType="tmRoot">
+          <p:childTnLst>
+            <p:seq>
+              <p:cTn id="8" dur="indefinite" nodeType="mainSeq"/>
+              <p:prevCondLst>
+                <p:cond delay="0" evt="onPrev">
+                  <p:tgtEl>
+                    <p:sldTgt/>
+                  </p:tgtEl>
+                </p:cond>
+              </p:prevCondLst>
+              <p:nextCondLst>
+                <p:cond delay="0" evt="onNext">
+                  <p:tgtEl>
+                    <p:sldTgt/>
+                  </p:tgtEl>
+                </p:cond>
+              </p:nextCondLst>
+            </p:seq>
+          </p:childTnLst>
+        </p:cTn>
+      </p:par>
+    </p:tnLst>
+  </p:timing>
 </p:sld>
 </file>
 
@@ -27289,7 +26769,7 @@
         <p:spPr>
           <a:xfrm>
             <a:off x="1168920" y="798840"/>
-            <a:ext cx="7720200" cy="1296000"/>
+            <a:ext cx="7719480" cy="1295280"/>
           </a:xfrm>
           <a:prstGeom prst="rect">
             <a:avLst/>
@@ -27338,7 +26818,7 @@
         <p:spPr>
           <a:xfrm>
             <a:off x="1631880" y="3317040"/>
-            <a:ext cx="2434320" cy="2956680"/>
+            <a:ext cx="2433600" cy="2955960"/>
           </a:xfrm>
           <a:prstGeom prst="rect">
             <a:avLst/>
@@ -27745,7 +27225,7 @@
         <p:spPr>
           <a:xfrm>
             <a:off x="7247160" y="3311640"/>
-            <a:ext cx="701280" cy="2859480"/>
+            <a:ext cx="700560" cy="2858760"/>
           </a:xfrm>
           <a:prstGeom prst="rect">
             <a:avLst/>
@@ -27862,7 +27342,7 @@
         <p:spPr>
           <a:xfrm>
             <a:off x="1112760" y="3276720"/>
-            <a:ext cx="7776360" cy="3021120"/>
+            <a:ext cx="7775640" cy="3020400"/>
           </a:xfrm>
           <a:prstGeom prst="rect">
             <a:avLst/>
@@ -27893,7 +27373,7 @@
         <p:spPr>
           <a:xfrm>
             <a:off x="914400" y="1555920"/>
-            <a:ext cx="7771320" cy="1643400"/>
+            <a:ext cx="7770600" cy="1642680"/>
           </a:xfrm>
           <a:prstGeom prst="rect">
             <a:avLst/>
@@ -28207,7 +27687,7 @@
         <p:spPr>
           <a:xfrm>
             <a:off x="8781120" y="7008480"/>
-            <a:ext cx="157320" cy="4506120"/>
+            <a:ext cx="156600" cy="4505400"/>
           </a:xfrm>
           <a:prstGeom prst="rect">
             <a:avLst/>
@@ -28231,7 +27711,7 @@
                 <a:spcPts val="859"/>
               </a:lnSpc>
             </a:pPr>
-            <a:fld id="{1FF90B84-4297-4094-868B-2449F0EA4F1A}" type="slidenum">
+            <a:fld id="{458125C8-2506-4315-BE4F-272F578190C4}" type="slidenum">
               <a:rPr b="0" lang="en-US" sz="800" spc="-1" strike="noStrike">
                 <a:solidFill>
                   <a:srgbClr val="000000"/>
@@ -28256,7 +27736,7 @@
         <p:spPr>
           <a:xfrm>
             <a:off x="1130400" y="6553080"/>
-            <a:ext cx="5139360" cy="310680"/>
+            <a:ext cx="5138640" cy="309960"/>
           </a:xfrm>
           <a:prstGeom prst="rect">
             <a:avLst/>
@@ -28275,7 +27755,7 @@
         <p:txBody>
           <a:bodyPr lIns="0" rIns="0" tIns="0" bIns="0"/>
           <a:p>
-            <a:pPr marL="355680" indent="-340920">
+            <a:pPr marL="355680" indent="-340200">
               <a:lnSpc>
                 <a:spcPct val="100000"/>
               </a:lnSpc>
@@ -28323,6 +27803,33 @@
       </p:sp>
     </p:spTree>
   </p:cSld>
+  <p:timing>
+    <p:tnLst>
+      <p:par>
+        <p:cTn id="9" dur="indefinite" restart="never" nodeType="tmRoot">
+          <p:childTnLst>
+            <p:seq>
+              <p:cTn id="10" dur="indefinite" nodeType="mainSeq"/>
+              <p:prevCondLst>
+                <p:cond delay="0" evt="onPrev">
+                  <p:tgtEl>
+                    <p:sldTgt/>
+                  </p:tgtEl>
+                </p:cond>
+              </p:prevCondLst>
+              <p:nextCondLst>
+                <p:cond delay="0" evt="onNext">
+                  <p:tgtEl>
+                    <p:sldTgt/>
+                  </p:tgtEl>
+                </p:cond>
+              </p:nextCondLst>
+            </p:seq>
+          </p:childTnLst>
+        </p:cTn>
+      </p:par>
+    </p:tnLst>
+  </p:timing>
 </p:sld>
 </file>
 
@@ -28352,7 +27859,7 @@
         <p:spPr>
           <a:xfrm>
             <a:off x="1138680" y="659520"/>
-            <a:ext cx="7720200" cy="1296000"/>
+            <a:ext cx="7719480" cy="1295280"/>
           </a:xfrm>
           <a:prstGeom prst="rect">
             <a:avLst/>
@@ -28411,7 +27918,7 @@
         <p:spPr>
           <a:xfrm>
             <a:off x="1371600" y="1314000"/>
-            <a:ext cx="7318080" cy="4639680"/>
+            <a:ext cx="7317360" cy="4638960"/>
           </a:xfrm>
           <a:prstGeom prst="rect">
             <a:avLst/>
@@ -28442,7 +27949,7 @@
         <p:spPr>
           <a:xfrm>
             <a:off x="1722960" y="1474200"/>
-            <a:ext cx="892440" cy="364320"/>
+            <a:ext cx="891720" cy="363600"/>
           </a:xfrm>
           <a:prstGeom prst="rect">
             <a:avLst/>
@@ -28491,7 +27998,7 @@
         <p:spPr>
           <a:xfrm>
             <a:off x="7954200" y="2679840"/>
-            <a:ext cx="319680" cy="1899000"/>
+            <a:ext cx="318960" cy="1898280"/>
           </a:xfrm>
           <a:prstGeom prst="rect">
             <a:avLst/>
@@ -28540,7 +28047,7 @@
         <p:spPr>
           <a:xfrm>
             <a:off x="5384520" y="1672200"/>
-            <a:ext cx="864000" cy="249840"/>
+            <a:ext cx="863280" cy="249120"/>
           </a:xfrm>
           <a:prstGeom prst="rect">
             <a:avLst/>
@@ -28589,7 +28096,7 @@
         <p:spPr>
           <a:xfrm>
             <a:off x="5148360" y="2320560"/>
-            <a:ext cx="1444320" cy="425520"/>
+            <a:ext cx="1443600" cy="424800"/>
           </a:xfrm>
           <a:prstGeom prst="rect">
             <a:avLst/>
@@ -28638,7 +28145,7 @@
         <p:spPr>
           <a:xfrm>
             <a:off x="5178960" y="4481640"/>
-            <a:ext cx="1397520" cy="425520"/>
+            <a:ext cx="1396800" cy="424800"/>
           </a:xfrm>
           <a:prstGeom prst="rect">
             <a:avLst/>
@@ -28687,7 +28194,7 @@
         <p:spPr>
           <a:xfrm>
             <a:off x="1940040" y="4494600"/>
-            <a:ext cx="2437920" cy="378360"/>
+            <a:ext cx="2437200" cy="377640"/>
           </a:xfrm>
           <a:prstGeom prst="rect">
             <a:avLst/>
@@ -28718,7 +28225,7 @@
         <p:spPr>
           <a:xfrm>
             <a:off x="2059200" y="4549320"/>
-            <a:ext cx="2137320" cy="249840"/>
+            <a:ext cx="2136600" cy="249120"/>
           </a:xfrm>
           <a:prstGeom prst="rect">
             <a:avLst/>
@@ -28767,7 +28274,7 @@
         <p:spPr>
           <a:xfrm>
             <a:off x="5866920" y="1919520"/>
-            <a:ext cx="360" cy="351000"/>
+            <a:ext cx="360" cy="350280"/>
           </a:xfrm>
           <a:custGeom>
             <a:avLst/>
@@ -28809,7 +28316,7 @@
         <p:spPr>
           <a:xfrm>
             <a:off x="5809680" y="2089440"/>
-            <a:ext cx="112320" cy="249480"/>
+            <a:ext cx="111600" cy="248760"/>
           </a:xfrm>
           <a:custGeom>
             <a:avLst/>
@@ -28857,7 +28364,7 @@
         <p:spPr>
           <a:xfrm>
             <a:off x="5828760" y="2104920"/>
-            <a:ext cx="74160" cy="165600"/>
+            <a:ext cx="73440" cy="164880"/>
           </a:xfrm>
           <a:custGeom>
             <a:avLst/>
@@ -28902,7 +28409,7 @@
         <p:spPr>
           <a:xfrm>
             <a:off x="5866920" y="4939920"/>
-            <a:ext cx="360" cy="394560"/>
+            <a:ext cx="360" cy="393840"/>
           </a:xfrm>
           <a:custGeom>
             <a:avLst/>
@@ -28944,7 +28451,7 @@
         <p:spPr>
           <a:xfrm>
             <a:off x="5809680" y="5154120"/>
-            <a:ext cx="112320" cy="249480"/>
+            <a:ext cx="111600" cy="248760"/>
           </a:xfrm>
           <a:custGeom>
             <a:avLst/>
@@ -28992,7 +28499,7 @@
         <p:spPr>
           <a:xfrm>
             <a:off x="5828760" y="5169240"/>
-            <a:ext cx="74160" cy="165600"/>
+            <a:ext cx="73440" cy="164880"/>
           </a:xfrm>
           <a:custGeom>
             <a:avLst/>
@@ -29037,7 +28544,7 @@
         <p:spPr>
           <a:xfrm>
             <a:off x="5866920" y="2793960"/>
-            <a:ext cx="360" cy="1644480"/>
+            <a:ext cx="360" cy="1643760"/>
           </a:xfrm>
           <a:custGeom>
             <a:avLst/>
@@ -29079,7 +28586,7 @@
         <p:spPr>
           <a:xfrm>
             <a:off x="5809680" y="4257360"/>
-            <a:ext cx="112320" cy="249480"/>
+            <a:ext cx="111600" cy="248760"/>
           </a:xfrm>
           <a:custGeom>
             <a:avLst/>
@@ -29127,7 +28634,7 @@
         <p:spPr>
           <a:xfrm>
             <a:off x="5828760" y="4272840"/>
-            <a:ext cx="74160" cy="165600"/>
+            <a:ext cx="73440" cy="164880"/>
           </a:xfrm>
           <a:custGeom>
             <a:avLst/>
@@ -29172,7 +28679,7 @@
         <p:spPr>
           <a:xfrm>
             <a:off x="5361480" y="5432040"/>
-            <a:ext cx="1017720" cy="249840"/>
+            <a:ext cx="1017000" cy="249120"/>
           </a:xfrm>
           <a:prstGeom prst="rect">
             <a:avLst/>
@@ -29221,7 +28728,7 @@
         <p:spPr>
           <a:xfrm>
             <a:off x="8781120" y="7008480"/>
-            <a:ext cx="157320" cy="4506120"/>
+            <a:ext cx="156600" cy="4505400"/>
           </a:xfrm>
           <a:prstGeom prst="rect">
             <a:avLst/>
@@ -29245,7 +28752,7 @@
                 <a:spcPts val="859"/>
               </a:lnSpc>
             </a:pPr>
-            <a:fld id="{74305747-2C6E-47E3-ADEF-7596C1715BC7}" type="slidenum">
+            <a:fld id="{C86CEEA0-DA1B-4C3C-8761-A0901F28AFED}" type="slidenum">
               <a:rPr b="0" lang="en-US" sz="800" spc="-1" strike="noStrike">
                 <a:solidFill>
                   <a:srgbClr val="000000"/>
@@ -29270,7 +28777,7 @@
         <p:spPr>
           <a:xfrm>
             <a:off x="990720" y="6248520"/>
-            <a:ext cx="7389360" cy="713520"/>
+            <a:ext cx="7388640" cy="712800"/>
           </a:xfrm>
           <a:prstGeom prst="rect">
             <a:avLst/>
@@ -29289,7 +28796,7 @@
         <p:txBody>
           <a:bodyPr lIns="90000" rIns="90000" tIns="45000" bIns="45000"/>
           <a:p>
-            <a:pPr marL="285840" indent="-283680">
+            <a:pPr marL="285840" indent="-282960">
               <a:lnSpc>
                 <a:spcPct val="100000"/>
               </a:lnSpc>
@@ -29337,7 +28844,7 @@
             </a:endParaRPr>
           </a:p>
           <a:p>
-            <a:pPr marL="285840" indent="-283680">
+            <a:pPr marL="285840" indent="-282960">
               <a:lnSpc>
                 <a:spcPct val="100000"/>
               </a:lnSpc>
@@ -29388,6 +28895,33 @@
       </p:sp>
     </p:spTree>
   </p:cSld>
+  <p:timing>
+    <p:tnLst>
+      <p:par>
+        <p:cTn id="11" dur="indefinite" restart="never" nodeType="tmRoot">
+          <p:childTnLst>
+            <p:seq>
+              <p:cTn id="12" dur="indefinite" nodeType="mainSeq"/>
+              <p:prevCondLst>
+                <p:cond delay="0" evt="onPrev">
+                  <p:tgtEl>
+                    <p:sldTgt/>
+                  </p:tgtEl>
+                </p:cond>
+              </p:prevCondLst>
+              <p:nextCondLst>
+                <p:cond delay="0" evt="onNext">
+                  <p:tgtEl>
+                    <p:sldTgt/>
+                  </p:tgtEl>
+                </p:cond>
+              </p:nextCondLst>
+            </p:seq>
+          </p:childTnLst>
+        </p:cTn>
+      </p:par>
+    </p:tnLst>
+  </p:timing>
 </p:sld>
 </file>
 
@@ -29417,7 +28951,7 @@
         <p:spPr>
           <a:xfrm>
             <a:off x="1167480" y="798840"/>
-            <a:ext cx="7721280" cy="382680"/>
+            <a:ext cx="7720560" cy="381960"/>
           </a:xfrm>
           <a:prstGeom prst="rect">
             <a:avLst/>
@@ -29466,7 +29000,7 @@
         <p:spPr>
           <a:xfrm>
             <a:off x="502920" y="1447920"/>
-            <a:ext cx="8562600" cy="6084000"/>
+            <a:ext cx="8561880" cy="6083280"/>
           </a:xfrm>
           <a:prstGeom prst="rect">
             <a:avLst/>
@@ -29485,7 +29019,7 @@
         <p:txBody>
           <a:bodyPr lIns="0" rIns="0" tIns="0" bIns="0"/>
           <a:p>
-            <a:pPr marL="343080" indent="-340920">
+            <a:pPr marL="343080" indent="-340200">
               <a:lnSpc>
                 <a:spcPct val="100000"/>
               </a:lnSpc>
@@ -29510,7 +29044,7 @@
             </a:endParaRPr>
           </a:p>
           <a:p>
-            <a:pPr lvl="1" marL="800280" indent="-340920">
+            <a:pPr lvl="1" marL="800280" indent="-340200">
               <a:lnSpc>
                 <a:spcPct val="100000"/>
               </a:lnSpc>
@@ -29535,7 +29069,7 @@
             </a:endParaRPr>
           </a:p>
           <a:p>
-            <a:pPr lvl="1" marL="800280" indent="-340920">
+            <a:pPr lvl="1" marL="800280" indent="-340200">
               <a:lnSpc>
                 <a:spcPct val="100000"/>
               </a:lnSpc>
@@ -29650,7 +29184,7 @@
             </a:endParaRPr>
           </a:p>
           <a:p>
-            <a:pPr marL="343080" indent="-340920">
+            <a:pPr marL="343080" indent="-340200">
               <a:lnSpc>
                 <a:spcPct val="100000"/>
               </a:lnSpc>
@@ -29675,7 +29209,7 @@
             </a:endParaRPr>
           </a:p>
           <a:p>
-            <a:pPr lvl="1" marL="800280" indent="-340920">
+            <a:pPr lvl="1" marL="800280" indent="-340200">
               <a:lnSpc>
                 <a:spcPct val="100000"/>
               </a:lnSpc>
@@ -29700,7 +29234,7 @@
             </a:endParaRPr>
           </a:p>
           <a:p>
-            <a:pPr lvl="1" marL="800280" indent="-340920">
+            <a:pPr lvl="1" marL="800280" indent="-340200">
               <a:lnSpc>
                 <a:spcPct val="100000"/>
               </a:lnSpc>
@@ -29725,7 +29259,7 @@
             </a:endParaRPr>
           </a:p>
           <a:p>
-            <a:pPr lvl="1" marL="800280" indent="-340920">
+            <a:pPr lvl="1" marL="800280" indent="-340200">
               <a:lnSpc>
                 <a:spcPct val="100000"/>
               </a:lnSpc>
@@ -29760,7 +29294,7 @@
             </a:endParaRPr>
           </a:p>
           <a:p>
-            <a:pPr marL="343080" indent="-340920">
+            <a:pPr marL="343080" indent="-340200">
               <a:lnSpc>
                 <a:spcPct val="100000"/>
               </a:lnSpc>
@@ -29815,7 +29349,7 @@
         <p:spPr>
           <a:xfrm>
             <a:off x="896040" y="2666880"/>
-            <a:ext cx="5274000" cy="1972440"/>
+            <a:ext cx="5273280" cy="1971720"/>
           </a:xfrm>
           <a:prstGeom prst="rect">
             <a:avLst/>
@@ -29848,7 +29382,7 @@
         <p:spPr>
           <a:xfrm>
             <a:off x="1842120" y="2672640"/>
-            <a:ext cx="2434320" cy="2017080"/>
+            <a:ext cx="2433600" cy="2016360"/>
           </a:xfrm>
           <a:prstGeom prst="rect">
             <a:avLst/>
@@ -30215,7 +29749,7 @@
         <p:spPr>
           <a:xfrm>
             <a:off x="5032080" y="2696760"/>
-            <a:ext cx="701280" cy="1944720"/>
+            <a:ext cx="700560" cy="1944000"/>
           </a:xfrm>
           <a:prstGeom prst="rect">
             <a:avLst/>
@@ -30303,6 +29837,33 @@
       </p:sp>
     </p:spTree>
   </p:cSld>
+  <p:timing>
+    <p:tnLst>
+      <p:par>
+        <p:cTn id="13" dur="indefinite" restart="never" nodeType="tmRoot">
+          <p:childTnLst>
+            <p:seq>
+              <p:cTn id="14" dur="indefinite" nodeType="mainSeq"/>
+              <p:prevCondLst>
+                <p:cond delay="0" evt="onPrev">
+                  <p:tgtEl>
+                    <p:sldTgt/>
+                  </p:tgtEl>
+                </p:cond>
+              </p:prevCondLst>
+              <p:nextCondLst>
+                <p:cond delay="0" evt="onNext">
+                  <p:tgtEl>
+                    <p:sldTgt/>
+                  </p:tgtEl>
+                </p:cond>
+              </p:nextCondLst>
+            </p:seq>
+          </p:childTnLst>
+        </p:cTn>
+      </p:par>
+    </p:tnLst>
+  </p:timing>
 </p:sld>
 </file>
 
@@ -30332,7 +29893,7 @@
         <p:spPr>
           <a:xfrm>
             <a:off x="8781120" y="7008480"/>
-            <a:ext cx="157320" cy="4506120"/>
+            <a:ext cx="156600" cy="4505400"/>
           </a:xfrm>
           <a:prstGeom prst="rect">
             <a:avLst/>
@@ -30356,7 +29917,7 @@
                 <a:spcPts val="859"/>
               </a:lnSpc>
             </a:pPr>
-            <a:fld id="{59252FC6-DC04-4710-97B5-874496A0011D}" type="slidenum">
+            <a:fld id="{BED19785-7F68-4636-9E39-1C7CDB6957D1}" type="slidenum">
               <a:rPr b="0" lang="en-US" sz="800" spc="-1" strike="noStrike">
                 <a:solidFill>
                   <a:srgbClr val="000000"/>
@@ -30381,7 +29942,7 @@
         <p:spPr>
           <a:xfrm>
             <a:off x="1168920" y="798840"/>
-            <a:ext cx="7720200" cy="1296000"/>
+            <a:ext cx="7719480" cy="1295280"/>
           </a:xfrm>
           <a:prstGeom prst="rect">
             <a:avLst/>
@@ -30430,7 +29991,7 @@
         <p:spPr>
           <a:xfrm>
             <a:off x="1130400" y="1411560"/>
-            <a:ext cx="7790040" cy="5133600"/>
+            <a:ext cx="7789320" cy="5132880"/>
           </a:xfrm>
           <a:prstGeom prst="rect">
             <a:avLst/>
@@ -30499,7 +30060,7 @@
             </a:endParaRPr>
           </a:p>
           <a:p>
-            <a:pPr marL="583560" indent="-203040">
+            <a:pPr marL="583560" indent="-202320">
               <a:lnSpc>
                 <a:spcPct val="100000"/>
               </a:lnSpc>
@@ -30547,7 +30108,7 @@
             </a:endParaRPr>
           </a:p>
           <a:p>
-            <a:pPr marL="583560" indent="-203040">
+            <a:pPr marL="583560" indent="-202320">
               <a:lnSpc>
                 <a:spcPct val="100000"/>
               </a:lnSpc>
@@ -30575,7 +30136,7 @@
             </a:endParaRPr>
           </a:p>
           <a:p>
-            <a:pPr marL="583560" indent="-203040">
+            <a:pPr marL="583560" indent="-202320">
               <a:lnSpc>
                 <a:spcPct val="100000"/>
               </a:lnSpc>
@@ -30633,7 +30194,7 @@
             </a:endParaRPr>
           </a:p>
           <a:p>
-            <a:pPr marL="583560" indent="-203040">
+            <a:pPr marL="583560" indent="-202320">
               <a:lnSpc>
                 <a:spcPct val="100000"/>
               </a:lnSpc>
@@ -30734,7 +30295,7 @@
             </a:endParaRPr>
           </a:p>
           <a:p>
-            <a:pPr marL="577800" indent="-340920">
+            <a:pPr marL="577800" indent="-340200">
               <a:lnSpc>
                 <a:spcPct val="101000"/>
               </a:lnSpc>
@@ -30792,7 +30353,7 @@
             </a:endParaRPr>
           </a:p>
           <a:p>
-            <a:pPr marL="577800" indent="-340920">
+            <a:pPr marL="577800" indent="-340200">
               <a:lnSpc>
                 <a:spcPct val="100000"/>
               </a:lnSpc>
@@ -30847,7 +30408,7 @@
             </a:endParaRPr>
           </a:p>
           <a:p>
-            <a:pPr marL="577800" indent="-340920">
+            <a:pPr marL="577800" indent="-340200">
               <a:lnSpc>
                 <a:spcPct val="100000"/>
               </a:lnSpc>
@@ -30932,7 +30493,7 @@
         <p:spPr>
           <a:xfrm>
             <a:off x="1115640" y="6784560"/>
-            <a:ext cx="2398680" cy="310680"/>
+            <a:ext cx="2397960" cy="309960"/>
           </a:xfrm>
           <a:prstGeom prst="rect">
             <a:avLst/>
@@ -30981,7 +30542,7 @@
         <p:spPr>
           <a:xfrm>
             <a:off x="3516480" y="6757920"/>
-            <a:ext cx="5103360" cy="310680"/>
+            <a:ext cx="5102640" cy="309960"/>
           </a:xfrm>
           <a:prstGeom prst="rect">
             <a:avLst/>
@@ -31043,6 +30604,33 @@
       </p:sp>
     </p:spTree>
   </p:cSld>
+  <p:timing>
+    <p:tnLst>
+      <p:par>
+        <p:cTn id="15" dur="indefinite" restart="never" nodeType="tmRoot">
+          <p:childTnLst>
+            <p:seq>
+              <p:cTn id="16" dur="indefinite" nodeType="mainSeq"/>
+              <p:prevCondLst>
+                <p:cond delay="0" evt="onPrev">
+                  <p:tgtEl>
+                    <p:sldTgt/>
+                  </p:tgtEl>
+                </p:cond>
+              </p:prevCondLst>
+              <p:nextCondLst>
+                <p:cond delay="0" evt="onNext">
+                  <p:tgtEl>
+                    <p:sldTgt/>
+                  </p:tgtEl>
+                </p:cond>
+              </p:nextCondLst>
+            </p:seq>
+          </p:childTnLst>
+        </p:cTn>
+      </p:par>
+    </p:tnLst>
+  </p:timing>
 </p:sld>
 </file>
 
@@ -31072,7 +30660,7 @@
         <p:spPr>
           <a:xfrm>
             <a:off x="1167480" y="798840"/>
-            <a:ext cx="7721280" cy="382680"/>
+            <a:ext cx="7720560" cy="381960"/>
           </a:xfrm>
           <a:prstGeom prst="rect">
             <a:avLst/>
@@ -31121,7 +30709,7 @@
         <p:spPr>
           <a:xfrm>
             <a:off x="502920" y="1447920"/>
-            <a:ext cx="8562600" cy="5822640"/>
+            <a:ext cx="8561880" cy="5821920"/>
           </a:xfrm>
           <a:prstGeom prst="rect">
             <a:avLst/>
@@ -31140,7 +30728,7 @@
         <p:txBody>
           <a:bodyPr lIns="0" rIns="0" tIns="0" bIns="0"/>
           <a:p>
-            <a:pPr marL="343080" indent="-340920">
+            <a:pPr marL="343080" indent="-340200">
               <a:lnSpc>
                 <a:spcPct val="100000"/>
               </a:lnSpc>
@@ -31178,7 +30766,7 @@
             </a:endParaRPr>
           </a:p>
           <a:p>
-            <a:pPr lvl="1" marL="800280" indent="-340920">
+            <a:pPr lvl="1" marL="800280" indent="-340200">
               <a:lnSpc>
                 <a:spcPct val="100000"/>
               </a:lnSpc>
@@ -31226,7 +30814,7 @@
             </a:endParaRPr>
           </a:p>
           <a:p>
-            <a:pPr lvl="1" marL="800280" indent="-340920">
+            <a:pPr lvl="1" marL="800280" indent="-340200">
               <a:lnSpc>
                 <a:spcPct val="100000"/>
               </a:lnSpc>
@@ -31247,7 +30835,7 @@
                 <a:latin typeface="Calibri"/>
                 <a:ea typeface="DejaVu Sans"/>
               </a:rPr>
-              <a:t>Performance measure:  expresses extend of satisfaction, progress towards</a:t>
+              <a:t>Performance measure:  expresses extent of satisfaction, progress towards goal</a:t>
             </a:r>
             <a:endParaRPr b="0" lang="en-US" sz="1800" spc="-1" strike="noStrike">
               <a:latin typeface="Arial"/>
@@ -31264,7 +30852,7 @@
             </a:endParaRPr>
           </a:p>
           <a:p>
-            <a:pPr marL="343080" indent="-340920">
+            <a:pPr marL="343080" indent="-340200">
               <a:lnSpc>
                 <a:spcPct val="100000"/>
               </a:lnSpc>
@@ -31292,7 +30880,7 @@
             </a:endParaRPr>
           </a:p>
           <a:p>
-            <a:pPr lvl="1" marL="800280" indent="-340920">
+            <a:pPr lvl="1" marL="800280" indent="-340200">
               <a:lnSpc>
                 <a:spcPct val="100000"/>
               </a:lnSpc>
@@ -31320,7 +30908,7 @@
             </a:endParaRPr>
           </a:p>
           <a:p>
-            <a:pPr lvl="1" marL="800280" indent="-340920">
+            <a:pPr lvl="1" marL="800280" indent="-340200">
               <a:lnSpc>
                 <a:spcPct val="100000"/>
               </a:lnSpc>
@@ -31358,7 +30946,7 @@
             </a:endParaRPr>
           </a:p>
           <a:p>
-            <a:pPr marL="343080" indent="-340920">
+            <a:pPr marL="343080" indent="-340200">
               <a:lnSpc>
                 <a:spcPct val="100000"/>
               </a:lnSpc>
@@ -31386,7 +30974,7 @@
             </a:endParaRPr>
           </a:p>
           <a:p>
-            <a:pPr lvl="1" marL="800280" indent="-340920">
+            <a:pPr lvl="1" marL="800280" indent="-340200">
               <a:lnSpc>
                 <a:spcPct val="100000"/>
               </a:lnSpc>
@@ -31424,7 +31012,7 @@
             </a:endParaRPr>
           </a:p>
           <a:p>
-            <a:pPr marL="343080" indent="-340920">
+            <a:pPr marL="343080" indent="-340200">
               <a:lnSpc>
                 <a:spcPct val="100000"/>
               </a:lnSpc>
@@ -31452,7 +31040,7 @@
             </a:endParaRPr>
           </a:p>
           <a:p>
-            <a:pPr lvl="1" marL="800280" indent="-340920">
+            <a:pPr lvl="1" marL="800280" indent="-340200">
               <a:lnSpc>
                 <a:spcPct val="100000"/>
               </a:lnSpc>
@@ -31480,7 +31068,7 @@
             </a:endParaRPr>
           </a:p>
           <a:p>
-            <a:pPr lvl="1" marL="800280" indent="-340920">
+            <a:pPr lvl="1" marL="800280" indent="-340200">
               <a:lnSpc>
                 <a:spcPct val="100000"/>
               </a:lnSpc>
@@ -31508,7 +31096,7 @@
             </a:endParaRPr>
           </a:p>
           <a:p>
-            <a:pPr lvl="1" marL="800280" indent="-340920">
+            <a:pPr lvl="1" marL="800280" indent="-340200">
               <a:lnSpc>
                 <a:spcPct val="100000"/>
               </a:lnSpc>
@@ -31536,7 +31124,7 @@
             </a:endParaRPr>
           </a:p>
           <a:p>
-            <a:pPr lvl="2" marL="1257480" indent="-340920">
+            <a:pPr lvl="2" marL="1257480" indent="-340200">
               <a:lnSpc>
                 <a:spcPct val="100000"/>
               </a:lnSpc>
@@ -31588,7 +31176,7 @@
         <p:spPr>
           <a:xfrm>
             <a:off x="6508440" y="3657600"/>
-            <a:ext cx="3091680" cy="2055240"/>
+            <a:ext cx="3090960" cy="2054520"/>
           </a:xfrm>
           <a:prstGeom prst="rect">
             <a:avLst/>
@@ -31600,6 +31188,33 @@
       </p:pic>
     </p:spTree>
   </p:cSld>
+  <p:timing>
+    <p:tnLst>
+      <p:par>
+        <p:cTn id="17" dur="indefinite" restart="never" nodeType="tmRoot">
+          <p:childTnLst>
+            <p:seq>
+              <p:cTn id="18" dur="indefinite" nodeType="mainSeq"/>
+              <p:prevCondLst>
+                <p:cond delay="0" evt="onPrev">
+                  <p:tgtEl>
+                    <p:sldTgt/>
+                  </p:tgtEl>
+                </p:cond>
+              </p:prevCondLst>
+              <p:nextCondLst>
+                <p:cond delay="0" evt="onNext">
+                  <p:tgtEl>
+                    <p:sldTgt/>
+                  </p:tgtEl>
+                </p:cond>
+              </p:nextCondLst>
+            </p:seq>
+          </p:childTnLst>
+        </p:cTn>
+      </p:par>
+    </p:tnLst>
+  </p:timing>
 </p:sld>
 </file>
 
